--- a/project_presentation.pptx
+++ b/project_presentation.pptx
@@ -4,13 +4,19 @@
   <p:sldMasterIdLst>
     <p:sldMasterId id="2147483840" r:id="rId1"/>
   </p:sldMasterIdLst>
+  <p:notesMasterIdLst>
+    <p:notesMasterId r:id="rId11"/>
+  </p:notesMasterIdLst>
   <p:sldIdLst>
     <p:sldId id="256" r:id="rId2"/>
-    <p:sldId id="257" r:id="rId3"/>
-    <p:sldId id="258" r:id="rId4"/>
-    <p:sldId id="259" r:id="rId5"/>
-    <p:sldId id="260" r:id="rId6"/>
-    <p:sldId id="261" r:id="rId7"/>
+    <p:sldId id="258" r:id="rId3"/>
+    <p:sldId id="262" r:id="rId4"/>
+    <p:sldId id="257" r:id="rId5"/>
+    <p:sldId id="263" r:id="rId6"/>
+    <p:sldId id="259" r:id="rId7"/>
+    <p:sldId id="261" r:id="rId8"/>
+    <p:sldId id="264" r:id="rId9"/>
+    <p:sldId id="260" r:id="rId10"/>
   </p:sldIdLst>
   <p:sldSz cx="12192000" cy="6858000"/>
   <p:notesSz cx="6858000" cy="9144000"/>
@@ -109,7 +115,4415 @@
       </a:defRPr>
     </a:lvl9pPr>
   </p:defaultTextStyle>
+  <p:extLst>
+    <p:ext uri="{EFAFB233-063F-42B5-8137-9DF3F51BA10A}">
+      <p15:sldGuideLst xmlns:p15="http://schemas.microsoft.com/office/powerpoint/2012/main"/>
+    </p:ext>
+  </p:extLst>
 </p:presentation>
+</file>
+
+<file path=ppt/diagrams/colors1.xml><?xml version="1.0" encoding="utf-8"?>
+<dgm:colorsDef xmlns:dgm="http://schemas.openxmlformats.org/drawingml/2006/diagram" xmlns:a="http://schemas.openxmlformats.org/drawingml/2006/main" uniqueId="urn:microsoft.com/office/officeart/2005/8/colors/accent1_2">
+  <dgm:title val=""/>
+  <dgm:desc val=""/>
+  <dgm:catLst>
+    <dgm:cat type="accent1" pri="11200"/>
+  </dgm:catLst>
+  <dgm:styleLbl name="node0">
+    <dgm:fillClrLst meth="repeat">
+      <a:schemeClr val="accent1"/>
+    </dgm:fillClrLst>
+    <dgm:linClrLst meth="repeat">
+      <a:schemeClr val="lt1"/>
+    </dgm:linClrLst>
+    <dgm:effectClrLst/>
+    <dgm:txLinClrLst/>
+    <dgm:txFillClrLst/>
+    <dgm:txEffectClrLst/>
+  </dgm:styleLbl>
+  <dgm:styleLbl name="alignNode1">
+    <dgm:fillClrLst meth="repeat">
+      <a:schemeClr val="accent1"/>
+    </dgm:fillClrLst>
+    <dgm:linClrLst meth="repeat">
+      <a:schemeClr val="accent1"/>
+    </dgm:linClrLst>
+    <dgm:effectClrLst/>
+    <dgm:txLinClrLst/>
+    <dgm:txFillClrLst/>
+    <dgm:txEffectClrLst/>
+  </dgm:styleLbl>
+  <dgm:styleLbl name="node1">
+    <dgm:fillClrLst meth="repeat">
+      <a:schemeClr val="accent1"/>
+    </dgm:fillClrLst>
+    <dgm:linClrLst meth="repeat">
+      <a:schemeClr val="lt1"/>
+    </dgm:linClrLst>
+    <dgm:effectClrLst/>
+    <dgm:txLinClrLst/>
+    <dgm:txFillClrLst/>
+    <dgm:txEffectClrLst/>
+  </dgm:styleLbl>
+  <dgm:styleLbl name="lnNode1">
+    <dgm:fillClrLst meth="repeat">
+      <a:schemeClr val="accent1"/>
+    </dgm:fillClrLst>
+    <dgm:linClrLst meth="repeat">
+      <a:schemeClr val="lt1"/>
+    </dgm:linClrLst>
+    <dgm:effectClrLst/>
+    <dgm:txLinClrLst/>
+    <dgm:txFillClrLst/>
+    <dgm:txEffectClrLst/>
+  </dgm:styleLbl>
+  <dgm:styleLbl name="vennNode1">
+    <dgm:fillClrLst meth="repeat">
+      <a:schemeClr val="accent1">
+        <a:alpha val="50000"/>
+      </a:schemeClr>
+    </dgm:fillClrLst>
+    <dgm:linClrLst meth="repeat">
+      <a:schemeClr val="lt1"/>
+    </dgm:linClrLst>
+    <dgm:effectClrLst/>
+    <dgm:txLinClrLst/>
+    <dgm:txFillClrLst/>
+    <dgm:txEffectClrLst/>
+  </dgm:styleLbl>
+  <dgm:styleLbl name="node2">
+    <dgm:fillClrLst meth="repeat">
+      <a:schemeClr val="accent1"/>
+    </dgm:fillClrLst>
+    <dgm:linClrLst meth="repeat">
+      <a:schemeClr val="lt1"/>
+    </dgm:linClrLst>
+    <dgm:effectClrLst/>
+    <dgm:txLinClrLst/>
+    <dgm:txFillClrLst/>
+    <dgm:txEffectClrLst/>
+  </dgm:styleLbl>
+  <dgm:styleLbl name="node3">
+    <dgm:fillClrLst meth="repeat">
+      <a:schemeClr val="accent1"/>
+    </dgm:fillClrLst>
+    <dgm:linClrLst meth="repeat">
+      <a:schemeClr val="lt1"/>
+    </dgm:linClrLst>
+    <dgm:effectClrLst/>
+    <dgm:txLinClrLst/>
+    <dgm:txFillClrLst/>
+    <dgm:txEffectClrLst/>
+  </dgm:styleLbl>
+  <dgm:styleLbl name="node4">
+    <dgm:fillClrLst meth="repeat">
+      <a:schemeClr val="accent1"/>
+    </dgm:fillClrLst>
+    <dgm:linClrLst meth="repeat">
+      <a:schemeClr val="lt1"/>
+    </dgm:linClrLst>
+    <dgm:effectClrLst/>
+    <dgm:txLinClrLst/>
+    <dgm:txFillClrLst/>
+    <dgm:txEffectClrLst/>
+  </dgm:styleLbl>
+  <dgm:styleLbl name="fgImgPlace1">
+    <dgm:fillClrLst meth="repeat">
+      <a:schemeClr val="accent1">
+        <a:tint val="50000"/>
+      </a:schemeClr>
+    </dgm:fillClrLst>
+    <dgm:linClrLst meth="repeat">
+      <a:schemeClr val="lt1"/>
+    </dgm:linClrLst>
+    <dgm:effectClrLst/>
+    <dgm:txLinClrLst/>
+    <dgm:txFillClrLst meth="repeat">
+      <a:schemeClr val="lt1"/>
+    </dgm:txFillClrLst>
+    <dgm:txEffectClrLst/>
+  </dgm:styleLbl>
+  <dgm:styleLbl name="alignImgPlace1">
+    <dgm:fillClrLst meth="repeat">
+      <a:schemeClr val="accent1">
+        <a:tint val="50000"/>
+      </a:schemeClr>
+    </dgm:fillClrLst>
+    <dgm:linClrLst meth="repeat">
+      <a:schemeClr val="lt1"/>
+    </dgm:linClrLst>
+    <dgm:effectClrLst/>
+    <dgm:txLinClrLst/>
+    <dgm:txFillClrLst meth="repeat">
+      <a:schemeClr val="lt1"/>
+    </dgm:txFillClrLst>
+    <dgm:txEffectClrLst/>
+  </dgm:styleLbl>
+  <dgm:styleLbl name="bgImgPlace1">
+    <dgm:fillClrLst meth="repeat">
+      <a:schemeClr val="accent1">
+        <a:tint val="50000"/>
+      </a:schemeClr>
+    </dgm:fillClrLst>
+    <dgm:linClrLst meth="repeat">
+      <a:schemeClr val="lt1"/>
+    </dgm:linClrLst>
+    <dgm:effectClrLst/>
+    <dgm:txLinClrLst/>
+    <dgm:txFillClrLst meth="repeat">
+      <a:schemeClr val="lt1"/>
+    </dgm:txFillClrLst>
+    <dgm:txEffectClrLst/>
+  </dgm:styleLbl>
+  <dgm:styleLbl name="sibTrans2D1">
+    <dgm:fillClrLst meth="repeat">
+      <a:schemeClr val="accent1">
+        <a:tint val="60000"/>
+      </a:schemeClr>
+    </dgm:fillClrLst>
+    <dgm:linClrLst meth="repeat">
+      <a:schemeClr val="accent1">
+        <a:tint val="60000"/>
+      </a:schemeClr>
+    </dgm:linClrLst>
+    <dgm:effectClrLst/>
+    <dgm:txLinClrLst/>
+    <dgm:txFillClrLst/>
+    <dgm:txEffectClrLst/>
+  </dgm:styleLbl>
+  <dgm:styleLbl name="fgSibTrans2D1">
+    <dgm:fillClrLst meth="repeat">
+      <a:schemeClr val="accent1">
+        <a:tint val="60000"/>
+      </a:schemeClr>
+    </dgm:fillClrLst>
+    <dgm:linClrLst meth="repeat">
+      <a:schemeClr val="accent1">
+        <a:tint val="60000"/>
+      </a:schemeClr>
+    </dgm:linClrLst>
+    <dgm:effectClrLst/>
+    <dgm:txLinClrLst/>
+    <dgm:txFillClrLst/>
+    <dgm:txEffectClrLst/>
+  </dgm:styleLbl>
+  <dgm:styleLbl name="bgSibTrans2D1">
+    <dgm:fillClrLst meth="repeat">
+      <a:schemeClr val="accent1">
+        <a:tint val="60000"/>
+      </a:schemeClr>
+    </dgm:fillClrLst>
+    <dgm:linClrLst meth="repeat">
+      <a:schemeClr val="accent1">
+        <a:tint val="60000"/>
+      </a:schemeClr>
+    </dgm:linClrLst>
+    <dgm:effectClrLst/>
+    <dgm:txLinClrLst/>
+    <dgm:txFillClrLst/>
+    <dgm:txEffectClrLst/>
+  </dgm:styleLbl>
+  <dgm:styleLbl name="sibTrans1D1">
+    <dgm:fillClrLst meth="repeat">
+      <a:schemeClr val="accent1"/>
+    </dgm:fillClrLst>
+    <dgm:linClrLst meth="repeat">
+      <a:schemeClr val="accent1"/>
+    </dgm:linClrLst>
+    <dgm:effectClrLst/>
+    <dgm:txLinClrLst/>
+    <dgm:txFillClrLst meth="repeat">
+      <a:schemeClr val="tx1"/>
+    </dgm:txFillClrLst>
+    <dgm:txEffectClrLst/>
+  </dgm:styleLbl>
+  <dgm:styleLbl name="callout">
+    <dgm:fillClrLst meth="repeat">
+      <a:schemeClr val="accent1"/>
+    </dgm:fillClrLst>
+    <dgm:linClrLst meth="repeat">
+      <a:schemeClr val="accent1">
+        <a:tint val="50000"/>
+      </a:schemeClr>
+    </dgm:linClrLst>
+    <dgm:effectClrLst/>
+    <dgm:txLinClrLst/>
+    <dgm:txFillClrLst meth="repeat">
+      <a:schemeClr val="tx1"/>
+    </dgm:txFillClrLst>
+    <dgm:txEffectClrLst/>
+  </dgm:styleLbl>
+  <dgm:styleLbl name="asst0">
+    <dgm:fillClrLst meth="repeat">
+      <a:schemeClr val="accent1"/>
+    </dgm:fillClrLst>
+    <dgm:linClrLst meth="repeat">
+      <a:schemeClr val="lt1"/>
+    </dgm:linClrLst>
+    <dgm:effectClrLst/>
+    <dgm:txLinClrLst/>
+    <dgm:txFillClrLst/>
+    <dgm:txEffectClrLst/>
+  </dgm:styleLbl>
+  <dgm:styleLbl name="asst1">
+    <dgm:fillClrLst meth="repeat">
+      <a:schemeClr val="accent1"/>
+    </dgm:fillClrLst>
+    <dgm:linClrLst meth="repeat">
+      <a:schemeClr val="lt1"/>
+    </dgm:linClrLst>
+    <dgm:effectClrLst/>
+    <dgm:txLinClrLst/>
+    <dgm:txFillClrLst/>
+    <dgm:txEffectClrLst/>
+  </dgm:styleLbl>
+  <dgm:styleLbl name="asst2">
+    <dgm:fillClrLst meth="repeat">
+      <a:schemeClr val="accent1"/>
+    </dgm:fillClrLst>
+    <dgm:linClrLst meth="repeat">
+      <a:schemeClr val="lt1"/>
+    </dgm:linClrLst>
+    <dgm:effectClrLst/>
+    <dgm:txLinClrLst/>
+    <dgm:txFillClrLst/>
+    <dgm:txEffectClrLst/>
+  </dgm:styleLbl>
+  <dgm:styleLbl name="asst3">
+    <dgm:fillClrLst meth="repeat">
+      <a:schemeClr val="accent1"/>
+    </dgm:fillClrLst>
+    <dgm:linClrLst meth="repeat">
+      <a:schemeClr val="lt1"/>
+    </dgm:linClrLst>
+    <dgm:effectClrLst/>
+    <dgm:txLinClrLst/>
+    <dgm:txFillClrLst/>
+    <dgm:txEffectClrLst/>
+  </dgm:styleLbl>
+  <dgm:styleLbl name="asst4">
+    <dgm:fillClrLst meth="repeat">
+      <a:schemeClr val="accent1"/>
+    </dgm:fillClrLst>
+    <dgm:linClrLst meth="repeat">
+      <a:schemeClr val="lt1"/>
+    </dgm:linClrLst>
+    <dgm:effectClrLst/>
+    <dgm:txLinClrLst/>
+    <dgm:txFillClrLst/>
+    <dgm:txEffectClrLst/>
+  </dgm:styleLbl>
+  <dgm:styleLbl name="parChTrans2D1">
+    <dgm:fillClrLst meth="repeat">
+      <a:schemeClr val="accent1">
+        <a:tint val="60000"/>
+      </a:schemeClr>
+    </dgm:fillClrLst>
+    <dgm:linClrLst meth="repeat">
+      <a:schemeClr val="accent1">
+        <a:tint val="60000"/>
+      </a:schemeClr>
+    </dgm:linClrLst>
+    <dgm:effectClrLst/>
+    <dgm:txLinClrLst/>
+    <dgm:txFillClrLst meth="repeat">
+      <a:schemeClr val="lt1"/>
+    </dgm:txFillClrLst>
+    <dgm:txEffectClrLst/>
+  </dgm:styleLbl>
+  <dgm:styleLbl name="parChTrans2D2">
+    <dgm:fillClrLst meth="repeat">
+      <a:schemeClr val="accent1"/>
+    </dgm:fillClrLst>
+    <dgm:linClrLst meth="repeat">
+      <a:schemeClr val="accent1"/>
+    </dgm:linClrLst>
+    <dgm:effectClrLst/>
+    <dgm:txLinClrLst/>
+    <dgm:txFillClrLst meth="repeat">
+      <a:schemeClr val="lt1"/>
+    </dgm:txFillClrLst>
+    <dgm:txEffectClrLst/>
+  </dgm:styleLbl>
+  <dgm:styleLbl name="parChTrans2D3">
+    <dgm:fillClrLst meth="repeat">
+      <a:schemeClr val="accent1"/>
+    </dgm:fillClrLst>
+    <dgm:linClrLst meth="repeat">
+      <a:schemeClr val="accent1"/>
+    </dgm:linClrLst>
+    <dgm:effectClrLst/>
+    <dgm:txLinClrLst/>
+    <dgm:txFillClrLst meth="repeat">
+      <a:schemeClr val="lt1"/>
+    </dgm:txFillClrLst>
+    <dgm:txEffectClrLst/>
+  </dgm:styleLbl>
+  <dgm:styleLbl name="parChTrans2D4">
+    <dgm:fillClrLst meth="repeat">
+      <a:schemeClr val="accent1"/>
+    </dgm:fillClrLst>
+    <dgm:linClrLst meth="repeat">
+      <a:schemeClr val="accent1"/>
+    </dgm:linClrLst>
+    <dgm:effectClrLst/>
+    <dgm:txLinClrLst/>
+    <dgm:txFillClrLst meth="repeat">
+      <a:schemeClr val="lt1"/>
+    </dgm:txFillClrLst>
+    <dgm:txEffectClrLst/>
+  </dgm:styleLbl>
+  <dgm:styleLbl name="parChTrans1D1">
+    <dgm:fillClrLst meth="repeat">
+      <a:schemeClr val="accent1"/>
+    </dgm:fillClrLst>
+    <dgm:linClrLst meth="repeat">
+      <a:schemeClr val="accent1">
+        <a:shade val="60000"/>
+      </a:schemeClr>
+    </dgm:linClrLst>
+    <dgm:effectClrLst/>
+    <dgm:txLinClrLst/>
+    <dgm:txFillClrLst meth="repeat">
+      <a:schemeClr val="tx1"/>
+    </dgm:txFillClrLst>
+    <dgm:txEffectClrLst/>
+  </dgm:styleLbl>
+  <dgm:styleLbl name="parChTrans1D2">
+    <dgm:fillClrLst meth="repeat">
+      <a:schemeClr val="accent1"/>
+    </dgm:fillClrLst>
+    <dgm:linClrLst meth="repeat">
+      <a:schemeClr val="accent1">
+        <a:shade val="60000"/>
+      </a:schemeClr>
+    </dgm:linClrLst>
+    <dgm:effectClrLst/>
+    <dgm:txLinClrLst/>
+    <dgm:txFillClrLst meth="repeat">
+      <a:schemeClr val="tx1"/>
+    </dgm:txFillClrLst>
+    <dgm:txEffectClrLst/>
+  </dgm:styleLbl>
+  <dgm:styleLbl name="parChTrans1D3">
+    <dgm:fillClrLst meth="repeat">
+      <a:schemeClr val="accent1"/>
+    </dgm:fillClrLst>
+    <dgm:linClrLst meth="repeat">
+      <a:schemeClr val="accent1">
+        <a:shade val="80000"/>
+      </a:schemeClr>
+    </dgm:linClrLst>
+    <dgm:effectClrLst/>
+    <dgm:txLinClrLst/>
+    <dgm:txFillClrLst meth="repeat">
+      <a:schemeClr val="tx1"/>
+    </dgm:txFillClrLst>
+    <dgm:txEffectClrLst/>
+  </dgm:styleLbl>
+  <dgm:styleLbl name="parChTrans1D4">
+    <dgm:fillClrLst meth="repeat">
+      <a:schemeClr val="accent1"/>
+    </dgm:fillClrLst>
+    <dgm:linClrLst meth="repeat">
+      <a:schemeClr val="accent1">
+        <a:shade val="80000"/>
+      </a:schemeClr>
+    </dgm:linClrLst>
+    <dgm:effectClrLst/>
+    <dgm:txLinClrLst/>
+    <dgm:txFillClrLst meth="repeat">
+      <a:schemeClr val="tx1"/>
+    </dgm:txFillClrLst>
+    <dgm:txEffectClrLst/>
+  </dgm:styleLbl>
+  <dgm:styleLbl name="fgAcc1">
+    <dgm:fillClrLst meth="repeat">
+      <a:schemeClr val="lt1">
+        <a:alpha val="90000"/>
+      </a:schemeClr>
+    </dgm:fillClrLst>
+    <dgm:linClrLst meth="repeat">
+      <a:schemeClr val="accent1"/>
+    </dgm:linClrLst>
+    <dgm:effectClrLst/>
+    <dgm:txLinClrLst/>
+    <dgm:txFillClrLst meth="repeat">
+      <a:schemeClr val="dk1"/>
+    </dgm:txFillClrLst>
+    <dgm:txEffectClrLst/>
+  </dgm:styleLbl>
+  <dgm:styleLbl name="conFgAcc1">
+    <dgm:fillClrLst meth="repeat">
+      <a:schemeClr val="lt1">
+        <a:alpha val="90000"/>
+      </a:schemeClr>
+    </dgm:fillClrLst>
+    <dgm:linClrLst meth="repeat">
+      <a:schemeClr val="accent1"/>
+    </dgm:linClrLst>
+    <dgm:effectClrLst/>
+    <dgm:txLinClrLst/>
+    <dgm:txFillClrLst meth="repeat">
+      <a:schemeClr val="dk1"/>
+    </dgm:txFillClrLst>
+    <dgm:txEffectClrLst/>
+  </dgm:styleLbl>
+  <dgm:styleLbl name="alignAcc1">
+    <dgm:fillClrLst meth="repeat">
+      <a:schemeClr val="lt1">
+        <a:alpha val="90000"/>
+      </a:schemeClr>
+    </dgm:fillClrLst>
+    <dgm:linClrLst meth="repeat">
+      <a:schemeClr val="accent1"/>
+    </dgm:linClrLst>
+    <dgm:effectClrLst/>
+    <dgm:txLinClrLst/>
+    <dgm:txFillClrLst meth="repeat">
+      <a:schemeClr val="dk1"/>
+    </dgm:txFillClrLst>
+    <dgm:txEffectClrLst/>
+  </dgm:styleLbl>
+  <dgm:styleLbl name="trAlignAcc1">
+    <dgm:fillClrLst meth="repeat">
+      <a:schemeClr val="lt1">
+        <a:alpha val="40000"/>
+      </a:schemeClr>
+    </dgm:fillClrLst>
+    <dgm:linClrLst meth="repeat">
+      <a:schemeClr val="accent1"/>
+    </dgm:linClrLst>
+    <dgm:effectClrLst/>
+    <dgm:txLinClrLst/>
+    <dgm:txFillClrLst meth="repeat">
+      <a:schemeClr val="dk1"/>
+    </dgm:txFillClrLst>
+    <dgm:txEffectClrLst/>
+  </dgm:styleLbl>
+  <dgm:styleLbl name="bgAcc1">
+    <dgm:fillClrLst meth="repeat">
+      <a:schemeClr val="lt1">
+        <a:alpha val="90000"/>
+      </a:schemeClr>
+    </dgm:fillClrLst>
+    <dgm:linClrLst meth="repeat">
+      <a:schemeClr val="accent1"/>
+    </dgm:linClrLst>
+    <dgm:effectClrLst/>
+    <dgm:txLinClrLst/>
+    <dgm:txFillClrLst meth="repeat">
+      <a:schemeClr val="dk1"/>
+    </dgm:txFillClrLst>
+    <dgm:txEffectClrLst/>
+  </dgm:styleLbl>
+  <dgm:styleLbl name="solidFgAcc1">
+    <dgm:fillClrLst meth="repeat">
+      <a:schemeClr val="lt1"/>
+    </dgm:fillClrLst>
+    <dgm:linClrLst meth="repeat">
+      <a:schemeClr val="accent1"/>
+    </dgm:linClrLst>
+    <dgm:effectClrLst/>
+    <dgm:txLinClrLst/>
+    <dgm:txFillClrLst meth="repeat">
+      <a:schemeClr val="dk1"/>
+    </dgm:txFillClrLst>
+    <dgm:txEffectClrLst/>
+  </dgm:styleLbl>
+  <dgm:styleLbl name="solidAlignAcc1">
+    <dgm:fillClrLst meth="repeat">
+      <a:schemeClr val="lt1"/>
+    </dgm:fillClrLst>
+    <dgm:linClrLst meth="repeat">
+      <a:schemeClr val="accent1"/>
+    </dgm:linClrLst>
+    <dgm:effectClrLst/>
+    <dgm:txLinClrLst/>
+    <dgm:txFillClrLst meth="repeat">
+      <a:schemeClr val="dk1"/>
+    </dgm:txFillClrLst>
+    <dgm:txEffectClrLst/>
+  </dgm:styleLbl>
+  <dgm:styleLbl name="solidBgAcc1">
+    <dgm:fillClrLst meth="repeat">
+      <a:schemeClr val="lt1"/>
+    </dgm:fillClrLst>
+    <dgm:linClrLst meth="repeat">
+      <a:schemeClr val="accent1"/>
+    </dgm:linClrLst>
+    <dgm:effectClrLst/>
+    <dgm:txLinClrLst/>
+    <dgm:txFillClrLst meth="repeat">
+      <a:schemeClr val="dk1"/>
+    </dgm:txFillClrLst>
+    <dgm:txEffectClrLst/>
+  </dgm:styleLbl>
+  <dgm:styleLbl name="fgAccFollowNode1">
+    <dgm:fillClrLst meth="repeat">
+      <a:schemeClr val="accent1">
+        <a:alpha val="90000"/>
+        <a:tint val="40000"/>
+      </a:schemeClr>
+    </dgm:fillClrLst>
+    <dgm:linClrLst meth="repeat">
+      <a:schemeClr val="accent1">
+        <a:alpha val="90000"/>
+        <a:tint val="40000"/>
+      </a:schemeClr>
+    </dgm:linClrLst>
+    <dgm:effectClrLst/>
+    <dgm:txLinClrLst/>
+    <dgm:txFillClrLst meth="repeat">
+      <a:schemeClr val="dk1"/>
+    </dgm:txFillClrLst>
+    <dgm:txEffectClrLst/>
+  </dgm:styleLbl>
+  <dgm:styleLbl name="alignAccFollowNode1">
+    <dgm:fillClrLst meth="repeat">
+      <a:schemeClr val="accent1">
+        <a:alpha val="90000"/>
+        <a:tint val="40000"/>
+      </a:schemeClr>
+    </dgm:fillClrLst>
+    <dgm:linClrLst meth="repeat">
+      <a:schemeClr val="accent1">
+        <a:alpha val="90000"/>
+        <a:tint val="40000"/>
+      </a:schemeClr>
+    </dgm:linClrLst>
+    <dgm:effectClrLst/>
+    <dgm:txLinClrLst/>
+    <dgm:txFillClrLst meth="repeat">
+      <a:schemeClr val="dk1"/>
+    </dgm:txFillClrLst>
+    <dgm:txEffectClrLst/>
+  </dgm:styleLbl>
+  <dgm:styleLbl name="bgAccFollowNode1">
+    <dgm:fillClrLst meth="repeat">
+      <a:schemeClr val="accent1">
+        <a:alpha val="90000"/>
+        <a:tint val="40000"/>
+      </a:schemeClr>
+    </dgm:fillClrLst>
+    <dgm:linClrLst meth="repeat">
+      <a:schemeClr val="accent1">
+        <a:alpha val="90000"/>
+        <a:tint val="40000"/>
+      </a:schemeClr>
+    </dgm:linClrLst>
+    <dgm:effectClrLst/>
+    <dgm:txLinClrLst/>
+    <dgm:txFillClrLst meth="repeat">
+      <a:schemeClr val="dk1"/>
+    </dgm:txFillClrLst>
+    <dgm:txEffectClrLst/>
+  </dgm:styleLbl>
+  <dgm:styleLbl name="fgAcc0">
+    <dgm:fillClrLst meth="repeat">
+      <a:schemeClr val="lt1">
+        <a:alpha val="90000"/>
+      </a:schemeClr>
+    </dgm:fillClrLst>
+    <dgm:linClrLst meth="repeat">
+      <a:schemeClr val="accent1"/>
+    </dgm:linClrLst>
+    <dgm:effectClrLst/>
+    <dgm:txLinClrLst/>
+    <dgm:txFillClrLst meth="repeat">
+      <a:schemeClr val="dk1"/>
+    </dgm:txFillClrLst>
+    <dgm:txEffectClrLst/>
+  </dgm:styleLbl>
+  <dgm:styleLbl name="fgAcc2">
+    <dgm:fillClrLst meth="repeat">
+      <a:schemeClr val="lt1">
+        <a:alpha val="90000"/>
+      </a:schemeClr>
+    </dgm:fillClrLst>
+    <dgm:linClrLst meth="repeat">
+      <a:schemeClr val="accent1"/>
+    </dgm:linClrLst>
+    <dgm:effectClrLst/>
+    <dgm:txLinClrLst/>
+    <dgm:txFillClrLst meth="repeat">
+      <a:schemeClr val="dk1"/>
+    </dgm:txFillClrLst>
+    <dgm:txEffectClrLst/>
+  </dgm:styleLbl>
+  <dgm:styleLbl name="fgAcc3">
+    <dgm:fillClrLst meth="repeat">
+      <a:schemeClr val="lt1">
+        <a:alpha val="90000"/>
+      </a:schemeClr>
+    </dgm:fillClrLst>
+    <dgm:linClrLst meth="repeat">
+      <a:schemeClr val="accent1"/>
+    </dgm:linClrLst>
+    <dgm:effectClrLst/>
+    <dgm:txLinClrLst/>
+    <dgm:txFillClrLst meth="repeat">
+      <a:schemeClr val="dk1"/>
+    </dgm:txFillClrLst>
+    <dgm:txEffectClrLst/>
+  </dgm:styleLbl>
+  <dgm:styleLbl name="fgAcc4">
+    <dgm:fillClrLst meth="repeat">
+      <a:schemeClr val="lt1">
+        <a:alpha val="90000"/>
+      </a:schemeClr>
+    </dgm:fillClrLst>
+    <dgm:linClrLst meth="repeat">
+      <a:schemeClr val="accent1"/>
+    </dgm:linClrLst>
+    <dgm:effectClrLst/>
+    <dgm:txLinClrLst/>
+    <dgm:txFillClrLst meth="repeat">
+      <a:schemeClr val="dk1"/>
+    </dgm:txFillClrLst>
+    <dgm:txEffectClrLst/>
+  </dgm:styleLbl>
+  <dgm:styleLbl name="bgShp">
+    <dgm:fillClrLst meth="repeat">
+      <a:schemeClr val="accent1">
+        <a:tint val="40000"/>
+      </a:schemeClr>
+    </dgm:fillClrLst>
+    <dgm:linClrLst meth="repeat">
+      <a:schemeClr val="accent1"/>
+    </dgm:linClrLst>
+    <dgm:effectClrLst/>
+    <dgm:txLinClrLst/>
+    <dgm:txFillClrLst meth="repeat">
+      <a:schemeClr val="dk1"/>
+    </dgm:txFillClrLst>
+    <dgm:txEffectClrLst/>
+  </dgm:styleLbl>
+  <dgm:styleLbl name="dkBgShp">
+    <dgm:fillClrLst meth="repeat">
+      <a:schemeClr val="accent1">
+        <a:shade val="80000"/>
+      </a:schemeClr>
+    </dgm:fillClrLst>
+    <dgm:linClrLst meth="repeat">
+      <a:schemeClr val="accent1"/>
+    </dgm:linClrLst>
+    <dgm:effectClrLst/>
+    <dgm:txLinClrLst/>
+    <dgm:txFillClrLst meth="repeat">
+      <a:schemeClr val="lt1"/>
+    </dgm:txFillClrLst>
+    <dgm:txEffectClrLst/>
+  </dgm:styleLbl>
+  <dgm:styleLbl name="trBgShp">
+    <dgm:fillClrLst meth="repeat">
+      <a:schemeClr val="accent1">
+        <a:tint val="50000"/>
+        <a:alpha val="40000"/>
+      </a:schemeClr>
+    </dgm:fillClrLst>
+    <dgm:linClrLst meth="repeat">
+      <a:schemeClr val="accent1"/>
+    </dgm:linClrLst>
+    <dgm:effectClrLst/>
+    <dgm:txLinClrLst/>
+    <dgm:txFillClrLst meth="repeat">
+      <a:schemeClr val="lt1"/>
+    </dgm:txFillClrLst>
+    <dgm:txEffectClrLst/>
+  </dgm:styleLbl>
+  <dgm:styleLbl name="fgShp">
+    <dgm:fillClrLst meth="repeat">
+      <a:schemeClr val="accent1">
+        <a:tint val="60000"/>
+      </a:schemeClr>
+    </dgm:fillClrLst>
+    <dgm:linClrLst meth="repeat">
+      <a:schemeClr val="lt1"/>
+    </dgm:linClrLst>
+    <dgm:effectClrLst/>
+    <dgm:txLinClrLst/>
+    <dgm:txFillClrLst meth="repeat">
+      <a:schemeClr val="dk1"/>
+    </dgm:txFillClrLst>
+    <dgm:txEffectClrLst/>
+  </dgm:styleLbl>
+  <dgm:styleLbl name="revTx">
+    <dgm:fillClrLst meth="repeat">
+      <a:schemeClr val="lt1">
+        <a:alpha val="0"/>
+      </a:schemeClr>
+    </dgm:fillClrLst>
+    <dgm:linClrLst meth="repeat">
+      <a:schemeClr val="dk1">
+        <a:alpha val="0"/>
+      </a:schemeClr>
+    </dgm:linClrLst>
+    <dgm:effectClrLst/>
+    <dgm:txLinClrLst/>
+    <dgm:txFillClrLst meth="repeat">
+      <a:schemeClr val="tx1"/>
+    </dgm:txFillClrLst>
+    <dgm:txEffectClrLst/>
+  </dgm:styleLbl>
+</dgm:colorsDef>
+</file>
+
+<file path=ppt/diagrams/data1.xml><?xml version="1.0" encoding="utf-8"?>
+<dgm:dataModel xmlns:dgm="http://schemas.openxmlformats.org/drawingml/2006/diagram" xmlns:a="http://schemas.openxmlformats.org/drawingml/2006/main">
+  <dgm:ptLst>
+    <dgm:pt modelId="{BBA814FE-4110-4F9A-AF16-86BE523BD79C}" type="doc">
+      <dgm:prSet loTypeId="urn:microsoft.com/office/officeart/2005/8/layout/chevron2" loCatId="process" qsTypeId="urn:microsoft.com/office/officeart/2005/8/quickstyle/simple1" qsCatId="simple" csTypeId="urn:microsoft.com/office/officeart/2005/8/colors/accent1_2" csCatId="accent1" phldr="1"/>
+      <dgm:spPr/>
+      <dgm:t>
+        <a:bodyPr/>
+        <a:lstStyle/>
+        <a:p>
+          <a:pPr rtl="1"/>
+          <a:endParaRPr lang="he-IL"/>
+        </a:p>
+      </dgm:t>
+    </dgm:pt>
+    <dgm:pt modelId="{0401D67F-DC35-4FB2-B18A-B60A9117325D}">
+      <dgm:prSet phldrT="[טקסט]" custT="1"/>
+      <dgm:spPr/>
+      <dgm:t>
+        <a:bodyPr/>
+        <a:lstStyle/>
+        <a:p>
+          <a:pPr rtl="1"/>
+          <a:r>
+            <a:rPr lang="he-IL" sz="3600" b="1" dirty="0">
+              <a:effectLst>
+                <a:outerShdw blurRad="38100" dist="38100" dir="2700000" algn="tl">
+                  <a:srgbClr val="000000">
+                    <a:alpha val="43137"/>
+                  </a:srgbClr>
+                </a:outerShdw>
+              </a:effectLst>
+            </a:rPr>
+            <a:t>נובמבר</a:t>
+          </a:r>
+        </a:p>
+      </dgm:t>
+    </dgm:pt>
+    <dgm:pt modelId="{3903CF19-E078-4C38-BE9F-B3D217E77197}" type="parTrans" cxnId="{55692186-A649-44D1-8198-CCE1D0FB3CF8}">
+      <dgm:prSet/>
+      <dgm:spPr/>
+      <dgm:t>
+        <a:bodyPr/>
+        <a:lstStyle/>
+        <a:p>
+          <a:pPr rtl="1"/>
+          <a:endParaRPr lang="he-IL" sz="2800"/>
+        </a:p>
+      </dgm:t>
+    </dgm:pt>
+    <dgm:pt modelId="{533F84D3-1879-4515-B385-97D874BA5C6C}" type="sibTrans" cxnId="{55692186-A649-44D1-8198-CCE1D0FB3CF8}">
+      <dgm:prSet/>
+      <dgm:spPr/>
+      <dgm:t>
+        <a:bodyPr/>
+        <a:lstStyle/>
+        <a:p>
+          <a:pPr rtl="1"/>
+          <a:endParaRPr lang="he-IL" sz="2800"/>
+        </a:p>
+      </dgm:t>
+    </dgm:pt>
+    <dgm:pt modelId="{60AEBBC1-1459-4092-A4CA-B7F4A922E995}">
+      <dgm:prSet phldrT="[טקסט]" custT="1"/>
+      <dgm:spPr/>
+      <dgm:t>
+        <a:bodyPr/>
+        <a:lstStyle/>
+        <a:p>
+          <a:pPr rtl="1"/>
+          <a:r>
+            <a:rPr lang="he-IL" sz="2000" dirty="0"/>
+            <a:t>מסמך דרישות מלא ו-</a:t>
+          </a:r>
+          <a:r>
+            <a:rPr lang="en-US" sz="2000" dirty="0"/>
+            <a:t>Design</a:t>
+          </a:r>
+          <a:r>
+            <a:rPr lang="he-IL" sz="2000" dirty="0"/>
+            <a:t> ראשוני</a:t>
+          </a:r>
+        </a:p>
+      </dgm:t>
+    </dgm:pt>
+    <dgm:pt modelId="{60E69D62-9D84-40EB-A088-BAF2F81DF87B}" type="parTrans" cxnId="{617ADE61-E63E-4397-B140-B140C6C13151}">
+      <dgm:prSet/>
+      <dgm:spPr/>
+      <dgm:t>
+        <a:bodyPr/>
+        <a:lstStyle/>
+        <a:p>
+          <a:pPr rtl="1"/>
+          <a:endParaRPr lang="he-IL" sz="2800"/>
+        </a:p>
+      </dgm:t>
+    </dgm:pt>
+    <dgm:pt modelId="{BE9EB23C-1F56-4F4C-ADF7-1B1104601907}" type="sibTrans" cxnId="{617ADE61-E63E-4397-B140-B140C6C13151}">
+      <dgm:prSet/>
+      <dgm:spPr/>
+      <dgm:t>
+        <a:bodyPr/>
+        <a:lstStyle/>
+        <a:p>
+          <a:pPr rtl="1"/>
+          <a:endParaRPr lang="he-IL" sz="2800"/>
+        </a:p>
+      </dgm:t>
+    </dgm:pt>
+    <dgm:pt modelId="{B7DAD26C-7DD8-4C44-8C0F-A8EAFC42F3B8}">
+      <dgm:prSet phldrT="[טקסט]" custT="1"/>
+      <dgm:spPr/>
+      <dgm:t>
+        <a:bodyPr/>
+        <a:lstStyle/>
+        <a:p>
+          <a:pPr marL="0" lvl="0" indent="0" algn="ctr" defTabSz="1066800" rtl="1">
+            <a:lnSpc>
+              <a:spcPct val="90000"/>
+            </a:lnSpc>
+            <a:spcBef>
+              <a:spcPct val="0"/>
+            </a:spcBef>
+            <a:spcAft>
+              <a:spcPct val="35000"/>
+            </a:spcAft>
+            <a:buNone/>
+          </a:pPr>
+          <a:r>
+            <a:rPr lang="he-IL" sz="3600" b="1" kern="1200" dirty="0">
+              <a:solidFill>
+                <a:srgbClr val="FFFFFF"/>
+              </a:solidFill>
+              <a:effectLst>
+                <a:outerShdw blurRad="38100" dist="38100" dir="2700000" algn="tl">
+                  <a:srgbClr val="000000">
+                    <a:alpha val="43137"/>
+                  </a:srgbClr>
+                </a:outerShdw>
+              </a:effectLst>
+              <a:latin typeface="Corbel" panose="020B0503020204020204"/>
+              <a:ea typeface="+mn-ea"/>
+              <a:cs typeface="Gisha" panose="020B0502040204020203" pitchFamily="34" charset="-79"/>
+            </a:rPr>
+            <a:t>דצמבר</a:t>
+          </a:r>
+        </a:p>
+      </dgm:t>
+    </dgm:pt>
+    <dgm:pt modelId="{487C353B-256C-4BA1-B526-2C1CB338B009}" type="parTrans" cxnId="{01FF16F0-04C1-42BD-8966-9489B8FB7388}">
+      <dgm:prSet/>
+      <dgm:spPr/>
+      <dgm:t>
+        <a:bodyPr/>
+        <a:lstStyle/>
+        <a:p>
+          <a:pPr rtl="1"/>
+          <a:endParaRPr lang="he-IL" sz="2800"/>
+        </a:p>
+      </dgm:t>
+    </dgm:pt>
+    <dgm:pt modelId="{9DBFC698-5626-4213-A83A-83F862592F84}" type="sibTrans" cxnId="{01FF16F0-04C1-42BD-8966-9489B8FB7388}">
+      <dgm:prSet/>
+      <dgm:spPr/>
+      <dgm:t>
+        <a:bodyPr/>
+        <a:lstStyle/>
+        <a:p>
+          <a:pPr rtl="1"/>
+          <a:endParaRPr lang="he-IL" sz="2800"/>
+        </a:p>
+      </dgm:t>
+    </dgm:pt>
+    <dgm:pt modelId="{D5A3AFFB-F6A1-404B-89A0-67D5B31F1A7C}">
+      <dgm:prSet phldrT="[טקסט]" custT="1"/>
+      <dgm:spPr/>
+      <dgm:t>
+        <a:bodyPr/>
+        <a:lstStyle/>
+        <a:p>
+          <a:pPr rtl="1"/>
+          <a:r>
+            <a:rPr lang="he-IL" sz="2000" dirty="0"/>
+            <a:t>יצירת </a:t>
+          </a:r>
+          <a:r>
+            <a:rPr lang="en-US" sz="2000" dirty="0"/>
+            <a:t>Backend</a:t>
+          </a:r>
+          <a:endParaRPr lang="he-IL" sz="2000" dirty="0"/>
+        </a:p>
+      </dgm:t>
+    </dgm:pt>
+    <dgm:pt modelId="{799B90B0-0C31-4218-B6EF-49861C6DB2CE}" type="parTrans" cxnId="{D20D6CD9-F1B5-4858-B51D-42946AF3419B}">
+      <dgm:prSet/>
+      <dgm:spPr/>
+      <dgm:t>
+        <a:bodyPr/>
+        <a:lstStyle/>
+        <a:p>
+          <a:pPr rtl="1"/>
+          <a:endParaRPr lang="he-IL" sz="2800"/>
+        </a:p>
+      </dgm:t>
+    </dgm:pt>
+    <dgm:pt modelId="{9A932099-3D4F-4D6E-AF22-4D2943757F0A}" type="sibTrans" cxnId="{D20D6CD9-F1B5-4858-B51D-42946AF3419B}">
+      <dgm:prSet/>
+      <dgm:spPr/>
+      <dgm:t>
+        <a:bodyPr/>
+        <a:lstStyle/>
+        <a:p>
+          <a:pPr rtl="1"/>
+          <a:endParaRPr lang="he-IL" sz="2800"/>
+        </a:p>
+      </dgm:t>
+    </dgm:pt>
+    <dgm:pt modelId="{5131DEF7-A3D1-44E5-BDC7-481BFE5AEF70}">
+      <dgm:prSet phldrT="[טקסט]" custT="1"/>
+      <dgm:spPr/>
+      <dgm:t>
+        <a:bodyPr/>
+        <a:lstStyle/>
+        <a:p>
+          <a:pPr rtl="1"/>
+          <a:r>
+            <a:rPr lang="he-IL" sz="2000" dirty="0"/>
+            <a:t>יצירת </a:t>
+          </a:r>
+          <a:r>
+            <a:rPr lang="en-US" sz="2000" dirty="0"/>
+            <a:t>frontend</a:t>
+          </a:r>
+          <a:r>
+            <a:rPr lang="he-IL" sz="2000" dirty="0"/>
+            <a:t> :</a:t>
+          </a:r>
+          <a:r>
+            <a:rPr lang="en-US" sz="2000" dirty="0"/>
+            <a:t> </a:t>
+          </a:r>
+          <a:r>
+            <a:rPr lang="he-IL" sz="2000" dirty="0"/>
+            <a:t>יכולת להציג מפות, ניהול וטיפול במשתמשים וקבוצות.</a:t>
+          </a:r>
+        </a:p>
+      </dgm:t>
+    </dgm:pt>
+    <dgm:pt modelId="{0FF19945-A383-4E05-99BD-6B264D730E06}" type="parTrans" cxnId="{57508011-5D7D-4132-801D-8845A639ABF6}">
+      <dgm:prSet/>
+      <dgm:spPr/>
+      <dgm:t>
+        <a:bodyPr/>
+        <a:lstStyle/>
+        <a:p>
+          <a:pPr rtl="1"/>
+          <a:endParaRPr lang="he-IL" sz="2800"/>
+        </a:p>
+      </dgm:t>
+    </dgm:pt>
+    <dgm:pt modelId="{EFFCB011-C2F2-401B-B950-8DD0195409C8}" type="sibTrans" cxnId="{57508011-5D7D-4132-801D-8845A639ABF6}">
+      <dgm:prSet/>
+      <dgm:spPr/>
+      <dgm:t>
+        <a:bodyPr/>
+        <a:lstStyle/>
+        <a:p>
+          <a:pPr rtl="1"/>
+          <a:endParaRPr lang="he-IL" sz="2800"/>
+        </a:p>
+      </dgm:t>
+    </dgm:pt>
+    <dgm:pt modelId="{43D954AA-3948-48D0-81DE-109D402610D0}">
+      <dgm:prSet phldrT="[טקסט]" custT="1"/>
+      <dgm:spPr/>
+      <dgm:t>
+        <a:bodyPr/>
+        <a:lstStyle/>
+        <a:p>
+          <a:pPr marL="0" lvl="0" indent="0" algn="ctr" defTabSz="1066800" rtl="1">
+            <a:lnSpc>
+              <a:spcPct val="90000"/>
+            </a:lnSpc>
+            <a:spcBef>
+              <a:spcPct val="0"/>
+            </a:spcBef>
+            <a:spcAft>
+              <a:spcPct val="35000"/>
+            </a:spcAft>
+            <a:buNone/>
+          </a:pPr>
+          <a:r>
+            <a:rPr lang="he-IL" sz="3600" b="1" kern="1200" dirty="0">
+              <a:solidFill>
+                <a:srgbClr val="FFFFFF"/>
+              </a:solidFill>
+              <a:effectLst>
+                <a:outerShdw blurRad="38100" dist="38100" dir="2700000" algn="tl">
+                  <a:srgbClr val="000000">
+                    <a:alpha val="43137"/>
+                  </a:srgbClr>
+                </a:outerShdw>
+              </a:effectLst>
+              <a:latin typeface="Corbel" panose="020B0503020204020204"/>
+              <a:ea typeface="+mn-ea"/>
+              <a:cs typeface="Gisha" panose="020B0502040204020203" pitchFamily="34" charset="-79"/>
+            </a:rPr>
+            <a:t>ינואר</a:t>
+          </a:r>
+        </a:p>
+      </dgm:t>
+    </dgm:pt>
+    <dgm:pt modelId="{9E6CD0BC-AA7E-48CE-93D3-8AE5056352BC}" type="parTrans" cxnId="{E21DCE84-7A5F-4B7F-B77F-3DA09AA49C7C}">
+      <dgm:prSet/>
+      <dgm:spPr/>
+      <dgm:t>
+        <a:bodyPr/>
+        <a:lstStyle/>
+        <a:p>
+          <a:pPr rtl="1"/>
+          <a:endParaRPr lang="he-IL" sz="2800"/>
+        </a:p>
+      </dgm:t>
+    </dgm:pt>
+    <dgm:pt modelId="{5BDA4424-ACA0-4394-8B9F-AE4EBC1AA1F4}" type="sibTrans" cxnId="{E21DCE84-7A5F-4B7F-B77F-3DA09AA49C7C}">
+      <dgm:prSet/>
+      <dgm:spPr/>
+      <dgm:t>
+        <a:bodyPr/>
+        <a:lstStyle/>
+        <a:p>
+          <a:pPr rtl="1"/>
+          <a:endParaRPr lang="he-IL" sz="2800"/>
+        </a:p>
+      </dgm:t>
+    </dgm:pt>
+    <dgm:pt modelId="{1A7F6F40-830D-4265-90B2-20081EE77355}">
+      <dgm:prSet phldrT="[טקסט]" custT="1"/>
+      <dgm:spPr/>
+      <dgm:t>
+        <a:bodyPr/>
+        <a:lstStyle/>
+        <a:p>
+          <a:pPr rtl="1"/>
+          <a:r>
+            <a:rPr lang="en-US" sz="2000" dirty="0"/>
+            <a:t>Frontend</a:t>
+          </a:r>
+          <a:r>
+            <a:rPr lang="he-IL" sz="2000" dirty="0"/>
+            <a:t> :</a:t>
+          </a:r>
+          <a:r>
+            <a:rPr lang="en-US" sz="2000" dirty="0"/>
+            <a:t> </a:t>
+          </a:r>
+          <a:r>
+            <a:rPr lang="he-IL" sz="2000" dirty="0"/>
+            <a:t>עריכת מפות, המרות טקסט/מפות</a:t>
+          </a:r>
+        </a:p>
+      </dgm:t>
+    </dgm:pt>
+    <dgm:pt modelId="{5086CC81-AEDC-4CE1-92CB-2243D2D5DF51}" type="parTrans" cxnId="{F3BDD80E-BD72-41DE-8362-51B07636D709}">
+      <dgm:prSet/>
+      <dgm:spPr/>
+      <dgm:t>
+        <a:bodyPr/>
+        <a:lstStyle/>
+        <a:p>
+          <a:pPr rtl="1"/>
+          <a:endParaRPr lang="he-IL" sz="2800"/>
+        </a:p>
+      </dgm:t>
+    </dgm:pt>
+    <dgm:pt modelId="{D71E639B-2EBA-4B21-9659-71EFB15A3A25}" type="sibTrans" cxnId="{F3BDD80E-BD72-41DE-8362-51B07636D709}">
+      <dgm:prSet/>
+      <dgm:spPr/>
+      <dgm:t>
+        <a:bodyPr/>
+        <a:lstStyle/>
+        <a:p>
+          <a:pPr rtl="1"/>
+          <a:endParaRPr lang="he-IL" sz="2800"/>
+        </a:p>
+      </dgm:t>
+    </dgm:pt>
+    <dgm:pt modelId="{25FE777A-3E7C-470B-A289-5994318F3E91}">
+      <dgm:prSet phldrT="[טקסט]" custT="1"/>
+      <dgm:spPr/>
+      <dgm:t>
+        <a:bodyPr/>
+        <a:lstStyle/>
+        <a:p>
+          <a:pPr rtl="1"/>
+          <a:r>
+            <a:rPr lang="he-IL" sz="2000" dirty="0"/>
+            <a:t>חיפוש חכם</a:t>
+          </a:r>
+        </a:p>
+      </dgm:t>
+    </dgm:pt>
+    <dgm:pt modelId="{FCF72313-063C-43FD-A478-679B6F5A5D65}" type="parTrans" cxnId="{C9C04A20-7DD8-435B-A2F1-147AACEFE3EB}">
+      <dgm:prSet/>
+      <dgm:spPr/>
+      <dgm:t>
+        <a:bodyPr/>
+        <a:lstStyle/>
+        <a:p>
+          <a:pPr rtl="1"/>
+          <a:endParaRPr lang="he-IL" sz="2800"/>
+        </a:p>
+      </dgm:t>
+    </dgm:pt>
+    <dgm:pt modelId="{25EF21D5-AF56-4BF6-AFD0-2C64E06D1431}" type="sibTrans" cxnId="{C9C04A20-7DD8-435B-A2F1-147AACEFE3EB}">
+      <dgm:prSet/>
+      <dgm:spPr/>
+      <dgm:t>
+        <a:bodyPr/>
+        <a:lstStyle/>
+        <a:p>
+          <a:pPr rtl="1"/>
+          <a:endParaRPr lang="he-IL" sz="2800"/>
+        </a:p>
+      </dgm:t>
+    </dgm:pt>
+    <dgm:pt modelId="{61418FE8-3A26-4074-A1B7-B9CE66E917EC}">
+      <dgm:prSet phldrT="[טקסט]" custT="1"/>
+      <dgm:spPr/>
+      <dgm:t>
+        <a:bodyPr/>
+        <a:lstStyle/>
+        <a:p>
+          <a:pPr rtl="1"/>
+          <a:r>
+            <a:rPr lang="he-IL" sz="2000" dirty="0"/>
+            <a:t>בחירת טכנולוגיות</a:t>
+          </a:r>
+        </a:p>
+      </dgm:t>
+    </dgm:pt>
+    <dgm:pt modelId="{A92DEF44-334A-4BB5-BB71-1B58C407DE4D}" type="parTrans" cxnId="{4645E4E0-72C5-4AD8-94F2-82FE97FB5F33}">
+      <dgm:prSet/>
+      <dgm:spPr/>
+      <dgm:t>
+        <a:bodyPr/>
+        <a:lstStyle/>
+        <a:p>
+          <a:pPr rtl="1"/>
+          <a:endParaRPr lang="he-IL" sz="2800"/>
+        </a:p>
+      </dgm:t>
+    </dgm:pt>
+    <dgm:pt modelId="{21838C84-E6A3-4831-B543-C0F5BD1D0088}" type="sibTrans" cxnId="{4645E4E0-72C5-4AD8-94F2-82FE97FB5F33}">
+      <dgm:prSet/>
+      <dgm:spPr/>
+      <dgm:t>
+        <a:bodyPr/>
+        <a:lstStyle/>
+        <a:p>
+          <a:pPr rtl="1"/>
+          <a:endParaRPr lang="he-IL" sz="2800"/>
+        </a:p>
+      </dgm:t>
+    </dgm:pt>
+    <dgm:pt modelId="{D5FF1044-03B0-4C07-9A07-912FDAED03FC}">
+      <dgm:prSet custT="1"/>
+      <dgm:spPr/>
+      <dgm:t>
+        <a:bodyPr/>
+        <a:lstStyle/>
+        <a:p>
+          <a:pPr rtl="1"/>
+          <a:r>
+            <a:rPr lang="he-IL" sz="2000" dirty="0"/>
+            <a:t>עיצוב בסיס הנתונים</a:t>
+          </a:r>
+        </a:p>
+      </dgm:t>
+    </dgm:pt>
+    <dgm:pt modelId="{DA33F806-C4B2-4BBA-9286-43B592D43563}" type="parTrans" cxnId="{EA4EDB9B-DDF1-4961-88B5-795C991DB6B8}">
+      <dgm:prSet/>
+      <dgm:spPr/>
+      <dgm:t>
+        <a:bodyPr/>
+        <a:lstStyle/>
+        <a:p>
+          <a:pPr rtl="1"/>
+          <a:endParaRPr lang="he-IL" sz="2800"/>
+        </a:p>
+      </dgm:t>
+    </dgm:pt>
+    <dgm:pt modelId="{8DD1F4D1-25E9-4B64-92A5-DBF3885B0F91}" type="sibTrans" cxnId="{EA4EDB9B-DDF1-4961-88B5-795C991DB6B8}">
+      <dgm:prSet/>
+      <dgm:spPr/>
+      <dgm:t>
+        <a:bodyPr/>
+        <a:lstStyle/>
+        <a:p>
+          <a:pPr rtl="1"/>
+          <a:endParaRPr lang="he-IL" sz="2800"/>
+        </a:p>
+      </dgm:t>
+    </dgm:pt>
+    <dgm:pt modelId="{726144AE-D36F-4A32-B722-48CFD109D225}">
+      <dgm:prSet custT="1"/>
+      <dgm:spPr/>
+      <dgm:t>
+        <a:bodyPr/>
+        <a:lstStyle/>
+        <a:p>
+          <a:pPr rtl="1"/>
+          <a:r>
+            <a:rPr lang="he-IL" sz="2000" dirty="0"/>
+            <a:t>הגדרת </a:t>
+          </a:r>
+          <a:r>
+            <a:rPr lang="en-US" sz="2000" dirty="0"/>
+            <a:t>API</a:t>
+          </a:r>
+          <a:endParaRPr lang="he-IL" sz="2000" dirty="0"/>
+        </a:p>
+      </dgm:t>
+    </dgm:pt>
+    <dgm:pt modelId="{671061FC-B0AD-42A3-A1C8-ADE42546BDE5}" type="parTrans" cxnId="{E5243668-2A52-4E7F-B7DA-67E8E7112780}">
+      <dgm:prSet/>
+      <dgm:spPr/>
+      <dgm:t>
+        <a:bodyPr/>
+        <a:lstStyle/>
+        <a:p>
+          <a:pPr rtl="1"/>
+          <a:endParaRPr lang="he-IL" sz="2800"/>
+        </a:p>
+      </dgm:t>
+    </dgm:pt>
+    <dgm:pt modelId="{447C0007-D3B3-4A29-B843-12B8725A0CA8}" type="sibTrans" cxnId="{E5243668-2A52-4E7F-B7DA-67E8E7112780}">
+      <dgm:prSet/>
+      <dgm:spPr/>
+      <dgm:t>
+        <a:bodyPr/>
+        <a:lstStyle/>
+        <a:p>
+          <a:pPr rtl="1"/>
+          <a:endParaRPr lang="he-IL" sz="2800"/>
+        </a:p>
+      </dgm:t>
+    </dgm:pt>
+    <dgm:pt modelId="{345EBF78-4A8B-4E9C-8764-4BA98870313A}">
+      <dgm:prSet phldrT="[טקסט]" custT="1"/>
+      <dgm:spPr/>
+      <dgm:t>
+        <a:bodyPr/>
+        <a:lstStyle/>
+        <a:p>
+          <a:pPr rtl="1"/>
+          <a:r>
+            <a:rPr lang="he-IL" sz="2000" dirty="0"/>
+            <a:t>התממשקות עם אלגוריתמים של קבוצות מקבילות</a:t>
+          </a:r>
+        </a:p>
+      </dgm:t>
+    </dgm:pt>
+    <dgm:pt modelId="{F50B7B05-E5BF-43D1-BCAA-F1EAFA1757EC}" type="parTrans" cxnId="{D352E9DB-2516-4081-B940-A3D2433398AF}">
+      <dgm:prSet/>
+      <dgm:spPr/>
+      <dgm:t>
+        <a:bodyPr/>
+        <a:lstStyle/>
+        <a:p>
+          <a:pPr rtl="1"/>
+          <a:endParaRPr lang="he-IL" sz="2800"/>
+        </a:p>
+      </dgm:t>
+    </dgm:pt>
+    <dgm:pt modelId="{A273CD7F-3CF3-4599-B98F-3C2FBB17FE5E}" type="sibTrans" cxnId="{D352E9DB-2516-4081-B940-A3D2433398AF}">
+      <dgm:prSet/>
+      <dgm:spPr/>
+      <dgm:t>
+        <a:bodyPr/>
+        <a:lstStyle/>
+        <a:p>
+          <a:pPr rtl="1"/>
+          <a:endParaRPr lang="he-IL" sz="2800"/>
+        </a:p>
+      </dgm:t>
+    </dgm:pt>
+    <dgm:pt modelId="{40F3B224-FFD1-490B-A739-24D091ED8D37}" type="pres">
+      <dgm:prSet presAssocID="{BBA814FE-4110-4F9A-AF16-86BE523BD79C}" presName="linearFlow" presStyleCnt="0">
+        <dgm:presLayoutVars>
+          <dgm:dir val="rev"/>
+          <dgm:animLvl val="lvl"/>
+          <dgm:resizeHandles val="exact"/>
+        </dgm:presLayoutVars>
+      </dgm:prSet>
+      <dgm:spPr/>
+    </dgm:pt>
+    <dgm:pt modelId="{A49DD7B7-1F00-4D67-B9D5-14F0ABCEE757}" type="pres">
+      <dgm:prSet presAssocID="{0401D67F-DC35-4FB2-B18A-B60A9117325D}" presName="composite" presStyleCnt="0"/>
+      <dgm:spPr/>
+    </dgm:pt>
+    <dgm:pt modelId="{5640917E-AAF2-4275-89CE-832E602E2AB3}" type="pres">
+      <dgm:prSet presAssocID="{0401D67F-DC35-4FB2-B18A-B60A9117325D}" presName="parentText" presStyleLbl="alignNode1" presStyleIdx="0" presStyleCnt="3">
+        <dgm:presLayoutVars>
+          <dgm:chMax val="1"/>
+          <dgm:bulletEnabled val="1"/>
+        </dgm:presLayoutVars>
+      </dgm:prSet>
+      <dgm:spPr/>
+    </dgm:pt>
+    <dgm:pt modelId="{672F3CD0-AB99-4FCF-847D-D08279D6364C}" type="pres">
+      <dgm:prSet presAssocID="{0401D67F-DC35-4FB2-B18A-B60A9117325D}" presName="descendantText" presStyleLbl="alignAcc1" presStyleIdx="0" presStyleCnt="3">
+        <dgm:presLayoutVars>
+          <dgm:bulletEnabled val="1"/>
+        </dgm:presLayoutVars>
+      </dgm:prSet>
+      <dgm:spPr/>
+    </dgm:pt>
+    <dgm:pt modelId="{FB25C62A-BBC8-4779-8BBF-7FB53B69E907}" type="pres">
+      <dgm:prSet presAssocID="{533F84D3-1879-4515-B385-97D874BA5C6C}" presName="sp" presStyleCnt="0"/>
+      <dgm:spPr/>
+    </dgm:pt>
+    <dgm:pt modelId="{13118BC5-B65C-407E-9201-148B67BA836A}" type="pres">
+      <dgm:prSet presAssocID="{B7DAD26C-7DD8-4C44-8C0F-A8EAFC42F3B8}" presName="composite" presStyleCnt="0"/>
+      <dgm:spPr/>
+    </dgm:pt>
+    <dgm:pt modelId="{B1A79459-6C14-459F-9C12-44A31643655A}" type="pres">
+      <dgm:prSet presAssocID="{B7DAD26C-7DD8-4C44-8C0F-A8EAFC42F3B8}" presName="parentText" presStyleLbl="alignNode1" presStyleIdx="1" presStyleCnt="3">
+        <dgm:presLayoutVars>
+          <dgm:chMax val="1"/>
+          <dgm:bulletEnabled val="1"/>
+        </dgm:presLayoutVars>
+      </dgm:prSet>
+      <dgm:spPr/>
+    </dgm:pt>
+    <dgm:pt modelId="{30E08E59-6115-49D9-A10A-DDC178BC264C}" type="pres">
+      <dgm:prSet presAssocID="{B7DAD26C-7DD8-4C44-8C0F-A8EAFC42F3B8}" presName="descendantText" presStyleLbl="alignAcc1" presStyleIdx="1" presStyleCnt="3">
+        <dgm:presLayoutVars>
+          <dgm:bulletEnabled val="1"/>
+        </dgm:presLayoutVars>
+      </dgm:prSet>
+      <dgm:spPr/>
+    </dgm:pt>
+    <dgm:pt modelId="{FB4B9A60-CC84-4C2E-8596-4908999FF39B}" type="pres">
+      <dgm:prSet presAssocID="{9DBFC698-5626-4213-A83A-83F862592F84}" presName="sp" presStyleCnt="0"/>
+      <dgm:spPr/>
+    </dgm:pt>
+    <dgm:pt modelId="{1C2C1EFA-723C-4027-9C27-A93512D6FC9D}" type="pres">
+      <dgm:prSet presAssocID="{43D954AA-3948-48D0-81DE-109D402610D0}" presName="composite" presStyleCnt="0"/>
+      <dgm:spPr/>
+    </dgm:pt>
+    <dgm:pt modelId="{56E6714A-0846-4B01-B0E3-A1B7BE80C1F5}" type="pres">
+      <dgm:prSet presAssocID="{43D954AA-3948-48D0-81DE-109D402610D0}" presName="parentText" presStyleLbl="alignNode1" presStyleIdx="2" presStyleCnt="3">
+        <dgm:presLayoutVars>
+          <dgm:chMax val="1"/>
+          <dgm:bulletEnabled val="1"/>
+        </dgm:presLayoutVars>
+      </dgm:prSet>
+      <dgm:spPr/>
+    </dgm:pt>
+    <dgm:pt modelId="{070BB136-E128-4A05-A794-149A60C37A28}" type="pres">
+      <dgm:prSet presAssocID="{43D954AA-3948-48D0-81DE-109D402610D0}" presName="descendantText" presStyleLbl="alignAcc1" presStyleIdx="2" presStyleCnt="3">
+        <dgm:presLayoutVars>
+          <dgm:bulletEnabled val="1"/>
+        </dgm:presLayoutVars>
+      </dgm:prSet>
+      <dgm:spPr/>
+    </dgm:pt>
+  </dgm:ptLst>
+  <dgm:cxnLst>
+    <dgm:cxn modelId="{80B93308-7BEB-4141-A35A-E4FCD47920B9}" type="presOf" srcId="{43D954AA-3948-48D0-81DE-109D402610D0}" destId="{56E6714A-0846-4B01-B0E3-A1B7BE80C1F5}" srcOrd="0" destOrd="0" presId="urn:microsoft.com/office/officeart/2005/8/layout/chevron2"/>
+    <dgm:cxn modelId="{3DF6980E-1225-4046-BFA3-BBCDDA150C92}" type="presOf" srcId="{B7DAD26C-7DD8-4C44-8C0F-A8EAFC42F3B8}" destId="{B1A79459-6C14-459F-9C12-44A31643655A}" srcOrd="0" destOrd="0" presId="urn:microsoft.com/office/officeart/2005/8/layout/chevron2"/>
+    <dgm:cxn modelId="{F3BDD80E-BD72-41DE-8362-51B07636D709}" srcId="{43D954AA-3948-48D0-81DE-109D402610D0}" destId="{1A7F6F40-830D-4265-90B2-20081EE77355}" srcOrd="0" destOrd="0" parTransId="{5086CC81-AEDC-4CE1-92CB-2243D2D5DF51}" sibTransId="{D71E639B-2EBA-4B21-9659-71EFB15A3A25}"/>
+    <dgm:cxn modelId="{57508011-5D7D-4132-801D-8845A639ABF6}" srcId="{B7DAD26C-7DD8-4C44-8C0F-A8EAFC42F3B8}" destId="{5131DEF7-A3D1-44E5-BDC7-481BFE5AEF70}" srcOrd="1" destOrd="0" parTransId="{0FF19945-A383-4E05-99BD-6B264D730E06}" sibTransId="{EFFCB011-C2F2-401B-B950-8DD0195409C8}"/>
+    <dgm:cxn modelId="{C9C04A20-7DD8-435B-A2F1-147AACEFE3EB}" srcId="{43D954AA-3948-48D0-81DE-109D402610D0}" destId="{25FE777A-3E7C-470B-A289-5994318F3E91}" srcOrd="1" destOrd="0" parTransId="{FCF72313-063C-43FD-A478-679B6F5A5D65}" sibTransId="{25EF21D5-AF56-4BF6-AFD0-2C64E06D1431}"/>
+    <dgm:cxn modelId="{DD351822-E2FD-45FE-A5C0-B39D0EFC84B1}" type="presOf" srcId="{5131DEF7-A3D1-44E5-BDC7-481BFE5AEF70}" destId="{30E08E59-6115-49D9-A10A-DDC178BC264C}" srcOrd="0" destOrd="1" presId="urn:microsoft.com/office/officeart/2005/8/layout/chevron2"/>
+    <dgm:cxn modelId="{8565445D-DF1E-4CA5-B2AA-AC0441D18970}" type="presOf" srcId="{0401D67F-DC35-4FB2-B18A-B60A9117325D}" destId="{5640917E-AAF2-4275-89CE-832E602E2AB3}" srcOrd="0" destOrd="0" presId="urn:microsoft.com/office/officeart/2005/8/layout/chevron2"/>
+    <dgm:cxn modelId="{617ADE61-E63E-4397-B140-B140C6C13151}" srcId="{0401D67F-DC35-4FB2-B18A-B60A9117325D}" destId="{60AEBBC1-1459-4092-A4CA-B7F4A922E995}" srcOrd="0" destOrd="0" parTransId="{60E69D62-9D84-40EB-A088-BAF2F81DF87B}" sibTransId="{BE9EB23C-1F56-4F4C-ADF7-1B1104601907}"/>
+    <dgm:cxn modelId="{00AD9066-0B82-421C-8A8F-D3632EB91F3B}" type="presOf" srcId="{726144AE-D36F-4A32-B722-48CFD109D225}" destId="{672F3CD0-AB99-4FCF-847D-D08279D6364C}" srcOrd="0" destOrd="3" presId="urn:microsoft.com/office/officeart/2005/8/layout/chevron2"/>
+    <dgm:cxn modelId="{E5243668-2A52-4E7F-B7DA-67E8E7112780}" srcId="{0401D67F-DC35-4FB2-B18A-B60A9117325D}" destId="{726144AE-D36F-4A32-B722-48CFD109D225}" srcOrd="3" destOrd="0" parTransId="{671061FC-B0AD-42A3-A1C8-ADE42546BDE5}" sibTransId="{447C0007-D3B3-4A29-B843-12B8725A0CA8}"/>
+    <dgm:cxn modelId="{C4B89A4E-2AFE-40CD-8D3F-13F332A4B469}" type="presOf" srcId="{345EBF78-4A8B-4E9C-8764-4BA98870313A}" destId="{070BB136-E128-4A05-A794-149A60C37A28}" srcOrd="0" destOrd="2" presId="urn:microsoft.com/office/officeart/2005/8/layout/chevron2"/>
+    <dgm:cxn modelId="{35537979-2F27-4923-98BC-5A5E1FF978E9}" type="presOf" srcId="{60AEBBC1-1459-4092-A4CA-B7F4A922E995}" destId="{672F3CD0-AB99-4FCF-847D-D08279D6364C}" srcOrd="0" destOrd="0" presId="urn:microsoft.com/office/officeart/2005/8/layout/chevron2"/>
+    <dgm:cxn modelId="{8910B084-1712-44AA-8A2F-6A303F84F212}" type="presOf" srcId="{D5FF1044-03B0-4C07-9A07-912FDAED03FC}" destId="{672F3CD0-AB99-4FCF-847D-D08279D6364C}" srcOrd="0" destOrd="2" presId="urn:microsoft.com/office/officeart/2005/8/layout/chevron2"/>
+    <dgm:cxn modelId="{E21DCE84-7A5F-4B7F-B77F-3DA09AA49C7C}" srcId="{BBA814FE-4110-4F9A-AF16-86BE523BD79C}" destId="{43D954AA-3948-48D0-81DE-109D402610D0}" srcOrd="2" destOrd="0" parTransId="{9E6CD0BC-AA7E-48CE-93D3-8AE5056352BC}" sibTransId="{5BDA4424-ACA0-4394-8B9F-AE4EBC1AA1F4}"/>
+    <dgm:cxn modelId="{55692186-A649-44D1-8198-CCE1D0FB3CF8}" srcId="{BBA814FE-4110-4F9A-AF16-86BE523BD79C}" destId="{0401D67F-DC35-4FB2-B18A-B60A9117325D}" srcOrd="0" destOrd="0" parTransId="{3903CF19-E078-4C38-BE9F-B3D217E77197}" sibTransId="{533F84D3-1879-4515-B385-97D874BA5C6C}"/>
+    <dgm:cxn modelId="{EA4EDB9B-DDF1-4961-88B5-795C991DB6B8}" srcId="{0401D67F-DC35-4FB2-B18A-B60A9117325D}" destId="{D5FF1044-03B0-4C07-9A07-912FDAED03FC}" srcOrd="2" destOrd="0" parTransId="{DA33F806-C4B2-4BBA-9286-43B592D43563}" sibTransId="{8DD1F4D1-25E9-4B64-92A5-DBF3885B0F91}"/>
+    <dgm:cxn modelId="{ADEB759C-D71F-498C-B5FE-577155B1A3B6}" type="presOf" srcId="{D5A3AFFB-F6A1-404B-89A0-67D5B31F1A7C}" destId="{30E08E59-6115-49D9-A10A-DDC178BC264C}" srcOrd="0" destOrd="0" presId="urn:microsoft.com/office/officeart/2005/8/layout/chevron2"/>
+    <dgm:cxn modelId="{EC5736AD-512D-4B7D-B2CC-2AB6078D7657}" type="presOf" srcId="{BBA814FE-4110-4F9A-AF16-86BE523BD79C}" destId="{40F3B224-FFD1-490B-A739-24D091ED8D37}" srcOrd="0" destOrd="0" presId="urn:microsoft.com/office/officeart/2005/8/layout/chevron2"/>
+    <dgm:cxn modelId="{6C2BC7BA-9B12-4F50-A6CE-5CBD6A38D7C3}" type="presOf" srcId="{25FE777A-3E7C-470B-A289-5994318F3E91}" destId="{070BB136-E128-4A05-A794-149A60C37A28}" srcOrd="0" destOrd="1" presId="urn:microsoft.com/office/officeart/2005/8/layout/chevron2"/>
+    <dgm:cxn modelId="{8D2276C3-C8BB-44DB-86AA-057461B2AF19}" type="presOf" srcId="{1A7F6F40-830D-4265-90B2-20081EE77355}" destId="{070BB136-E128-4A05-A794-149A60C37A28}" srcOrd="0" destOrd="0" presId="urn:microsoft.com/office/officeart/2005/8/layout/chevron2"/>
+    <dgm:cxn modelId="{D20D6CD9-F1B5-4858-B51D-42946AF3419B}" srcId="{B7DAD26C-7DD8-4C44-8C0F-A8EAFC42F3B8}" destId="{D5A3AFFB-F6A1-404B-89A0-67D5B31F1A7C}" srcOrd="0" destOrd="0" parTransId="{799B90B0-0C31-4218-B6EF-49861C6DB2CE}" sibTransId="{9A932099-3D4F-4D6E-AF22-4D2943757F0A}"/>
+    <dgm:cxn modelId="{D352E9DB-2516-4081-B940-A3D2433398AF}" srcId="{43D954AA-3948-48D0-81DE-109D402610D0}" destId="{345EBF78-4A8B-4E9C-8764-4BA98870313A}" srcOrd="2" destOrd="0" parTransId="{F50B7B05-E5BF-43D1-BCAA-F1EAFA1757EC}" sibTransId="{A273CD7F-3CF3-4599-B98F-3C2FBB17FE5E}"/>
+    <dgm:cxn modelId="{4645E4E0-72C5-4AD8-94F2-82FE97FB5F33}" srcId="{0401D67F-DC35-4FB2-B18A-B60A9117325D}" destId="{61418FE8-3A26-4074-A1B7-B9CE66E917EC}" srcOrd="1" destOrd="0" parTransId="{A92DEF44-334A-4BB5-BB71-1B58C407DE4D}" sibTransId="{21838C84-E6A3-4831-B543-C0F5BD1D0088}"/>
+    <dgm:cxn modelId="{B8355AEE-B7B0-4996-B791-750129F7FA41}" type="presOf" srcId="{61418FE8-3A26-4074-A1B7-B9CE66E917EC}" destId="{672F3CD0-AB99-4FCF-847D-D08279D6364C}" srcOrd="0" destOrd="1" presId="urn:microsoft.com/office/officeart/2005/8/layout/chevron2"/>
+    <dgm:cxn modelId="{01FF16F0-04C1-42BD-8966-9489B8FB7388}" srcId="{BBA814FE-4110-4F9A-AF16-86BE523BD79C}" destId="{B7DAD26C-7DD8-4C44-8C0F-A8EAFC42F3B8}" srcOrd="1" destOrd="0" parTransId="{487C353B-256C-4BA1-B526-2C1CB338B009}" sibTransId="{9DBFC698-5626-4213-A83A-83F862592F84}"/>
+    <dgm:cxn modelId="{86C6E1EC-C86A-4C04-9E80-88F091CC473A}" type="presParOf" srcId="{40F3B224-FFD1-490B-A739-24D091ED8D37}" destId="{A49DD7B7-1F00-4D67-B9D5-14F0ABCEE757}" srcOrd="0" destOrd="0" presId="urn:microsoft.com/office/officeart/2005/8/layout/chevron2"/>
+    <dgm:cxn modelId="{27FC7E6D-D373-4CB7-B567-2640217DBAD0}" type="presParOf" srcId="{A49DD7B7-1F00-4D67-B9D5-14F0ABCEE757}" destId="{5640917E-AAF2-4275-89CE-832E602E2AB3}" srcOrd="0" destOrd="0" presId="urn:microsoft.com/office/officeart/2005/8/layout/chevron2"/>
+    <dgm:cxn modelId="{27E72928-4A5E-49C2-8387-7A5B540F2CC8}" type="presParOf" srcId="{A49DD7B7-1F00-4D67-B9D5-14F0ABCEE757}" destId="{672F3CD0-AB99-4FCF-847D-D08279D6364C}" srcOrd="1" destOrd="0" presId="urn:microsoft.com/office/officeart/2005/8/layout/chevron2"/>
+    <dgm:cxn modelId="{7CB1B716-206C-47BB-A0AA-45A9376B1636}" type="presParOf" srcId="{40F3B224-FFD1-490B-A739-24D091ED8D37}" destId="{FB25C62A-BBC8-4779-8BBF-7FB53B69E907}" srcOrd="1" destOrd="0" presId="urn:microsoft.com/office/officeart/2005/8/layout/chevron2"/>
+    <dgm:cxn modelId="{EC8B8723-BBD4-436F-9FED-F27D85359F3C}" type="presParOf" srcId="{40F3B224-FFD1-490B-A739-24D091ED8D37}" destId="{13118BC5-B65C-407E-9201-148B67BA836A}" srcOrd="2" destOrd="0" presId="urn:microsoft.com/office/officeart/2005/8/layout/chevron2"/>
+    <dgm:cxn modelId="{3AC6EB9D-CFF2-4605-A378-E993FE41F296}" type="presParOf" srcId="{13118BC5-B65C-407E-9201-148B67BA836A}" destId="{B1A79459-6C14-459F-9C12-44A31643655A}" srcOrd="0" destOrd="0" presId="urn:microsoft.com/office/officeart/2005/8/layout/chevron2"/>
+    <dgm:cxn modelId="{B27B1A41-3359-4CC5-99DD-0D5F193978EF}" type="presParOf" srcId="{13118BC5-B65C-407E-9201-148B67BA836A}" destId="{30E08E59-6115-49D9-A10A-DDC178BC264C}" srcOrd="1" destOrd="0" presId="urn:microsoft.com/office/officeart/2005/8/layout/chevron2"/>
+    <dgm:cxn modelId="{7740AEC5-84E2-4DDF-8DB0-0FED23893D7B}" type="presParOf" srcId="{40F3B224-FFD1-490B-A739-24D091ED8D37}" destId="{FB4B9A60-CC84-4C2E-8596-4908999FF39B}" srcOrd="3" destOrd="0" presId="urn:microsoft.com/office/officeart/2005/8/layout/chevron2"/>
+    <dgm:cxn modelId="{A6EB0A76-C3B2-4434-94C5-41FCF16DA1A5}" type="presParOf" srcId="{40F3B224-FFD1-490B-A739-24D091ED8D37}" destId="{1C2C1EFA-723C-4027-9C27-A93512D6FC9D}" srcOrd="4" destOrd="0" presId="urn:microsoft.com/office/officeart/2005/8/layout/chevron2"/>
+    <dgm:cxn modelId="{2741ACC6-9D7E-4B30-8A85-37ECB1B01064}" type="presParOf" srcId="{1C2C1EFA-723C-4027-9C27-A93512D6FC9D}" destId="{56E6714A-0846-4B01-B0E3-A1B7BE80C1F5}" srcOrd="0" destOrd="0" presId="urn:microsoft.com/office/officeart/2005/8/layout/chevron2"/>
+    <dgm:cxn modelId="{99F42484-E429-4B28-9935-AA303BCD1D51}" type="presParOf" srcId="{1C2C1EFA-723C-4027-9C27-A93512D6FC9D}" destId="{070BB136-E128-4A05-A794-149A60C37A28}" srcOrd="1" destOrd="0" presId="urn:microsoft.com/office/officeart/2005/8/layout/chevron2"/>
+  </dgm:cxnLst>
+  <dgm:bg/>
+  <dgm:whole/>
+  <dgm:extLst>
+    <a:ext uri="http://schemas.microsoft.com/office/drawing/2008/diagram">
+      <dsp:dataModelExt xmlns:dsp="http://schemas.microsoft.com/office/drawing/2008/diagram" relId="rId6" minVer="http://schemas.openxmlformats.org/drawingml/2006/diagram"/>
+    </a:ext>
+  </dgm:extLst>
+</dgm:dataModel>
+</file>
+
+<file path=ppt/diagrams/drawing1.xml><?xml version="1.0" encoding="utf-8"?>
+<dsp:drawing xmlns:dgm="http://schemas.openxmlformats.org/drawingml/2006/diagram" xmlns:dsp="http://schemas.microsoft.com/office/drawing/2008/diagram" xmlns:a="http://schemas.openxmlformats.org/drawingml/2006/main">
+  <dsp:spTree>
+    <dsp:nvGrpSpPr>
+      <dsp:cNvPr id="0" name=""/>
+      <dsp:cNvGrpSpPr/>
+    </dsp:nvGrpSpPr>
+    <dsp:grpSpPr/>
+    <dsp:sp modelId="{5640917E-AAF2-4275-89CE-832E602E2AB3}">
+      <dsp:nvSpPr>
+        <dsp:cNvPr id="0" name=""/>
+        <dsp:cNvSpPr/>
+      </dsp:nvSpPr>
+      <dsp:spPr>
+        <a:xfrm rot="5400000">
+          <a:off x="6363315" y="337782"/>
+          <a:ext cx="2241723" cy="1569206"/>
+        </a:xfrm>
+        <a:prstGeom prst="chevron">
+          <a:avLst/>
+        </a:prstGeom>
+        <a:solidFill>
+          <a:schemeClr val="accent1">
+            <a:hueOff val="0"/>
+            <a:satOff val="0"/>
+            <a:lumOff val="0"/>
+            <a:alphaOff val="0"/>
+          </a:schemeClr>
+        </a:solidFill>
+        <a:ln w="10795" cap="flat" cmpd="sng" algn="ctr">
+          <a:solidFill>
+            <a:schemeClr val="accent1">
+              <a:hueOff val="0"/>
+              <a:satOff val="0"/>
+              <a:lumOff val="0"/>
+              <a:alphaOff val="0"/>
+            </a:schemeClr>
+          </a:solidFill>
+          <a:prstDash val="solid"/>
+        </a:ln>
+        <a:effectLst/>
+      </dsp:spPr>
+      <dsp:style>
+        <a:lnRef idx="2">
+          <a:scrgbClr r="0" g="0" b="0"/>
+        </a:lnRef>
+        <a:fillRef idx="1">
+          <a:scrgbClr r="0" g="0" b="0"/>
+        </a:fillRef>
+        <a:effectRef idx="0">
+          <a:scrgbClr r="0" g="0" b="0"/>
+        </a:effectRef>
+        <a:fontRef idx="minor">
+          <a:schemeClr val="lt1"/>
+        </a:fontRef>
+      </dsp:style>
+      <dsp:txBody>
+        <a:bodyPr spcFirstLastPara="0" vert="horz" wrap="square" lIns="22860" tIns="22860" rIns="22860" bIns="22860" numCol="1" spcCol="1270" anchor="ctr" anchorCtr="0">
+          <a:noAutofit/>
+        </a:bodyPr>
+        <a:lstStyle/>
+        <a:p>
+          <a:pPr marL="0" lvl="0" indent="0" algn="ctr" defTabSz="1600200" rtl="1">
+            <a:lnSpc>
+              <a:spcPct val="90000"/>
+            </a:lnSpc>
+            <a:spcBef>
+              <a:spcPct val="0"/>
+            </a:spcBef>
+            <a:spcAft>
+              <a:spcPct val="35000"/>
+            </a:spcAft>
+            <a:buNone/>
+          </a:pPr>
+          <a:r>
+            <a:rPr lang="he-IL" sz="3600" b="1" kern="1200" dirty="0">
+              <a:effectLst>
+                <a:outerShdw blurRad="38100" dist="38100" dir="2700000" algn="tl">
+                  <a:srgbClr val="000000">
+                    <a:alpha val="43137"/>
+                  </a:srgbClr>
+                </a:outerShdw>
+              </a:effectLst>
+            </a:rPr>
+            <a:t>נובמבר</a:t>
+          </a:r>
+        </a:p>
+      </dsp:txBody>
+      <dsp:txXfrm rot="-5400000">
+        <a:off x="6699574" y="786126"/>
+        <a:ext cx="1569206" cy="672517"/>
+      </dsp:txXfrm>
+    </dsp:sp>
+    <dsp:sp modelId="{672F3CD0-AB99-4FCF-847D-D08279D6364C}">
+      <dsp:nvSpPr>
+        <dsp:cNvPr id="0" name=""/>
+        <dsp:cNvSpPr/>
+      </dsp:nvSpPr>
+      <dsp:spPr>
+        <a:xfrm rot="16200000">
+          <a:off x="2621227" y="-2619702"/>
+          <a:ext cx="1457120" cy="6699574"/>
+        </a:xfrm>
+        <a:prstGeom prst="round2SameRect">
+          <a:avLst/>
+        </a:prstGeom>
+        <a:solidFill>
+          <a:schemeClr val="lt1">
+            <a:alpha val="90000"/>
+            <a:hueOff val="0"/>
+            <a:satOff val="0"/>
+            <a:lumOff val="0"/>
+            <a:alphaOff val="0"/>
+          </a:schemeClr>
+        </a:solidFill>
+        <a:ln w="10795" cap="flat" cmpd="sng" algn="ctr">
+          <a:solidFill>
+            <a:schemeClr val="accent1">
+              <a:hueOff val="0"/>
+              <a:satOff val="0"/>
+              <a:lumOff val="0"/>
+              <a:alphaOff val="0"/>
+            </a:schemeClr>
+          </a:solidFill>
+          <a:prstDash val="solid"/>
+        </a:ln>
+        <a:effectLst/>
+      </dsp:spPr>
+      <dsp:style>
+        <a:lnRef idx="2">
+          <a:scrgbClr r="0" g="0" b="0"/>
+        </a:lnRef>
+        <a:fillRef idx="1">
+          <a:scrgbClr r="0" g="0" b="0"/>
+        </a:fillRef>
+        <a:effectRef idx="0">
+          <a:scrgbClr r="0" g="0" b="0"/>
+        </a:effectRef>
+        <a:fontRef idx="minor"/>
+      </dsp:style>
+      <dsp:txBody>
+        <a:bodyPr spcFirstLastPara="0" vert="horz" wrap="square" lIns="12700" tIns="12700" rIns="142240" bIns="12700" numCol="1" spcCol="1270" anchor="ctr" anchorCtr="0">
+          <a:noAutofit/>
+        </a:bodyPr>
+        <a:lstStyle/>
+        <a:p>
+          <a:pPr marL="228600" lvl="1" indent="-228600" algn="r" defTabSz="889000" rtl="1">
+            <a:lnSpc>
+              <a:spcPct val="90000"/>
+            </a:lnSpc>
+            <a:spcBef>
+              <a:spcPct val="0"/>
+            </a:spcBef>
+            <a:spcAft>
+              <a:spcPct val="15000"/>
+            </a:spcAft>
+            <a:buChar char="•"/>
+          </a:pPr>
+          <a:r>
+            <a:rPr lang="he-IL" sz="2000" kern="1200" dirty="0"/>
+            <a:t>מסמך דרישות מלא ו-</a:t>
+          </a:r>
+          <a:r>
+            <a:rPr lang="en-US" sz="2000" kern="1200" dirty="0"/>
+            <a:t>Design</a:t>
+          </a:r>
+          <a:r>
+            <a:rPr lang="he-IL" sz="2000" kern="1200" dirty="0"/>
+            <a:t> ראשוני</a:t>
+          </a:r>
+        </a:p>
+        <a:p>
+          <a:pPr marL="228600" lvl="1" indent="-228600" algn="r" defTabSz="889000" rtl="1">
+            <a:lnSpc>
+              <a:spcPct val="90000"/>
+            </a:lnSpc>
+            <a:spcBef>
+              <a:spcPct val="0"/>
+            </a:spcBef>
+            <a:spcAft>
+              <a:spcPct val="15000"/>
+            </a:spcAft>
+            <a:buChar char="•"/>
+          </a:pPr>
+          <a:r>
+            <a:rPr lang="he-IL" sz="2000" kern="1200" dirty="0"/>
+            <a:t>בחירת טכנולוגיות</a:t>
+          </a:r>
+        </a:p>
+        <a:p>
+          <a:pPr marL="228600" lvl="1" indent="-228600" algn="r" defTabSz="889000" rtl="1">
+            <a:lnSpc>
+              <a:spcPct val="90000"/>
+            </a:lnSpc>
+            <a:spcBef>
+              <a:spcPct val="0"/>
+            </a:spcBef>
+            <a:spcAft>
+              <a:spcPct val="15000"/>
+            </a:spcAft>
+            <a:buChar char="•"/>
+          </a:pPr>
+          <a:r>
+            <a:rPr lang="he-IL" sz="2000" kern="1200" dirty="0"/>
+            <a:t>עיצוב בסיס הנתונים</a:t>
+          </a:r>
+        </a:p>
+        <a:p>
+          <a:pPr marL="228600" lvl="1" indent="-228600" algn="r" defTabSz="889000" rtl="1">
+            <a:lnSpc>
+              <a:spcPct val="90000"/>
+            </a:lnSpc>
+            <a:spcBef>
+              <a:spcPct val="0"/>
+            </a:spcBef>
+            <a:spcAft>
+              <a:spcPct val="15000"/>
+            </a:spcAft>
+            <a:buChar char="•"/>
+          </a:pPr>
+          <a:r>
+            <a:rPr lang="he-IL" sz="2000" kern="1200" dirty="0"/>
+            <a:t>הגדרת </a:t>
+          </a:r>
+          <a:r>
+            <a:rPr lang="en-US" sz="2000" kern="1200" dirty="0"/>
+            <a:t>API</a:t>
+          </a:r>
+          <a:endParaRPr lang="he-IL" sz="2000" kern="1200" dirty="0"/>
+        </a:p>
+      </dsp:txBody>
+      <dsp:txXfrm rot="5400000">
+        <a:off x="71132" y="72655"/>
+        <a:ext cx="6628443" cy="1314858"/>
+      </dsp:txXfrm>
+    </dsp:sp>
+    <dsp:sp modelId="{B1A79459-6C14-459F-9C12-44A31643655A}">
+      <dsp:nvSpPr>
+        <dsp:cNvPr id="0" name=""/>
+        <dsp:cNvSpPr/>
+      </dsp:nvSpPr>
+      <dsp:spPr>
+        <a:xfrm rot="5400000">
+          <a:off x="6363315" y="2390396"/>
+          <a:ext cx="2241723" cy="1569206"/>
+        </a:xfrm>
+        <a:prstGeom prst="chevron">
+          <a:avLst/>
+        </a:prstGeom>
+        <a:solidFill>
+          <a:schemeClr val="accent1">
+            <a:hueOff val="0"/>
+            <a:satOff val="0"/>
+            <a:lumOff val="0"/>
+            <a:alphaOff val="0"/>
+          </a:schemeClr>
+        </a:solidFill>
+        <a:ln w="10795" cap="flat" cmpd="sng" algn="ctr">
+          <a:solidFill>
+            <a:schemeClr val="accent1">
+              <a:hueOff val="0"/>
+              <a:satOff val="0"/>
+              <a:lumOff val="0"/>
+              <a:alphaOff val="0"/>
+            </a:schemeClr>
+          </a:solidFill>
+          <a:prstDash val="solid"/>
+        </a:ln>
+        <a:effectLst/>
+      </dsp:spPr>
+      <dsp:style>
+        <a:lnRef idx="2">
+          <a:scrgbClr r="0" g="0" b="0"/>
+        </a:lnRef>
+        <a:fillRef idx="1">
+          <a:scrgbClr r="0" g="0" b="0"/>
+        </a:fillRef>
+        <a:effectRef idx="0">
+          <a:scrgbClr r="0" g="0" b="0"/>
+        </a:effectRef>
+        <a:fontRef idx="minor">
+          <a:schemeClr val="lt1"/>
+        </a:fontRef>
+      </dsp:style>
+      <dsp:txBody>
+        <a:bodyPr spcFirstLastPara="0" vert="horz" wrap="square" lIns="22860" tIns="22860" rIns="22860" bIns="22860" numCol="1" spcCol="1270" anchor="ctr" anchorCtr="0">
+          <a:noAutofit/>
+        </a:bodyPr>
+        <a:lstStyle/>
+        <a:p>
+          <a:pPr marL="0" lvl="0" indent="0" algn="ctr" defTabSz="1066800" rtl="1">
+            <a:lnSpc>
+              <a:spcPct val="90000"/>
+            </a:lnSpc>
+            <a:spcBef>
+              <a:spcPct val="0"/>
+            </a:spcBef>
+            <a:spcAft>
+              <a:spcPct val="35000"/>
+            </a:spcAft>
+            <a:buNone/>
+          </a:pPr>
+          <a:r>
+            <a:rPr lang="he-IL" sz="3600" b="1" kern="1200" dirty="0">
+              <a:solidFill>
+                <a:srgbClr val="FFFFFF"/>
+              </a:solidFill>
+              <a:effectLst>
+                <a:outerShdw blurRad="38100" dist="38100" dir="2700000" algn="tl">
+                  <a:srgbClr val="000000">
+                    <a:alpha val="43137"/>
+                  </a:srgbClr>
+                </a:outerShdw>
+              </a:effectLst>
+              <a:latin typeface="Corbel" panose="020B0503020204020204"/>
+              <a:ea typeface="+mn-ea"/>
+              <a:cs typeface="Gisha" panose="020B0502040204020203" pitchFamily="34" charset="-79"/>
+            </a:rPr>
+            <a:t>דצמבר</a:t>
+          </a:r>
+        </a:p>
+      </dsp:txBody>
+      <dsp:txXfrm rot="-5400000">
+        <a:off x="6699574" y="2838740"/>
+        <a:ext cx="1569206" cy="672517"/>
+      </dsp:txXfrm>
+    </dsp:sp>
+    <dsp:sp modelId="{30E08E59-6115-49D9-A10A-DDC178BC264C}">
+      <dsp:nvSpPr>
+        <dsp:cNvPr id="0" name=""/>
+        <dsp:cNvSpPr/>
+      </dsp:nvSpPr>
+      <dsp:spPr>
+        <a:xfrm rot="16200000">
+          <a:off x="2621227" y="-567088"/>
+          <a:ext cx="1457120" cy="6699574"/>
+        </a:xfrm>
+        <a:prstGeom prst="round2SameRect">
+          <a:avLst/>
+        </a:prstGeom>
+        <a:solidFill>
+          <a:schemeClr val="lt1">
+            <a:alpha val="90000"/>
+            <a:hueOff val="0"/>
+            <a:satOff val="0"/>
+            <a:lumOff val="0"/>
+            <a:alphaOff val="0"/>
+          </a:schemeClr>
+        </a:solidFill>
+        <a:ln w="10795" cap="flat" cmpd="sng" algn="ctr">
+          <a:solidFill>
+            <a:schemeClr val="accent1">
+              <a:hueOff val="0"/>
+              <a:satOff val="0"/>
+              <a:lumOff val="0"/>
+              <a:alphaOff val="0"/>
+            </a:schemeClr>
+          </a:solidFill>
+          <a:prstDash val="solid"/>
+        </a:ln>
+        <a:effectLst/>
+      </dsp:spPr>
+      <dsp:style>
+        <a:lnRef idx="2">
+          <a:scrgbClr r="0" g="0" b="0"/>
+        </a:lnRef>
+        <a:fillRef idx="1">
+          <a:scrgbClr r="0" g="0" b="0"/>
+        </a:fillRef>
+        <a:effectRef idx="0">
+          <a:scrgbClr r="0" g="0" b="0"/>
+        </a:effectRef>
+        <a:fontRef idx="minor"/>
+      </dsp:style>
+      <dsp:txBody>
+        <a:bodyPr spcFirstLastPara="0" vert="horz" wrap="square" lIns="12700" tIns="12700" rIns="142240" bIns="12700" numCol="1" spcCol="1270" anchor="ctr" anchorCtr="0">
+          <a:noAutofit/>
+        </a:bodyPr>
+        <a:lstStyle/>
+        <a:p>
+          <a:pPr marL="228600" lvl="1" indent="-228600" algn="r" defTabSz="889000" rtl="1">
+            <a:lnSpc>
+              <a:spcPct val="90000"/>
+            </a:lnSpc>
+            <a:spcBef>
+              <a:spcPct val="0"/>
+            </a:spcBef>
+            <a:spcAft>
+              <a:spcPct val="15000"/>
+            </a:spcAft>
+            <a:buChar char="•"/>
+          </a:pPr>
+          <a:r>
+            <a:rPr lang="he-IL" sz="2000" kern="1200" dirty="0"/>
+            <a:t>יצירת </a:t>
+          </a:r>
+          <a:r>
+            <a:rPr lang="en-US" sz="2000" kern="1200" dirty="0"/>
+            <a:t>Backend</a:t>
+          </a:r>
+          <a:endParaRPr lang="he-IL" sz="2000" kern="1200" dirty="0"/>
+        </a:p>
+        <a:p>
+          <a:pPr marL="228600" lvl="1" indent="-228600" algn="r" defTabSz="889000" rtl="1">
+            <a:lnSpc>
+              <a:spcPct val="90000"/>
+            </a:lnSpc>
+            <a:spcBef>
+              <a:spcPct val="0"/>
+            </a:spcBef>
+            <a:spcAft>
+              <a:spcPct val="15000"/>
+            </a:spcAft>
+            <a:buChar char="•"/>
+          </a:pPr>
+          <a:r>
+            <a:rPr lang="he-IL" sz="2000" kern="1200" dirty="0"/>
+            <a:t>יצירת </a:t>
+          </a:r>
+          <a:r>
+            <a:rPr lang="en-US" sz="2000" kern="1200" dirty="0"/>
+            <a:t>frontend</a:t>
+          </a:r>
+          <a:r>
+            <a:rPr lang="he-IL" sz="2000" kern="1200" dirty="0"/>
+            <a:t> :</a:t>
+          </a:r>
+          <a:r>
+            <a:rPr lang="en-US" sz="2000" kern="1200" dirty="0"/>
+            <a:t> </a:t>
+          </a:r>
+          <a:r>
+            <a:rPr lang="he-IL" sz="2000" kern="1200" dirty="0"/>
+            <a:t>יכולת להציג מפות, ניהול וטיפול במשתמשים וקבוצות.</a:t>
+          </a:r>
+        </a:p>
+      </dsp:txBody>
+      <dsp:txXfrm rot="5400000">
+        <a:off x="71132" y="2125269"/>
+        <a:ext cx="6628443" cy="1314858"/>
+      </dsp:txXfrm>
+    </dsp:sp>
+    <dsp:sp modelId="{56E6714A-0846-4B01-B0E3-A1B7BE80C1F5}">
+      <dsp:nvSpPr>
+        <dsp:cNvPr id="0" name=""/>
+        <dsp:cNvSpPr/>
+      </dsp:nvSpPr>
+      <dsp:spPr>
+        <a:xfrm rot="5400000">
+          <a:off x="6363315" y="4443010"/>
+          <a:ext cx="2241723" cy="1569206"/>
+        </a:xfrm>
+        <a:prstGeom prst="chevron">
+          <a:avLst/>
+        </a:prstGeom>
+        <a:solidFill>
+          <a:schemeClr val="accent1">
+            <a:hueOff val="0"/>
+            <a:satOff val="0"/>
+            <a:lumOff val="0"/>
+            <a:alphaOff val="0"/>
+          </a:schemeClr>
+        </a:solidFill>
+        <a:ln w="10795" cap="flat" cmpd="sng" algn="ctr">
+          <a:solidFill>
+            <a:schemeClr val="accent1">
+              <a:hueOff val="0"/>
+              <a:satOff val="0"/>
+              <a:lumOff val="0"/>
+              <a:alphaOff val="0"/>
+            </a:schemeClr>
+          </a:solidFill>
+          <a:prstDash val="solid"/>
+        </a:ln>
+        <a:effectLst/>
+      </dsp:spPr>
+      <dsp:style>
+        <a:lnRef idx="2">
+          <a:scrgbClr r="0" g="0" b="0"/>
+        </a:lnRef>
+        <a:fillRef idx="1">
+          <a:scrgbClr r="0" g="0" b="0"/>
+        </a:fillRef>
+        <a:effectRef idx="0">
+          <a:scrgbClr r="0" g="0" b="0"/>
+        </a:effectRef>
+        <a:fontRef idx="minor">
+          <a:schemeClr val="lt1"/>
+        </a:fontRef>
+      </dsp:style>
+      <dsp:txBody>
+        <a:bodyPr spcFirstLastPara="0" vert="horz" wrap="square" lIns="22860" tIns="22860" rIns="22860" bIns="22860" numCol="1" spcCol="1270" anchor="ctr" anchorCtr="0">
+          <a:noAutofit/>
+        </a:bodyPr>
+        <a:lstStyle/>
+        <a:p>
+          <a:pPr marL="0" lvl="0" indent="0" algn="ctr" defTabSz="1066800" rtl="1">
+            <a:lnSpc>
+              <a:spcPct val="90000"/>
+            </a:lnSpc>
+            <a:spcBef>
+              <a:spcPct val="0"/>
+            </a:spcBef>
+            <a:spcAft>
+              <a:spcPct val="35000"/>
+            </a:spcAft>
+            <a:buNone/>
+          </a:pPr>
+          <a:r>
+            <a:rPr lang="he-IL" sz="3600" b="1" kern="1200" dirty="0">
+              <a:solidFill>
+                <a:srgbClr val="FFFFFF"/>
+              </a:solidFill>
+              <a:effectLst>
+                <a:outerShdw blurRad="38100" dist="38100" dir="2700000" algn="tl">
+                  <a:srgbClr val="000000">
+                    <a:alpha val="43137"/>
+                  </a:srgbClr>
+                </a:outerShdw>
+              </a:effectLst>
+              <a:latin typeface="Corbel" panose="020B0503020204020204"/>
+              <a:ea typeface="+mn-ea"/>
+              <a:cs typeface="Gisha" panose="020B0502040204020203" pitchFamily="34" charset="-79"/>
+            </a:rPr>
+            <a:t>ינואר</a:t>
+          </a:r>
+        </a:p>
+      </dsp:txBody>
+      <dsp:txXfrm rot="-5400000">
+        <a:off x="6699574" y="4891354"/>
+        <a:ext cx="1569206" cy="672517"/>
+      </dsp:txXfrm>
+    </dsp:sp>
+    <dsp:sp modelId="{070BB136-E128-4A05-A794-149A60C37A28}">
+      <dsp:nvSpPr>
+        <dsp:cNvPr id="0" name=""/>
+        <dsp:cNvSpPr/>
+      </dsp:nvSpPr>
+      <dsp:spPr>
+        <a:xfrm rot="16200000">
+          <a:off x="2621227" y="1485525"/>
+          <a:ext cx="1457120" cy="6699574"/>
+        </a:xfrm>
+        <a:prstGeom prst="round2SameRect">
+          <a:avLst/>
+        </a:prstGeom>
+        <a:solidFill>
+          <a:schemeClr val="lt1">
+            <a:alpha val="90000"/>
+            <a:hueOff val="0"/>
+            <a:satOff val="0"/>
+            <a:lumOff val="0"/>
+            <a:alphaOff val="0"/>
+          </a:schemeClr>
+        </a:solidFill>
+        <a:ln w="10795" cap="flat" cmpd="sng" algn="ctr">
+          <a:solidFill>
+            <a:schemeClr val="accent1">
+              <a:hueOff val="0"/>
+              <a:satOff val="0"/>
+              <a:lumOff val="0"/>
+              <a:alphaOff val="0"/>
+            </a:schemeClr>
+          </a:solidFill>
+          <a:prstDash val="solid"/>
+        </a:ln>
+        <a:effectLst/>
+      </dsp:spPr>
+      <dsp:style>
+        <a:lnRef idx="2">
+          <a:scrgbClr r="0" g="0" b="0"/>
+        </a:lnRef>
+        <a:fillRef idx="1">
+          <a:scrgbClr r="0" g="0" b="0"/>
+        </a:fillRef>
+        <a:effectRef idx="0">
+          <a:scrgbClr r="0" g="0" b="0"/>
+        </a:effectRef>
+        <a:fontRef idx="minor"/>
+      </dsp:style>
+      <dsp:txBody>
+        <a:bodyPr spcFirstLastPara="0" vert="horz" wrap="square" lIns="12700" tIns="12700" rIns="142240" bIns="12700" numCol="1" spcCol="1270" anchor="ctr" anchorCtr="0">
+          <a:noAutofit/>
+        </a:bodyPr>
+        <a:lstStyle/>
+        <a:p>
+          <a:pPr marL="228600" lvl="1" indent="-228600" algn="r" defTabSz="889000" rtl="1">
+            <a:lnSpc>
+              <a:spcPct val="90000"/>
+            </a:lnSpc>
+            <a:spcBef>
+              <a:spcPct val="0"/>
+            </a:spcBef>
+            <a:spcAft>
+              <a:spcPct val="15000"/>
+            </a:spcAft>
+            <a:buChar char="•"/>
+          </a:pPr>
+          <a:r>
+            <a:rPr lang="en-US" sz="2000" kern="1200" dirty="0"/>
+            <a:t>Frontend</a:t>
+          </a:r>
+          <a:r>
+            <a:rPr lang="he-IL" sz="2000" kern="1200" dirty="0"/>
+            <a:t> :</a:t>
+          </a:r>
+          <a:r>
+            <a:rPr lang="en-US" sz="2000" kern="1200" dirty="0"/>
+            <a:t> </a:t>
+          </a:r>
+          <a:r>
+            <a:rPr lang="he-IL" sz="2000" kern="1200" dirty="0"/>
+            <a:t>עריכת מפות, המרות טקסט/מפות</a:t>
+          </a:r>
+        </a:p>
+        <a:p>
+          <a:pPr marL="228600" lvl="1" indent="-228600" algn="r" defTabSz="889000" rtl="1">
+            <a:lnSpc>
+              <a:spcPct val="90000"/>
+            </a:lnSpc>
+            <a:spcBef>
+              <a:spcPct val="0"/>
+            </a:spcBef>
+            <a:spcAft>
+              <a:spcPct val="15000"/>
+            </a:spcAft>
+            <a:buChar char="•"/>
+          </a:pPr>
+          <a:r>
+            <a:rPr lang="he-IL" sz="2000" kern="1200" dirty="0"/>
+            <a:t>חיפוש חכם</a:t>
+          </a:r>
+        </a:p>
+        <a:p>
+          <a:pPr marL="228600" lvl="1" indent="-228600" algn="r" defTabSz="889000" rtl="1">
+            <a:lnSpc>
+              <a:spcPct val="90000"/>
+            </a:lnSpc>
+            <a:spcBef>
+              <a:spcPct val="0"/>
+            </a:spcBef>
+            <a:spcAft>
+              <a:spcPct val="15000"/>
+            </a:spcAft>
+            <a:buChar char="•"/>
+          </a:pPr>
+          <a:r>
+            <a:rPr lang="he-IL" sz="2000" kern="1200" dirty="0"/>
+            <a:t>התממשקות עם אלגוריתמים של קבוצות מקבילות</a:t>
+          </a:r>
+        </a:p>
+      </dsp:txBody>
+      <dsp:txXfrm rot="5400000">
+        <a:off x="71132" y="4177883"/>
+        <a:ext cx="6628443" cy="1314858"/>
+      </dsp:txXfrm>
+    </dsp:sp>
+  </dsp:spTree>
+</dsp:drawing>
+</file>
+
+<file path=ppt/diagrams/layout1.xml><?xml version="1.0" encoding="utf-8"?>
+<dgm:layoutDef xmlns:dgm="http://schemas.openxmlformats.org/drawingml/2006/diagram" xmlns:a="http://schemas.openxmlformats.org/drawingml/2006/main" uniqueId="urn:microsoft.com/office/officeart/2005/8/layout/chevron2">
+  <dgm:title val=""/>
+  <dgm:desc val=""/>
+  <dgm:catLst>
+    <dgm:cat type="process" pri="12000"/>
+    <dgm:cat type="list" pri="16000"/>
+    <dgm:cat type="convert" pri="11000"/>
+  </dgm:catLst>
+  <dgm:sampData>
+    <dgm:dataModel>
+      <dgm:ptLst>
+        <dgm:pt modelId="0" type="doc"/>
+        <dgm:pt modelId="1">
+          <dgm:prSet phldr="1"/>
+        </dgm:pt>
+        <dgm:pt modelId="11">
+          <dgm:prSet phldr="1"/>
+        </dgm:pt>
+        <dgm:pt modelId="12">
+          <dgm:prSet phldr="1"/>
+        </dgm:pt>
+        <dgm:pt modelId="2">
+          <dgm:prSet phldr="1"/>
+        </dgm:pt>
+        <dgm:pt modelId="21">
+          <dgm:prSet phldr="1"/>
+        </dgm:pt>
+        <dgm:pt modelId="22">
+          <dgm:prSet phldr="1"/>
+        </dgm:pt>
+        <dgm:pt modelId="3">
+          <dgm:prSet phldr="1"/>
+        </dgm:pt>
+        <dgm:pt modelId="31">
+          <dgm:prSet phldr="1"/>
+        </dgm:pt>
+        <dgm:pt modelId="32">
+          <dgm:prSet phldr="1"/>
+        </dgm:pt>
+      </dgm:ptLst>
+      <dgm:cxnLst>
+        <dgm:cxn modelId="4" srcId="0" destId="1" srcOrd="0" destOrd="0"/>
+        <dgm:cxn modelId="5" srcId="0" destId="2" srcOrd="1" destOrd="0"/>
+        <dgm:cxn modelId="6" srcId="0" destId="3" srcOrd="2" destOrd="0"/>
+        <dgm:cxn modelId="13" srcId="1" destId="11" srcOrd="0" destOrd="0"/>
+        <dgm:cxn modelId="14" srcId="1" destId="12" srcOrd="1" destOrd="0"/>
+        <dgm:cxn modelId="23" srcId="2" destId="21" srcOrd="0" destOrd="0"/>
+        <dgm:cxn modelId="24" srcId="2" destId="22" srcOrd="1" destOrd="0"/>
+        <dgm:cxn modelId="33" srcId="3" destId="31" srcOrd="0" destOrd="0"/>
+        <dgm:cxn modelId="34" srcId="3" destId="32" srcOrd="1" destOrd="0"/>
+      </dgm:cxnLst>
+      <dgm:bg/>
+      <dgm:whole/>
+    </dgm:dataModel>
+  </dgm:sampData>
+  <dgm:styleData>
+    <dgm:dataModel>
+      <dgm:ptLst>
+        <dgm:pt modelId="0" type="doc"/>
+        <dgm:pt modelId="1"/>
+      </dgm:ptLst>
+      <dgm:cxnLst>
+        <dgm:cxn modelId="4" srcId="0" destId="1" srcOrd="0" destOrd="0"/>
+      </dgm:cxnLst>
+      <dgm:bg/>
+      <dgm:whole/>
+    </dgm:dataModel>
+  </dgm:styleData>
+  <dgm:clrData>
+    <dgm:dataModel>
+      <dgm:ptLst>
+        <dgm:pt modelId="0" type="doc"/>
+        <dgm:pt modelId="1"/>
+        <dgm:pt modelId="11"/>
+        <dgm:pt modelId="2"/>
+        <dgm:pt modelId="21"/>
+        <dgm:pt modelId="3"/>
+        <dgm:pt modelId="31"/>
+        <dgm:pt modelId="4"/>
+        <dgm:pt modelId="41"/>
+      </dgm:ptLst>
+      <dgm:cxnLst>
+        <dgm:cxn modelId="5" srcId="0" destId="1" srcOrd="0" destOrd="0"/>
+        <dgm:cxn modelId="6" srcId="0" destId="2" srcOrd="1" destOrd="0"/>
+        <dgm:cxn modelId="7" srcId="0" destId="3" srcOrd="2" destOrd="0"/>
+        <dgm:cxn modelId="8" srcId="0" destId="4" srcOrd="3" destOrd="0"/>
+        <dgm:cxn modelId="13" srcId="1" destId="11" srcOrd="0" destOrd="0"/>
+        <dgm:cxn modelId="23" srcId="2" destId="21" srcOrd="0" destOrd="0"/>
+        <dgm:cxn modelId="33" srcId="3" destId="31" srcOrd="0" destOrd="0"/>
+        <dgm:cxn modelId="43" srcId="4" destId="41" srcOrd="0" destOrd="0"/>
+      </dgm:cxnLst>
+      <dgm:bg/>
+      <dgm:whole/>
+    </dgm:dataModel>
+  </dgm:clrData>
+  <dgm:layoutNode name="linearFlow">
+    <dgm:varLst>
+      <dgm:dir/>
+      <dgm:animLvl val="lvl"/>
+      <dgm:resizeHandles val="exact"/>
+    </dgm:varLst>
+    <dgm:alg type="lin">
+      <dgm:param type="linDir" val="fromT"/>
+      <dgm:param type="nodeHorzAlign" val="l"/>
+    </dgm:alg>
+    <dgm:shape xmlns:r="http://schemas.openxmlformats.org/officeDocument/2006/relationships" r:blip="">
+      <dgm:adjLst/>
+    </dgm:shape>
+    <dgm:presOf/>
+    <dgm:constrLst>
+      <dgm:constr type="h" for="ch" forName="composite" refType="h"/>
+      <dgm:constr type="w" for="ch" forName="composite" refType="w"/>
+      <dgm:constr type="h" for="des" forName="parentText" op="equ"/>
+      <dgm:constr type="h" for="ch" forName="sp" val="-14.88"/>
+      <dgm:constr type="h" for="ch" forName="sp" refType="w" refFor="des" refForName="parentText" op="gte" fact="-0.3"/>
+      <dgm:constr type="primFontSz" for="des" forName="parentText" op="equ" val="65"/>
+      <dgm:constr type="primFontSz" for="des" forName="descendantText" op="equ" val="65"/>
+    </dgm:constrLst>
+    <dgm:ruleLst/>
+    <dgm:forEach name="Name0" axis="ch" ptType="node">
+      <dgm:layoutNode name="composite">
+        <dgm:alg type="composite"/>
+        <dgm:shape xmlns:r="http://schemas.openxmlformats.org/officeDocument/2006/relationships" r:blip="">
+          <dgm:adjLst/>
+        </dgm:shape>
+        <dgm:presOf/>
+        <dgm:choose name="Name1">
+          <dgm:if name="Name2" func="var" arg="dir" op="equ" val="norm">
+            <dgm:constrLst>
+              <dgm:constr type="t" for="ch" forName="parentText"/>
+              <dgm:constr type="l" for="ch" forName="parentText"/>
+              <dgm:constr type="w" for="ch" forName="parentText" refType="w" fact="0.4"/>
+              <dgm:constr type="h" for="ch" forName="parentText" refType="h"/>
+              <dgm:constr type="w" for="ch" forName="parentText" refType="w" op="lte" fact="0.5"/>
+              <dgm:constr type="w" for="ch" forName="parentText" refType="h" refFor="ch" refForName="parentText" op="lte" fact="0.7"/>
+              <dgm:constr type="h" for="ch" forName="parentText" refType="w" refFor="ch" refForName="parentText" op="lte" fact="3"/>
+              <dgm:constr type="l" for="ch" forName="descendantText" refType="w" refFor="ch" refForName="parentText"/>
+              <dgm:constr type="w" for="ch" forName="descendantText" refType="w"/>
+              <dgm:constr type="wOff" for="ch" forName="descendantText" refType="w" refFor="ch" refForName="parentText" fact="-1"/>
+              <dgm:constr type="t" for="ch" forName="descendantText"/>
+              <dgm:constr type="b" for="ch" forName="descendantText" refType="h" refFor="ch" refForName="parentText"/>
+              <dgm:constr type="bOff" for="ch" forName="descendantText" refType="w" refFor="ch" refForName="parentText" fact="-0.5"/>
+            </dgm:constrLst>
+          </dgm:if>
+          <dgm:else name="Name3">
+            <dgm:constrLst>
+              <dgm:constr type="t" for="ch" forName="parentText"/>
+              <dgm:constr type="r" for="ch" forName="parentText" refType="w"/>
+              <dgm:constr type="w" for="ch" forName="parentText" refType="w" fact="0.4"/>
+              <dgm:constr type="h" for="ch" forName="parentText" refType="h"/>
+              <dgm:constr type="w" for="ch" forName="parentText" refType="w" op="lte" fact="0.5"/>
+              <dgm:constr type="w" for="ch" forName="parentText" refType="h" refFor="ch" refForName="parentText" op="lte" fact="0.7"/>
+              <dgm:constr type="h" for="ch" forName="parentText" refType="w" refFor="ch" refForName="parentText" op="lte" fact="3"/>
+              <dgm:constr type="l" for="ch" forName="descendantText"/>
+              <dgm:constr type="w" for="ch" forName="descendantText" refType="w"/>
+              <dgm:constr type="wOff" for="ch" forName="descendantText" refType="w" refFor="ch" refForName="parentText" fact="-1"/>
+              <dgm:constr type="t" for="ch" forName="descendantText"/>
+              <dgm:constr type="b" for="ch" forName="descendantText" refType="h" refFor="ch" refForName="parentText"/>
+              <dgm:constr type="bOff" for="ch" forName="descendantText" refType="w" refFor="ch" refForName="parentText" fact="-0.5"/>
+            </dgm:constrLst>
+          </dgm:else>
+        </dgm:choose>
+        <dgm:ruleLst/>
+        <dgm:layoutNode name="parentText" styleLbl="alignNode1">
+          <dgm:varLst>
+            <dgm:chMax val="1"/>
+            <dgm:bulletEnabled val="1"/>
+          </dgm:varLst>
+          <dgm:alg type="tx"/>
+          <dgm:shape xmlns:r="http://schemas.openxmlformats.org/officeDocument/2006/relationships" rot="90" type="chevron" r:blip="">
+            <dgm:adjLst/>
+          </dgm:shape>
+          <dgm:presOf axis="self" ptType="node"/>
+          <dgm:constrLst>
+            <dgm:constr type="lMarg" refType="primFontSz" fact="0.05"/>
+            <dgm:constr type="rMarg" refType="primFontSz" fact="0.05"/>
+            <dgm:constr type="tMarg" refType="primFontSz" fact="0.05"/>
+            <dgm:constr type="bMarg" refType="primFontSz" fact="0.05"/>
+          </dgm:constrLst>
+          <dgm:ruleLst>
+            <dgm:rule type="h" val="100" fact="NaN" max="NaN"/>
+            <dgm:rule type="primFontSz" val="24" fact="NaN" max="NaN"/>
+            <dgm:rule type="h" val="110" fact="NaN" max="NaN"/>
+            <dgm:rule type="primFontSz" val="18" fact="NaN" max="NaN"/>
+            <dgm:rule type="h" val="INF" fact="NaN" max="NaN"/>
+            <dgm:rule type="primFontSz" val="5" fact="NaN" max="NaN"/>
+          </dgm:ruleLst>
+        </dgm:layoutNode>
+        <dgm:layoutNode name="descendantText" styleLbl="alignAcc1">
+          <dgm:varLst>
+            <dgm:bulletEnabled val="1"/>
+          </dgm:varLst>
+          <dgm:choose name="Name4">
+            <dgm:if name="Name5" func="var" arg="dir" op="equ" val="norm">
+              <dgm:alg type="tx">
+                <dgm:param type="stBulletLvl" val="1"/>
+                <dgm:param type="txAnchorVertCh" val="mid"/>
+              </dgm:alg>
+              <dgm:shape xmlns:r="http://schemas.openxmlformats.org/officeDocument/2006/relationships" rot="90" type="round2SameRect" r:blip="">
+                <dgm:adjLst/>
+              </dgm:shape>
+            </dgm:if>
+            <dgm:else name="Name6">
+              <dgm:alg type="tx">
+                <dgm:param type="stBulletLvl" val="1"/>
+                <dgm:param type="txAnchorVertCh" val="mid"/>
+              </dgm:alg>
+              <dgm:shape xmlns:r="http://schemas.openxmlformats.org/officeDocument/2006/relationships" rot="-90" type="round2SameRect" r:blip="">
+                <dgm:adjLst/>
+              </dgm:shape>
+            </dgm:else>
+          </dgm:choose>
+          <dgm:presOf axis="des" ptType="node"/>
+          <dgm:choose name="Name7">
+            <dgm:if name="Name8" func="var" arg="dir" op="equ" val="norm">
+              <dgm:constrLst>
+                <dgm:constr type="secFontSz" refType="primFontSz"/>
+                <dgm:constr type="tMarg" refType="primFontSz" fact="0.05"/>
+                <dgm:constr type="bMarg" refType="primFontSz" fact="0.05"/>
+                <dgm:constr type="rMarg" refType="primFontSz" fact="0.05"/>
+              </dgm:constrLst>
+            </dgm:if>
+            <dgm:else name="Name9">
+              <dgm:constrLst>
+                <dgm:constr type="secFontSz" refType="primFontSz"/>
+                <dgm:constr type="tMarg" refType="primFontSz" fact="0.05"/>
+                <dgm:constr type="bMarg" refType="primFontSz" fact="0.05"/>
+                <dgm:constr type="lMarg" refType="primFontSz" fact="0.05"/>
+              </dgm:constrLst>
+            </dgm:else>
+          </dgm:choose>
+          <dgm:ruleLst>
+            <dgm:rule type="primFontSz" val="5" fact="NaN" max="NaN"/>
+          </dgm:ruleLst>
+        </dgm:layoutNode>
+      </dgm:layoutNode>
+      <dgm:forEach name="Name10" axis="followSib" ptType="sibTrans" cnt="1">
+        <dgm:layoutNode name="sp">
+          <dgm:alg type="sp"/>
+          <dgm:shape xmlns:r="http://schemas.openxmlformats.org/officeDocument/2006/relationships" r:blip="">
+            <dgm:adjLst/>
+          </dgm:shape>
+          <dgm:presOf axis="self"/>
+          <dgm:constrLst>
+            <dgm:constr type="w" val="1"/>
+            <dgm:constr type="h" val="37.5"/>
+          </dgm:constrLst>
+          <dgm:ruleLst/>
+        </dgm:layoutNode>
+      </dgm:forEach>
+    </dgm:forEach>
+  </dgm:layoutNode>
+</dgm:layoutDef>
+</file>
+
+<file path=ppt/diagrams/quickStyle1.xml><?xml version="1.0" encoding="utf-8"?>
+<dgm:styleDef xmlns:dgm="http://schemas.openxmlformats.org/drawingml/2006/diagram" xmlns:a="http://schemas.openxmlformats.org/drawingml/2006/main" uniqueId="urn:microsoft.com/office/officeart/2005/8/quickstyle/simple1">
+  <dgm:title val=""/>
+  <dgm:desc val=""/>
+  <dgm:catLst>
+    <dgm:cat type="simple" pri="10100"/>
+  </dgm:catLst>
+  <dgm:scene3d>
+    <a:camera prst="orthographicFront"/>
+    <a:lightRig rig="threePt" dir="t"/>
+  </dgm:scene3d>
+  <dgm:styleLbl name="node0">
+    <dgm:scene3d>
+      <a:camera prst="orthographicFront"/>
+      <a:lightRig rig="threePt" dir="t"/>
+    </dgm:scene3d>
+    <dgm:sp3d/>
+    <dgm:txPr/>
+    <dgm:style>
+      <a:lnRef idx="2">
+        <a:scrgbClr r="0" g="0" b="0"/>
+      </a:lnRef>
+      <a:fillRef idx="1">
+        <a:scrgbClr r="0" g="0" b="0"/>
+      </a:fillRef>
+      <a:effectRef idx="0">
+        <a:scrgbClr r="0" g="0" b="0"/>
+      </a:effectRef>
+      <a:fontRef idx="minor">
+        <a:schemeClr val="lt1"/>
+      </a:fontRef>
+    </dgm:style>
+  </dgm:styleLbl>
+  <dgm:styleLbl name="lnNode1">
+    <dgm:scene3d>
+      <a:camera prst="orthographicFront"/>
+      <a:lightRig rig="threePt" dir="t"/>
+    </dgm:scene3d>
+    <dgm:sp3d/>
+    <dgm:txPr/>
+    <dgm:style>
+      <a:lnRef idx="2">
+        <a:scrgbClr r="0" g="0" b="0"/>
+      </a:lnRef>
+      <a:fillRef idx="1">
+        <a:scrgbClr r="0" g="0" b="0"/>
+      </a:fillRef>
+      <a:effectRef idx="0">
+        <a:scrgbClr r="0" g="0" b="0"/>
+      </a:effectRef>
+      <a:fontRef idx="minor">
+        <a:schemeClr val="lt1"/>
+      </a:fontRef>
+    </dgm:style>
+  </dgm:styleLbl>
+  <dgm:styleLbl name="vennNode1">
+    <dgm:scene3d>
+      <a:camera prst="orthographicFront"/>
+      <a:lightRig rig="threePt" dir="t"/>
+    </dgm:scene3d>
+    <dgm:sp3d/>
+    <dgm:txPr/>
+    <dgm:style>
+      <a:lnRef idx="2">
+        <a:scrgbClr r="0" g="0" b="0"/>
+      </a:lnRef>
+      <a:fillRef idx="1">
+        <a:scrgbClr r="0" g="0" b="0"/>
+      </a:fillRef>
+      <a:effectRef idx="0">
+        <a:scrgbClr r="0" g="0" b="0"/>
+      </a:effectRef>
+      <a:fontRef idx="minor">
+        <a:schemeClr val="tx1"/>
+      </a:fontRef>
+    </dgm:style>
+  </dgm:styleLbl>
+  <dgm:styleLbl name="alignNode1">
+    <dgm:scene3d>
+      <a:camera prst="orthographicFront"/>
+      <a:lightRig rig="threePt" dir="t"/>
+    </dgm:scene3d>
+    <dgm:sp3d/>
+    <dgm:txPr/>
+    <dgm:style>
+      <a:lnRef idx="2">
+        <a:scrgbClr r="0" g="0" b="0"/>
+      </a:lnRef>
+      <a:fillRef idx="1">
+        <a:scrgbClr r="0" g="0" b="0"/>
+      </a:fillRef>
+      <a:effectRef idx="0">
+        <a:scrgbClr r="0" g="0" b="0"/>
+      </a:effectRef>
+      <a:fontRef idx="minor">
+        <a:schemeClr val="lt1"/>
+      </a:fontRef>
+    </dgm:style>
+  </dgm:styleLbl>
+  <dgm:styleLbl name="node1">
+    <dgm:scene3d>
+      <a:camera prst="orthographicFront"/>
+      <a:lightRig rig="threePt" dir="t"/>
+    </dgm:scene3d>
+    <dgm:sp3d/>
+    <dgm:txPr/>
+    <dgm:style>
+      <a:lnRef idx="2">
+        <a:scrgbClr r="0" g="0" b="0"/>
+      </a:lnRef>
+      <a:fillRef idx="1">
+        <a:scrgbClr r="0" g="0" b="0"/>
+      </a:fillRef>
+      <a:effectRef idx="0">
+        <a:scrgbClr r="0" g="0" b="0"/>
+      </a:effectRef>
+      <a:fontRef idx="minor">
+        <a:schemeClr val="lt1"/>
+      </a:fontRef>
+    </dgm:style>
+  </dgm:styleLbl>
+  <dgm:styleLbl name="node2">
+    <dgm:scene3d>
+      <a:camera prst="orthographicFront"/>
+      <a:lightRig rig="threePt" dir="t"/>
+    </dgm:scene3d>
+    <dgm:sp3d/>
+    <dgm:txPr/>
+    <dgm:style>
+      <a:lnRef idx="2">
+        <a:scrgbClr r="0" g="0" b="0"/>
+      </a:lnRef>
+      <a:fillRef idx="1">
+        <a:scrgbClr r="0" g="0" b="0"/>
+      </a:fillRef>
+      <a:effectRef idx="0">
+        <a:scrgbClr r="0" g="0" b="0"/>
+      </a:effectRef>
+      <a:fontRef idx="minor">
+        <a:schemeClr val="lt1"/>
+      </a:fontRef>
+    </dgm:style>
+  </dgm:styleLbl>
+  <dgm:styleLbl name="node3">
+    <dgm:scene3d>
+      <a:camera prst="orthographicFront"/>
+      <a:lightRig rig="threePt" dir="t"/>
+    </dgm:scene3d>
+    <dgm:sp3d/>
+    <dgm:txPr/>
+    <dgm:style>
+      <a:lnRef idx="2">
+        <a:scrgbClr r="0" g="0" b="0"/>
+      </a:lnRef>
+      <a:fillRef idx="1">
+        <a:scrgbClr r="0" g="0" b="0"/>
+      </a:fillRef>
+      <a:effectRef idx="0">
+        <a:scrgbClr r="0" g="0" b="0"/>
+      </a:effectRef>
+      <a:fontRef idx="minor">
+        <a:schemeClr val="lt1"/>
+      </a:fontRef>
+    </dgm:style>
+  </dgm:styleLbl>
+  <dgm:styleLbl name="node4">
+    <dgm:scene3d>
+      <a:camera prst="orthographicFront"/>
+      <a:lightRig rig="threePt" dir="t"/>
+    </dgm:scene3d>
+    <dgm:sp3d/>
+    <dgm:txPr/>
+    <dgm:style>
+      <a:lnRef idx="2">
+        <a:scrgbClr r="0" g="0" b="0"/>
+      </a:lnRef>
+      <a:fillRef idx="1">
+        <a:scrgbClr r="0" g="0" b="0"/>
+      </a:fillRef>
+      <a:effectRef idx="0">
+        <a:scrgbClr r="0" g="0" b="0"/>
+      </a:effectRef>
+      <a:fontRef idx="minor">
+        <a:schemeClr val="lt1"/>
+      </a:fontRef>
+    </dgm:style>
+  </dgm:styleLbl>
+  <dgm:styleLbl name="fgImgPlace1">
+    <dgm:scene3d>
+      <a:camera prst="orthographicFront"/>
+      <a:lightRig rig="threePt" dir="t"/>
+    </dgm:scene3d>
+    <dgm:sp3d/>
+    <dgm:txPr/>
+    <dgm:style>
+      <a:lnRef idx="2">
+        <a:scrgbClr r="0" g="0" b="0"/>
+      </a:lnRef>
+      <a:fillRef idx="1">
+        <a:scrgbClr r="0" g="0" b="0"/>
+      </a:fillRef>
+      <a:effectRef idx="0">
+        <a:scrgbClr r="0" g="0" b="0"/>
+      </a:effectRef>
+      <a:fontRef idx="minor"/>
+    </dgm:style>
+  </dgm:styleLbl>
+  <dgm:styleLbl name="alignImgPlace1">
+    <dgm:scene3d>
+      <a:camera prst="orthographicFront"/>
+      <a:lightRig rig="threePt" dir="t"/>
+    </dgm:scene3d>
+    <dgm:sp3d/>
+    <dgm:txPr/>
+    <dgm:style>
+      <a:lnRef idx="2">
+        <a:scrgbClr r="0" g="0" b="0"/>
+      </a:lnRef>
+      <a:fillRef idx="1">
+        <a:scrgbClr r="0" g="0" b="0"/>
+      </a:fillRef>
+      <a:effectRef idx="0">
+        <a:scrgbClr r="0" g="0" b="0"/>
+      </a:effectRef>
+      <a:fontRef idx="minor"/>
+    </dgm:style>
+  </dgm:styleLbl>
+  <dgm:styleLbl name="bgImgPlace1">
+    <dgm:scene3d>
+      <a:camera prst="orthographicFront"/>
+      <a:lightRig rig="threePt" dir="t"/>
+    </dgm:scene3d>
+    <dgm:sp3d/>
+    <dgm:txPr/>
+    <dgm:style>
+      <a:lnRef idx="2">
+        <a:scrgbClr r="0" g="0" b="0"/>
+      </a:lnRef>
+      <a:fillRef idx="1">
+        <a:scrgbClr r="0" g="0" b="0"/>
+      </a:fillRef>
+      <a:effectRef idx="0">
+        <a:scrgbClr r="0" g="0" b="0"/>
+      </a:effectRef>
+      <a:fontRef idx="minor"/>
+    </dgm:style>
+  </dgm:styleLbl>
+  <dgm:styleLbl name="sibTrans2D1">
+    <dgm:scene3d>
+      <a:camera prst="orthographicFront"/>
+      <a:lightRig rig="threePt" dir="t"/>
+    </dgm:scene3d>
+    <dgm:sp3d/>
+    <dgm:txPr/>
+    <dgm:style>
+      <a:lnRef idx="0">
+        <a:scrgbClr r="0" g="0" b="0"/>
+      </a:lnRef>
+      <a:fillRef idx="1">
+        <a:scrgbClr r="0" g="0" b="0"/>
+      </a:fillRef>
+      <a:effectRef idx="0">
+        <a:scrgbClr r="0" g="0" b="0"/>
+      </a:effectRef>
+      <a:fontRef idx="minor">
+        <a:schemeClr val="lt1"/>
+      </a:fontRef>
+    </dgm:style>
+  </dgm:styleLbl>
+  <dgm:styleLbl name="fgSibTrans2D1">
+    <dgm:scene3d>
+      <a:camera prst="orthographicFront"/>
+      <a:lightRig rig="threePt" dir="t"/>
+    </dgm:scene3d>
+    <dgm:sp3d/>
+    <dgm:txPr/>
+    <dgm:style>
+      <a:lnRef idx="0">
+        <a:scrgbClr r="0" g="0" b="0"/>
+      </a:lnRef>
+      <a:fillRef idx="1">
+        <a:scrgbClr r="0" g="0" b="0"/>
+      </a:fillRef>
+      <a:effectRef idx="0">
+        <a:scrgbClr r="0" g="0" b="0"/>
+      </a:effectRef>
+      <a:fontRef idx="minor">
+        <a:schemeClr val="lt1"/>
+      </a:fontRef>
+    </dgm:style>
+  </dgm:styleLbl>
+  <dgm:styleLbl name="bgSibTrans2D1">
+    <dgm:scene3d>
+      <a:camera prst="orthographicFront"/>
+      <a:lightRig rig="threePt" dir="t"/>
+    </dgm:scene3d>
+    <dgm:sp3d/>
+    <dgm:txPr/>
+    <dgm:style>
+      <a:lnRef idx="0">
+        <a:scrgbClr r="0" g="0" b="0"/>
+      </a:lnRef>
+      <a:fillRef idx="1">
+        <a:scrgbClr r="0" g="0" b="0"/>
+      </a:fillRef>
+      <a:effectRef idx="0">
+        <a:scrgbClr r="0" g="0" b="0"/>
+      </a:effectRef>
+      <a:fontRef idx="minor">
+        <a:schemeClr val="lt1"/>
+      </a:fontRef>
+    </dgm:style>
+  </dgm:styleLbl>
+  <dgm:styleLbl name="sibTrans1D1">
+    <dgm:scene3d>
+      <a:camera prst="orthographicFront"/>
+      <a:lightRig rig="threePt" dir="t"/>
+    </dgm:scene3d>
+    <dgm:sp3d/>
+    <dgm:txPr/>
+    <dgm:style>
+      <a:lnRef idx="1">
+        <a:scrgbClr r="0" g="0" b="0"/>
+      </a:lnRef>
+      <a:fillRef idx="0">
+        <a:scrgbClr r="0" g="0" b="0"/>
+      </a:fillRef>
+      <a:effectRef idx="0">
+        <a:scrgbClr r="0" g="0" b="0"/>
+      </a:effectRef>
+      <a:fontRef idx="minor"/>
+    </dgm:style>
+  </dgm:styleLbl>
+  <dgm:styleLbl name="callout">
+    <dgm:scene3d>
+      <a:camera prst="orthographicFront"/>
+      <a:lightRig rig="threePt" dir="t"/>
+    </dgm:scene3d>
+    <dgm:sp3d/>
+    <dgm:txPr/>
+    <dgm:style>
+      <a:lnRef idx="2">
+        <a:scrgbClr r="0" g="0" b="0"/>
+      </a:lnRef>
+      <a:fillRef idx="1">
+        <a:scrgbClr r="0" g="0" b="0"/>
+      </a:fillRef>
+      <a:effectRef idx="0">
+        <a:scrgbClr r="0" g="0" b="0"/>
+      </a:effectRef>
+      <a:fontRef idx="minor"/>
+    </dgm:style>
+  </dgm:styleLbl>
+  <dgm:styleLbl name="asst0">
+    <dgm:scene3d>
+      <a:camera prst="orthographicFront"/>
+      <a:lightRig rig="threePt" dir="t"/>
+    </dgm:scene3d>
+    <dgm:sp3d/>
+    <dgm:txPr/>
+    <dgm:style>
+      <a:lnRef idx="2">
+        <a:scrgbClr r="0" g="0" b="0"/>
+      </a:lnRef>
+      <a:fillRef idx="1">
+        <a:scrgbClr r="0" g="0" b="0"/>
+      </a:fillRef>
+      <a:effectRef idx="0">
+        <a:scrgbClr r="0" g="0" b="0"/>
+      </a:effectRef>
+      <a:fontRef idx="minor">
+        <a:schemeClr val="lt1"/>
+      </a:fontRef>
+    </dgm:style>
+  </dgm:styleLbl>
+  <dgm:styleLbl name="asst1">
+    <dgm:scene3d>
+      <a:camera prst="orthographicFront"/>
+      <a:lightRig rig="threePt" dir="t"/>
+    </dgm:scene3d>
+    <dgm:sp3d/>
+    <dgm:txPr/>
+    <dgm:style>
+      <a:lnRef idx="2">
+        <a:scrgbClr r="0" g="0" b="0"/>
+      </a:lnRef>
+      <a:fillRef idx="1">
+        <a:scrgbClr r="0" g="0" b="0"/>
+      </a:fillRef>
+      <a:effectRef idx="0">
+        <a:scrgbClr r="0" g="0" b="0"/>
+      </a:effectRef>
+      <a:fontRef idx="minor">
+        <a:schemeClr val="lt1"/>
+      </a:fontRef>
+    </dgm:style>
+  </dgm:styleLbl>
+  <dgm:styleLbl name="asst2">
+    <dgm:scene3d>
+      <a:camera prst="orthographicFront"/>
+      <a:lightRig rig="threePt" dir="t"/>
+    </dgm:scene3d>
+    <dgm:sp3d/>
+    <dgm:txPr/>
+    <dgm:style>
+      <a:lnRef idx="2">
+        <a:scrgbClr r="0" g="0" b="0"/>
+      </a:lnRef>
+      <a:fillRef idx="1">
+        <a:scrgbClr r="0" g="0" b="0"/>
+      </a:fillRef>
+      <a:effectRef idx="0">
+        <a:scrgbClr r="0" g="0" b="0"/>
+      </a:effectRef>
+      <a:fontRef idx="minor">
+        <a:schemeClr val="lt1"/>
+      </a:fontRef>
+    </dgm:style>
+  </dgm:styleLbl>
+  <dgm:styleLbl name="asst3">
+    <dgm:scene3d>
+      <a:camera prst="orthographicFront"/>
+      <a:lightRig rig="threePt" dir="t"/>
+    </dgm:scene3d>
+    <dgm:sp3d/>
+    <dgm:txPr/>
+    <dgm:style>
+      <a:lnRef idx="2">
+        <a:scrgbClr r="0" g="0" b="0"/>
+      </a:lnRef>
+      <a:fillRef idx="1">
+        <a:scrgbClr r="0" g="0" b="0"/>
+      </a:fillRef>
+      <a:effectRef idx="0">
+        <a:scrgbClr r="0" g="0" b="0"/>
+      </a:effectRef>
+      <a:fontRef idx="minor">
+        <a:schemeClr val="lt1"/>
+      </a:fontRef>
+    </dgm:style>
+  </dgm:styleLbl>
+  <dgm:styleLbl name="asst4">
+    <dgm:scene3d>
+      <a:camera prst="orthographicFront"/>
+      <a:lightRig rig="threePt" dir="t"/>
+    </dgm:scene3d>
+    <dgm:sp3d/>
+    <dgm:txPr/>
+    <dgm:style>
+      <a:lnRef idx="2">
+        <a:scrgbClr r="0" g="0" b="0"/>
+      </a:lnRef>
+      <a:fillRef idx="1">
+        <a:scrgbClr r="0" g="0" b="0"/>
+      </a:fillRef>
+      <a:effectRef idx="0">
+        <a:scrgbClr r="0" g="0" b="0"/>
+      </a:effectRef>
+      <a:fontRef idx="minor">
+        <a:schemeClr val="lt1"/>
+      </a:fontRef>
+    </dgm:style>
+  </dgm:styleLbl>
+  <dgm:styleLbl name="parChTrans2D1">
+    <dgm:scene3d>
+      <a:camera prst="orthographicFront"/>
+      <a:lightRig rig="threePt" dir="t"/>
+    </dgm:scene3d>
+    <dgm:sp3d/>
+    <dgm:txPr/>
+    <dgm:style>
+      <a:lnRef idx="2">
+        <a:scrgbClr r="0" g="0" b="0"/>
+      </a:lnRef>
+      <a:fillRef idx="1">
+        <a:scrgbClr r="0" g="0" b="0"/>
+      </a:fillRef>
+      <a:effectRef idx="0">
+        <a:scrgbClr r="0" g="0" b="0"/>
+      </a:effectRef>
+      <a:fontRef idx="minor">
+        <a:schemeClr val="lt1"/>
+      </a:fontRef>
+    </dgm:style>
+  </dgm:styleLbl>
+  <dgm:styleLbl name="parChTrans2D2">
+    <dgm:scene3d>
+      <a:camera prst="orthographicFront"/>
+      <a:lightRig rig="threePt" dir="t"/>
+    </dgm:scene3d>
+    <dgm:sp3d/>
+    <dgm:txPr/>
+    <dgm:style>
+      <a:lnRef idx="2">
+        <a:scrgbClr r="0" g="0" b="0"/>
+      </a:lnRef>
+      <a:fillRef idx="1">
+        <a:scrgbClr r="0" g="0" b="0"/>
+      </a:fillRef>
+      <a:effectRef idx="0">
+        <a:scrgbClr r="0" g="0" b="0"/>
+      </a:effectRef>
+      <a:fontRef idx="minor">
+        <a:schemeClr val="lt1"/>
+      </a:fontRef>
+    </dgm:style>
+  </dgm:styleLbl>
+  <dgm:styleLbl name="parChTrans2D3">
+    <dgm:scene3d>
+      <a:camera prst="orthographicFront"/>
+      <a:lightRig rig="threePt" dir="t"/>
+    </dgm:scene3d>
+    <dgm:sp3d/>
+    <dgm:txPr/>
+    <dgm:style>
+      <a:lnRef idx="2">
+        <a:scrgbClr r="0" g="0" b="0"/>
+      </a:lnRef>
+      <a:fillRef idx="1">
+        <a:scrgbClr r="0" g="0" b="0"/>
+      </a:fillRef>
+      <a:effectRef idx="0">
+        <a:scrgbClr r="0" g="0" b="0"/>
+      </a:effectRef>
+      <a:fontRef idx="minor">
+        <a:schemeClr val="lt1"/>
+      </a:fontRef>
+    </dgm:style>
+  </dgm:styleLbl>
+  <dgm:styleLbl name="parChTrans2D4">
+    <dgm:scene3d>
+      <a:camera prst="orthographicFront"/>
+      <a:lightRig rig="threePt" dir="t"/>
+    </dgm:scene3d>
+    <dgm:sp3d/>
+    <dgm:txPr/>
+    <dgm:style>
+      <a:lnRef idx="2">
+        <a:scrgbClr r="0" g="0" b="0"/>
+      </a:lnRef>
+      <a:fillRef idx="1">
+        <a:scrgbClr r="0" g="0" b="0"/>
+      </a:fillRef>
+      <a:effectRef idx="0">
+        <a:scrgbClr r="0" g="0" b="0"/>
+      </a:effectRef>
+      <a:fontRef idx="minor">
+        <a:schemeClr val="lt1"/>
+      </a:fontRef>
+    </dgm:style>
+  </dgm:styleLbl>
+  <dgm:styleLbl name="parChTrans1D1">
+    <dgm:scene3d>
+      <a:camera prst="orthographicFront"/>
+      <a:lightRig rig="threePt" dir="t"/>
+    </dgm:scene3d>
+    <dgm:sp3d/>
+    <dgm:txPr/>
+    <dgm:style>
+      <a:lnRef idx="2">
+        <a:scrgbClr r="0" g="0" b="0"/>
+      </a:lnRef>
+      <a:fillRef idx="0">
+        <a:scrgbClr r="0" g="0" b="0"/>
+      </a:fillRef>
+      <a:effectRef idx="0">
+        <a:scrgbClr r="0" g="0" b="0"/>
+      </a:effectRef>
+      <a:fontRef idx="minor"/>
+    </dgm:style>
+  </dgm:styleLbl>
+  <dgm:styleLbl name="parChTrans1D2">
+    <dgm:scene3d>
+      <a:camera prst="orthographicFront"/>
+      <a:lightRig rig="threePt" dir="t"/>
+    </dgm:scene3d>
+    <dgm:sp3d/>
+    <dgm:txPr/>
+    <dgm:style>
+      <a:lnRef idx="2">
+        <a:scrgbClr r="0" g="0" b="0"/>
+      </a:lnRef>
+      <a:fillRef idx="0">
+        <a:scrgbClr r="0" g="0" b="0"/>
+      </a:fillRef>
+      <a:effectRef idx="0">
+        <a:scrgbClr r="0" g="0" b="0"/>
+      </a:effectRef>
+      <a:fontRef idx="minor"/>
+    </dgm:style>
+  </dgm:styleLbl>
+  <dgm:styleLbl name="parChTrans1D3">
+    <dgm:scene3d>
+      <a:camera prst="orthographicFront"/>
+      <a:lightRig rig="threePt" dir="t"/>
+    </dgm:scene3d>
+    <dgm:sp3d/>
+    <dgm:txPr/>
+    <dgm:style>
+      <a:lnRef idx="2">
+        <a:scrgbClr r="0" g="0" b="0"/>
+      </a:lnRef>
+      <a:fillRef idx="0">
+        <a:scrgbClr r="0" g="0" b="0"/>
+      </a:fillRef>
+      <a:effectRef idx="0">
+        <a:scrgbClr r="0" g="0" b="0"/>
+      </a:effectRef>
+      <a:fontRef idx="minor"/>
+    </dgm:style>
+  </dgm:styleLbl>
+  <dgm:styleLbl name="parChTrans1D4">
+    <dgm:scene3d>
+      <a:camera prst="orthographicFront"/>
+      <a:lightRig rig="threePt" dir="t"/>
+    </dgm:scene3d>
+    <dgm:sp3d/>
+    <dgm:txPr/>
+    <dgm:style>
+      <a:lnRef idx="2">
+        <a:scrgbClr r="0" g="0" b="0"/>
+      </a:lnRef>
+      <a:fillRef idx="0">
+        <a:scrgbClr r="0" g="0" b="0"/>
+      </a:fillRef>
+      <a:effectRef idx="0">
+        <a:scrgbClr r="0" g="0" b="0"/>
+      </a:effectRef>
+      <a:fontRef idx="minor"/>
+    </dgm:style>
+  </dgm:styleLbl>
+  <dgm:styleLbl name="fgAcc1">
+    <dgm:scene3d>
+      <a:camera prst="orthographicFront"/>
+      <a:lightRig rig="threePt" dir="t"/>
+    </dgm:scene3d>
+    <dgm:sp3d/>
+    <dgm:txPr/>
+    <dgm:style>
+      <a:lnRef idx="2">
+        <a:scrgbClr r="0" g="0" b="0"/>
+      </a:lnRef>
+      <a:fillRef idx="1">
+        <a:scrgbClr r="0" g="0" b="0"/>
+      </a:fillRef>
+      <a:effectRef idx="0">
+        <a:scrgbClr r="0" g="0" b="0"/>
+      </a:effectRef>
+      <a:fontRef idx="minor"/>
+    </dgm:style>
+  </dgm:styleLbl>
+  <dgm:styleLbl name="conFgAcc1">
+    <dgm:scene3d>
+      <a:camera prst="orthographicFront"/>
+      <a:lightRig rig="threePt" dir="t"/>
+    </dgm:scene3d>
+    <dgm:sp3d/>
+    <dgm:txPr/>
+    <dgm:style>
+      <a:lnRef idx="2">
+        <a:scrgbClr r="0" g="0" b="0"/>
+      </a:lnRef>
+      <a:fillRef idx="1">
+        <a:scrgbClr r="0" g="0" b="0"/>
+      </a:fillRef>
+      <a:effectRef idx="0">
+        <a:scrgbClr r="0" g="0" b="0"/>
+      </a:effectRef>
+      <a:fontRef idx="minor"/>
+    </dgm:style>
+  </dgm:styleLbl>
+  <dgm:styleLbl name="alignAcc1">
+    <dgm:scene3d>
+      <a:camera prst="orthographicFront"/>
+      <a:lightRig rig="threePt" dir="t"/>
+    </dgm:scene3d>
+    <dgm:sp3d/>
+    <dgm:txPr/>
+    <dgm:style>
+      <a:lnRef idx="2">
+        <a:scrgbClr r="0" g="0" b="0"/>
+      </a:lnRef>
+      <a:fillRef idx="1">
+        <a:scrgbClr r="0" g="0" b="0"/>
+      </a:fillRef>
+      <a:effectRef idx="0">
+        <a:scrgbClr r="0" g="0" b="0"/>
+      </a:effectRef>
+      <a:fontRef idx="minor"/>
+    </dgm:style>
+  </dgm:styleLbl>
+  <dgm:styleLbl name="trAlignAcc1">
+    <dgm:scene3d>
+      <a:camera prst="orthographicFront"/>
+      <a:lightRig rig="threePt" dir="t"/>
+    </dgm:scene3d>
+    <dgm:sp3d/>
+    <dgm:txPr/>
+    <dgm:style>
+      <a:lnRef idx="1">
+        <a:scrgbClr r="0" g="0" b="0"/>
+      </a:lnRef>
+      <a:fillRef idx="1">
+        <a:scrgbClr r="0" g="0" b="0"/>
+      </a:fillRef>
+      <a:effectRef idx="0">
+        <a:scrgbClr r="0" g="0" b="0"/>
+      </a:effectRef>
+      <a:fontRef idx="minor"/>
+    </dgm:style>
+  </dgm:styleLbl>
+  <dgm:styleLbl name="bgAcc1">
+    <dgm:scene3d>
+      <a:camera prst="orthographicFront"/>
+      <a:lightRig rig="threePt" dir="t"/>
+    </dgm:scene3d>
+    <dgm:sp3d/>
+    <dgm:txPr/>
+    <dgm:style>
+      <a:lnRef idx="2">
+        <a:scrgbClr r="0" g="0" b="0"/>
+      </a:lnRef>
+      <a:fillRef idx="1">
+        <a:scrgbClr r="0" g="0" b="0"/>
+      </a:fillRef>
+      <a:effectRef idx="0">
+        <a:scrgbClr r="0" g="0" b="0"/>
+      </a:effectRef>
+      <a:fontRef idx="minor"/>
+    </dgm:style>
+  </dgm:styleLbl>
+  <dgm:styleLbl name="solidFgAcc1">
+    <dgm:scene3d>
+      <a:camera prst="orthographicFront"/>
+      <a:lightRig rig="threePt" dir="t"/>
+    </dgm:scene3d>
+    <dgm:sp3d/>
+    <dgm:txPr/>
+    <dgm:style>
+      <a:lnRef idx="2">
+        <a:scrgbClr r="0" g="0" b="0"/>
+      </a:lnRef>
+      <a:fillRef idx="1">
+        <a:scrgbClr r="0" g="0" b="0"/>
+      </a:fillRef>
+      <a:effectRef idx="0">
+        <a:scrgbClr r="0" g="0" b="0"/>
+      </a:effectRef>
+      <a:fontRef idx="minor"/>
+    </dgm:style>
+  </dgm:styleLbl>
+  <dgm:styleLbl name="solidAlignAcc1">
+    <dgm:scene3d>
+      <a:camera prst="orthographicFront"/>
+      <a:lightRig rig="threePt" dir="t"/>
+    </dgm:scene3d>
+    <dgm:sp3d/>
+    <dgm:txPr/>
+    <dgm:style>
+      <a:lnRef idx="2">
+        <a:scrgbClr r="0" g="0" b="0"/>
+      </a:lnRef>
+      <a:fillRef idx="1">
+        <a:scrgbClr r="0" g="0" b="0"/>
+      </a:fillRef>
+      <a:effectRef idx="0">
+        <a:scrgbClr r="0" g="0" b="0"/>
+      </a:effectRef>
+      <a:fontRef idx="minor"/>
+    </dgm:style>
+  </dgm:styleLbl>
+  <dgm:styleLbl name="solidBgAcc1">
+    <dgm:scene3d>
+      <a:camera prst="orthographicFront"/>
+      <a:lightRig rig="threePt" dir="t"/>
+    </dgm:scene3d>
+    <dgm:sp3d/>
+    <dgm:txPr/>
+    <dgm:style>
+      <a:lnRef idx="2">
+        <a:scrgbClr r="0" g="0" b="0"/>
+      </a:lnRef>
+      <a:fillRef idx="1">
+        <a:scrgbClr r="0" g="0" b="0"/>
+      </a:fillRef>
+      <a:effectRef idx="0">
+        <a:scrgbClr r="0" g="0" b="0"/>
+      </a:effectRef>
+      <a:fontRef idx="minor"/>
+    </dgm:style>
+  </dgm:styleLbl>
+  <dgm:styleLbl name="fgAccFollowNode1">
+    <dgm:scene3d>
+      <a:camera prst="orthographicFront"/>
+      <a:lightRig rig="threePt" dir="t"/>
+    </dgm:scene3d>
+    <dgm:sp3d/>
+    <dgm:txPr/>
+    <dgm:style>
+      <a:lnRef idx="2">
+        <a:scrgbClr r="0" g="0" b="0"/>
+      </a:lnRef>
+      <a:fillRef idx="1">
+        <a:scrgbClr r="0" g="0" b="0"/>
+      </a:fillRef>
+      <a:effectRef idx="0">
+        <a:scrgbClr r="0" g="0" b="0"/>
+      </a:effectRef>
+      <a:fontRef idx="minor"/>
+    </dgm:style>
+  </dgm:styleLbl>
+  <dgm:styleLbl name="alignAccFollowNode1">
+    <dgm:scene3d>
+      <a:camera prst="orthographicFront"/>
+      <a:lightRig rig="threePt" dir="t"/>
+    </dgm:scene3d>
+    <dgm:sp3d/>
+    <dgm:txPr/>
+    <dgm:style>
+      <a:lnRef idx="2">
+        <a:scrgbClr r="0" g="0" b="0"/>
+      </a:lnRef>
+      <a:fillRef idx="1">
+        <a:scrgbClr r="0" g="0" b="0"/>
+      </a:fillRef>
+      <a:effectRef idx="0">
+        <a:scrgbClr r="0" g="0" b="0"/>
+      </a:effectRef>
+      <a:fontRef idx="minor"/>
+    </dgm:style>
+  </dgm:styleLbl>
+  <dgm:styleLbl name="bgAccFollowNode1">
+    <dgm:scene3d>
+      <a:camera prst="orthographicFront"/>
+      <a:lightRig rig="threePt" dir="t"/>
+    </dgm:scene3d>
+    <dgm:sp3d/>
+    <dgm:txPr/>
+    <dgm:style>
+      <a:lnRef idx="2">
+        <a:scrgbClr r="0" g="0" b="0"/>
+      </a:lnRef>
+      <a:fillRef idx="1">
+        <a:scrgbClr r="0" g="0" b="0"/>
+      </a:fillRef>
+      <a:effectRef idx="0">
+        <a:scrgbClr r="0" g="0" b="0"/>
+      </a:effectRef>
+      <a:fontRef idx="minor"/>
+    </dgm:style>
+  </dgm:styleLbl>
+  <dgm:styleLbl name="fgAcc0">
+    <dgm:scene3d>
+      <a:camera prst="orthographicFront"/>
+      <a:lightRig rig="threePt" dir="t"/>
+    </dgm:scene3d>
+    <dgm:sp3d/>
+    <dgm:txPr/>
+    <dgm:style>
+      <a:lnRef idx="2">
+        <a:scrgbClr r="0" g="0" b="0"/>
+      </a:lnRef>
+      <a:fillRef idx="1">
+        <a:scrgbClr r="0" g="0" b="0"/>
+      </a:fillRef>
+      <a:effectRef idx="0">
+        <a:scrgbClr r="0" g="0" b="0"/>
+      </a:effectRef>
+      <a:fontRef idx="minor"/>
+    </dgm:style>
+  </dgm:styleLbl>
+  <dgm:styleLbl name="fgAcc2">
+    <dgm:scene3d>
+      <a:camera prst="orthographicFront"/>
+      <a:lightRig rig="threePt" dir="t"/>
+    </dgm:scene3d>
+    <dgm:sp3d/>
+    <dgm:txPr/>
+    <dgm:style>
+      <a:lnRef idx="2">
+        <a:scrgbClr r="0" g="0" b="0"/>
+      </a:lnRef>
+      <a:fillRef idx="1">
+        <a:scrgbClr r="0" g="0" b="0"/>
+      </a:fillRef>
+      <a:effectRef idx="0">
+        <a:scrgbClr r="0" g="0" b="0"/>
+      </a:effectRef>
+      <a:fontRef idx="minor"/>
+    </dgm:style>
+  </dgm:styleLbl>
+  <dgm:styleLbl name="fgAcc3">
+    <dgm:scene3d>
+      <a:camera prst="orthographicFront"/>
+      <a:lightRig rig="threePt" dir="t"/>
+    </dgm:scene3d>
+    <dgm:sp3d/>
+    <dgm:txPr/>
+    <dgm:style>
+      <a:lnRef idx="2">
+        <a:scrgbClr r="0" g="0" b="0"/>
+      </a:lnRef>
+      <a:fillRef idx="1">
+        <a:scrgbClr r="0" g="0" b="0"/>
+      </a:fillRef>
+      <a:effectRef idx="0">
+        <a:scrgbClr r="0" g="0" b="0"/>
+      </a:effectRef>
+      <a:fontRef idx="minor"/>
+    </dgm:style>
+  </dgm:styleLbl>
+  <dgm:styleLbl name="fgAcc4">
+    <dgm:scene3d>
+      <a:camera prst="orthographicFront"/>
+      <a:lightRig rig="threePt" dir="t"/>
+    </dgm:scene3d>
+    <dgm:sp3d/>
+    <dgm:txPr/>
+    <dgm:style>
+      <a:lnRef idx="2">
+        <a:scrgbClr r="0" g="0" b="0"/>
+      </a:lnRef>
+      <a:fillRef idx="1">
+        <a:scrgbClr r="0" g="0" b="0"/>
+      </a:fillRef>
+      <a:effectRef idx="0">
+        <a:scrgbClr r="0" g="0" b="0"/>
+      </a:effectRef>
+      <a:fontRef idx="minor"/>
+    </dgm:style>
+  </dgm:styleLbl>
+  <dgm:styleLbl name="bgShp">
+    <dgm:scene3d>
+      <a:camera prst="orthographicFront"/>
+      <a:lightRig rig="threePt" dir="t"/>
+    </dgm:scene3d>
+    <dgm:sp3d/>
+    <dgm:txPr/>
+    <dgm:style>
+      <a:lnRef idx="0">
+        <a:scrgbClr r="0" g="0" b="0"/>
+      </a:lnRef>
+      <a:fillRef idx="1">
+        <a:scrgbClr r="0" g="0" b="0"/>
+      </a:fillRef>
+      <a:effectRef idx="0">
+        <a:scrgbClr r="0" g="0" b="0"/>
+      </a:effectRef>
+      <a:fontRef idx="minor"/>
+    </dgm:style>
+  </dgm:styleLbl>
+  <dgm:styleLbl name="dkBgShp">
+    <dgm:scene3d>
+      <a:camera prst="orthographicFront"/>
+      <a:lightRig rig="threePt" dir="t"/>
+    </dgm:scene3d>
+    <dgm:sp3d/>
+    <dgm:txPr/>
+    <dgm:style>
+      <a:lnRef idx="0">
+        <a:scrgbClr r="0" g="0" b="0"/>
+      </a:lnRef>
+      <a:fillRef idx="1">
+        <a:scrgbClr r="0" g="0" b="0"/>
+      </a:fillRef>
+      <a:effectRef idx="0">
+        <a:scrgbClr r="0" g="0" b="0"/>
+      </a:effectRef>
+      <a:fontRef idx="minor"/>
+    </dgm:style>
+  </dgm:styleLbl>
+  <dgm:styleLbl name="trBgShp">
+    <dgm:scene3d>
+      <a:camera prst="orthographicFront"/>
+      <a:lightRig rig="threePt" dir="t"/>
+    </dgm:scene3d>
+    <dgm:sp3d/>
+    <dgm:txPr/>
+    <dgm:style>
+      <a:lnRef idx="0">
+        <a:scrgbClr r="0" g="0" b="0"/>
+      </a:lnRef>
+      <a:fillRef idx="1">
+        <a:scrgbClr r="0" g="0" b="0"/>
+      </a:fillRef>
+      <a:effectRef idx="0">
+        <a:scrgbClr r="0" g="0" b="0"/>
+      </a:effectRef>
+      <a:fontRef idx="minor"/>
+    </dgm:style>
+  </dgm:styleLbl>
+  <dgm:styleLbl name="fgShp">
+    <dgm:scene3d>
+      <a:camera prst="orthographicFront"/>
+      <a:lightRig rig="threePt" dir="t"/>
+    </dgm:scene3d>
+    <dgm:sp3d/>
+    <dgm:txPr/>
+    <dgm:style>
+      <a:lnRef idx="2">
+        <a:scrgbClr r="0" g="0" b="0"/>
+      </a:lnRef>
+      <a:fillRef idx="1">
+        <a:scrgbClr r="0" g="0" b="0"/>
+      </a:fillRef>
+      <a:effectRef idx="0">
+        <a:scrgbClr r="0" g="0" b="0"/>
+      </a:effectRef>
+      <a:fontRef idx="minor"/>
+    </dgm:style>
+  </dgm:styleLbl>
+  <dgm:styleLbl name="revTx">
+    <dgm:scene3d>
+      <a:camera prst="orthographicFront"/>
+      <a:lightRig rig="threePt" dir="t"/>
+    </dgm:scene3d>
+    <dgm:sp3d/>
+    <dgm:txPr/>
+    <dgm:style>
+      <a:lnRef idx="0">
+        <a:scrgbClr r="0" g="0" b="0"/>
+      </a:lnRef>
+      <a:fillRef idx="0">
+        <a:scrgbClr r="0" g="0" b="0"/>
+      </a:fillRef>
+      <a:effectRef idx="0">
+        <a:scrgbClr r="0" g="0" b="0"/>
+      </a:effectRef>
+      <a:fontRef idx="minor"/>
+    </dgm:style>
+  </dgm:styleLbl>
+</dgm:styleDef>
+</file>
+
+<file path=ppt/notesMasters/notesMaster1.xml><?xml version="1.0" encoding="utf-8"?>
+<p:notesMaster xmlns:a="http://schemas.openxmlformats.org/drawingml/2006/main" xmlns:r="http://schemas.openxmlformats.org/officeDocument/2006/relationships" xmlns:p="http://schemas.openxmlformats.org/presentationml/2006/main">
+  <p:cSld>
+    <p:bg>
+      <p:bgRef idx="1001">
+        <a:schemeClr val="bg1"/>
+      </p:bgRef>
+    </p:bg>
+    <p:spTree>
+      <p:nvGrpSpPr>
+        <p:cNvPr id="1" name=""/>
+        <p:cNvGrpSpPr/>
+        <p:nvPr/>
+      </p:nvGrpSpPr>
+      <p:grpSpPr>
+        <a:xfrm>
+          <a:off x="0" y="0"/>
+          <a:ext cx="0" cy="0"/>
+          <a:chOff x="0" y="0"/>
+          <a:chExt cx="0" cy="0"/>
+        </a:xfrm>
+      </p:grpSpPr>
+      <p:sp>
+        <p:nvSpPr>
+          <p:cNvPr id="2" name="מציין מיקום של כותרת עליונה 1"/>
+          <p:cNvSpPr>
+            <a:spLocks noGrp="1"/>
+          </p:cNvSpPr>
+          <p:nvPr>
+            <p:ph type="hdr" sz="quarter"/>
+          </p:nvPr>
+        </p:nvSpPr>
+        <p:spPr>
+          <a:xfrm>
+            <a:off x="3886200" y="0"/>
+            <a:ext cx="2971800" cy="458788"/>
+          </a:xfrm>
+          <a:prstGeom prst="rect">
+            <a:avLst/>
+          </a:prstGeom>
+        </p:spPr>
+        <p:txBody>
+          <a:bodyPr vert="horz" lIns="91440" tIns="45720" rIns="91440" bIns="45720" rtlCol="1"/>
+          <a:lstStyle>
+            <a:lvl1pPr algn="r">
+              <a:defRPr sz="1200"/>
+            </a:lvl1pPr>
+          </a:lstStyle>
+          <a:p>
+            <a:endParaRPr lang="he-IL"/>
+          </a:p>
+        </p:txBody>
+      </p:sp>
+      <p:sp>
+        <p:nvSpPr>
+          <p:cNvPr id="3" name="מציין מיקום של תאריך 2"/>
+          <p:cNvSpPr>
+            <a:spLocks noGrp="1"/>
+          </p:cNvSpPr>
+          <p:nvPr>
+            <p:ph type="dt" idx="1"/>
+          </p:nvPr>
+        </p:nvSpPr>
+        <p:spPr>
+          <a:xfrm>
+            <a:off x="1588" y="0"/>
+            <a:ext cx="2971800" cy="458788"/>
+          </a:xfrm>
+          <a:prstGeom prst="rect">
+            <a:avLst/>
+          </a:prstGeom>
+        </p:spPr>
+        <p:txBody>
+          <a:bodyPr vert="horz" lIns="91440" tIns="45720" rIns="91440" bIns="45720" rtlCol="1"/>
+          <a:lstStyle>
+            <a:lvl1pPr algn="l">
+              <a:defRPr sz="1200"/>
+            </a:lvl1pPr>
+          </a:lstStyle>
+          <a:p>
+            <a:fld id="{DF3710DB-F2B2-49AD-8A5D-A2AD28D57719}" type="datetimeFigureOut">
+              <a:rPr lang="he-IL" smtClean="0"/>
+              <a:t>ז'/חשון/תש"פ</a:t>
+            </a:fld>
+            <a:endParaRPr lang="he-IL"/>
+          </a:p>
+        </p:txBody>
+      </p:sp>
+      <p:sp>
+        <p:nvSpPr>
+          <p:cNvPr id="4" name="מציין מיקום של תמונת שקופית 3"/>
+          <p:cNvSpPr>
+            <a:spLocks noGrp="1" noRot="1" noChangeAspect="1"/>
+          </p:cNvSpPr>
+          <p:nvPr>
+            <p:ph type="sldImg" idx="2"/>
+          </p:nvPr>
+        </p:nvSpPr>
+        <p:spPr>
+          <a:xfrm>
+            <a:off x="685800" y="1143000"/>
+            <a:ext cx="5486400" cy="3086100"/>
+          </a:xfrm>
+          <a:prstGeom prst="rect">
+            <a:avLst/>
+          </a:prstGeom>
+          <a:noFill/>
+          <a:ln w="12700">
+            <a:solidFill>
+              <a:prstClr val="black"/>
+            </a:solidFill>
+          </a:ln>
+        </p:spPr>
+        <p:txBody>
+          <a:bodyPr vert="horz" lIns="91440" tIns="45720" rIns="91440" bIns="45720" rtlCol="1" anchor="ctr"/>
+          <a:lstStyle/>
+          <a:p>
+            <a:endParaRPr lang="he-IL"/>
+          </a:p>
+        </p:txBody>
+      </p:sp>
+      <p:sp>
+        <p:nvSpPr>
+          <p:cNvPr id="5" name="מציין מיקום של הערות 4"/>
+          <p:cNvSpPr>
+            <a:spLocks noGrp="1"/>
+          </p:cNvSpPr>
+          <p:nvPr>
+            <p:ph type="body" sz="quarter" idx="3"/>
+          </p:nvPr>
+        </p:nvSpPr>
+        <p:spPr>
+          <a:xfrm>
+            <a:off x="685800" y="4400550"/>
+            <a:ext cx="5486400" cy="3600450"/>
+          </a:xfrm>
+          <a:prstGeom prst="rect">
+            <a:avLst/>
+          </a:prstGeom>
+        </p:spPr>
+        <p:txBody>
+          <a:bodyPr vert="horz" lIns="91440" tIns="45720" rIns="91440" bIns="45720" rtlCol="1"/>
+          <a:lstStyle/>
+          <a:p>
+            <a:pPr lvl="0"/>
+            <a:r>
+              <a:rPr lang="he-IL"/>
+              <a:t>לחץ כדי לערוך סגנונות טקסט של תבנית בסיס</a:t>
+            </a:r>
+          </a:p>
+          <a:p>
+            <a:pPr lvl="1"/>
+            <a:r>
+              <a:rPr lang="he-IL"/>
+              <a:t>רמה שנייה</a:t>
+            </a:r>
+          </a:p>
+          <a:p>
+            <a:pPr lvl="2"/>
+            <a:r>
+              <a:rPr lang="he-IL"/>
+              <a:t>רמה שלישית</a:t>
+            </a:r>
+          </a:p>
+          <a:p>
+            <a:pPr lvl="3"/>
+            <a:r>
+              <a:rPr lang="he-IL"/>
+              <a:t>רמה רביעית</a:t>
+            </a:r>
+          </a:p>
+          <a:p>
+            <a:pPr lvl="4"/>
+            <a:r>
+              <a:rPr lang="he-IL"/>
+              <a:t>רמה חמישית</a:t>
+            </a:r>
+          </a:p>
+        </p:txBody>
+      </p:sp>
+      <p:sp>
+        <p:nvSpPr>
+          <p:cNvPr id="6" name="מציין מיקום של כותרת תחתונה 5"/>
+          <p:cNvSpPr>
+            <a:spLocks noGrp="1"/>
+          </p:cNvSpPr>
+          <p:nvPr>
+            <p:ph type="ftr" sz="quarter" idx="4"/>
+          </p:nvPr>
+        </p:nvSpPr>
+        <p:spPr>
+          <a:xfrm>
+            <a:off x="3886200" y="8685213"/>
+            <a:ext cx="2971800" cy="458787"/>
+          </a:xfrm>
+          <a:prstGeom prst="rect">
+            <a:avLst/>
+          </a:prstGeom>
+        </p:spPr>
+        <p:txBody>
+          <a:bodyPr vert="horz" lIns="91440" tIns="45720" rIns="91440" bIns="45720" rtlCol="1" anchor="b"/>
+          <a:lstStyle>
+            <a:lvl1pPr algn="r">
+              <a:defRPr sz="1200"/>
+            </a:lvl1pPr>
+          </a:lstStyle>
+          <a:p>
+            <a:endParaRPr lang="he-IL"/>
+          </a:p>
+        </p:txBody>
+      </p:sp>
+      <p:sp>
+        <p:nvSpPr>
+          <p:cNvPr id="7" name="מציין מיקום של מספר שקופית 6"/>
+          <p:cNvSpPr>
+            <a:spLocks noGrp="1"/>
+          </p:cNvSpPr>
+          <p:nvPr>
+            <p:ph type="sldNum" sz="quarter" idx="5"/>
+          </p:nvPr>
+        </p:nvSpPr>
+        <p:spPr>
+          <a:xfrm>
+            <a:off x="1588" y="8685213"/>
+            <a:ext cx="2971800" cy="458787"/>
+          </a:xfrm>
+          <a:prstGeom prst="rect">
+            <a:avLst/>
+          </a:prstGeom>
+        </p:spPr>
+        <p:txBody>
+          <a:bodyPr vert="horz" lIns="91440" tIns="45720" rIns="91440" bIns="45720" rtlCol="1" anchor="b"/>
+          <a:lstStyle>
+            <a:lvl1pPr algn="l">
+              <a:defRPr sz="1200"/>
+            </a:lvl1pPr>
+          </a:lstStyle>
+          <a:p>
+            <a:fld id="{A3D3D2D5-BE80-4F89-B44D-3F7CA79B104B}" type="slidenum">
+              <a:rPr lang="he-IL" smtClean="0"/>
+              <a:t>‹#›</a:t>
+            </a:fld>
+            <a:endParaRPr lang="he-IL"/>
+          </a:p>
+        </p:txBody>
+      </p:sp>
+    </p:spTree>
+    <p:extLst>
+      <p:ext uri="{BB962C8B-B14F-4D97-AF65-F5344CB8AC3E}">
+        <p14:creationId xmlns:p14="http://schemas.microsoft.com/office/powerpoint/2010/main" val="1818401051"/>
+      </p:ext>
+    </p:extLst>
+  </p:cSld>
+  <p:clrMap bg1="lt1" tx1="dk1" bg2="lt2" tx2="dk2" accent1="accent1" accent2="accent2" accent3="accent3" accent4="accent4" accent5="accent5" accent6="accent6" hlink="hlink" folHlink="folHlink"/>
+  <p:notesStyle>
+    <a:lvl1pPr marL="0" algn="r" defTabSz="914400" rtl="1" eaLnBrk="1" latinLnBrk="0" hangingPunct="1">
+      <a:defRPr sz="1200" kern="1200">
+        <a:solidFill>
+          <a:schemeClr val="tx1"/>
+        </a:solidFill>
+        <a:latin typeface="+mn-lt"/>
+        <a:ea typeface="+mn-ea"/>
+        <a:cs typeface="+mn-cs"/>
+      </a:defRPr>
+    </a:lvl1pPr>
+    <a:lvl2pPr marL="457200" algn="r" defTabSz="914400" rtl="1" eaLnBrk="1" latinLnBrk="0" hangingPunct="1">
+      <a:defRPr sz="1200" kern="1200">
+        <a:solidFill>
+          <a:schemeClr val="tx1"/>
+        </a:solidFill>
+        <a:latin typeface="+mn-lt"/>
+        <a:ea typeface="+mn-ea"/>
+        <a:cs typeface="+mn-cs"/>
+      </a:defRPr>
+    </a:lvl2pPr>
+    <a:lvl3pPr marL="914400" algn="r" defTabSz="914400" rtl="1" eaLnBrk="1" latinLnBrk="0" hangingPunct="1">
+      <a:defRPr sz="1200" kern="1200">
+        <a:solidFill>
+          <a:schemeClr val="tx1"/>
+        </a:solidFill>
+        <a:latin typeface="+mn-lt"/>
+        <a:ea typeface="+mn-ea"/>
+        <a:cs typeface="+mn-cs"/>
+      </a:defRPr>
+    </a:lvl3pPr>
+    <a:lvl4pPr marL="1371600" algn="r" defTabSz="914400" rtl="1" eaLnBrk="1" latinLnBrk="0" hangingPunct="1">
+      <a:defRPr sz="1200" kern="1200">
+        <a:solidFill>
+          <a:schemeClr val="tx1"/>
+        </a:solidFill>
+        <a:latin typeface="+mn-lt"/>
+        <a:ea typeface="+mn-ea"/>
+        <a:cs typeface="+mn-cs"/>
+      </a:defRPr>
+    </a:lvl4pPr>
+    <a:lvl5pPr marL="1828800" algn="r" defTabSz="914400" rtl="1" eaLnBrk="1" latinLnBrk="0" hangingPunct="1">
+      <a:defRPr sz="1200" kern="1200">
+        <a:solidFill>
+          <a:schemeClr val="tx1"/>
+        </a:solidFill>
+        <a:latin typeface="+mn-lt"/>
+        <a:ea typeface="+mn-ea"/>
+        <a:cs typeface="+mn-cs"/>
+      </a:defRPr>
+    </a:lvl5pPr>
+    <a:lvl6pPr marL="2286000" algn="r" defTabSz="914400" rtl="1" eaLnBrk="1" latinLnBrk="0" hangingPunct="1">
+      <a:defRPr sz="1200" kern="1200">
+        <a:solidFill>
+          <a:schemeClr val="tx1"/>
+        </a:solidFill>
+        <a:latin typeface="+mn-lt"/>
+        <a:ea typeface="+mn-ea"/>
+        <a:cs typeface="+mn-cs"/>
+      </a:defRPr>
+    </a:lvl6pPr>
+    <a:lvl7pPr marL="2743200" algn="r" defTabSz="914400" rtl="1" eaLnBrk="1" latinLnBrk="0" hangingPunct="1">
+      <a:defRPr sz="1200" kern="1200">
+        <a:solidFill>
+          <a:schemeClr val="tx1"/>
+        </a:solidFill>
+        <a:latin typeface="+mn-lt"/>
+        <a:ea typeface="+mn-ea"/>
+        <a:cs typeface="+mn-cs"/>
+      </a:defRPr>
+    </a:lvl7pPr>
+    <a:lvl8pPr marL="3200400" algn="r" defTabSz="914400" rtl="1" eaLnBrk="1" latinLnBrk="0" hangingPunct="1">
+      <a:defRPr sz="1200" kern="1200">
+        <a:solidFill>
+          <a:schemeClr val="tx1"/>
+        </a:solidFill>
+        <a:latin typeface="+mn-lt"/>
+        <a:ea typeface="+mn-ea"/>
+        <a:cs typeface="+mn-cs"/>
+      </a:defRPr>
+    </a:lvl8pPr>
+    <a:lvl9pPr marL="3657600" algn="r" defTabSz="914400" rtl="1" eaLnBrk="1" latinLnBrk="0" hangingPunct="1">
+      <a:defRPr sz="1200" kern="1200">
+        <a:solidFill>
+          <a:schemeClr val="tx1"/>
+        </a:solidFill>
+        <a:latin typeface="+mn-lt"/>
+        <a:ea typeface="+mn-ea"/>
+        <a:cs typeface="+mn-cs"/>
+      </a:defRPr>
+    </a:lvl9pPr>
+  </p:notesStyle>
+</p:notesMaster>
+</file>
+
+<file path=ppt/notesSlides/notesSlide1.xml><?xml version="1.0" encoding="utf-8"?>
+<p:notes xmlns:a="http://schemas.openxmlformats.org/drawingml/2006/main" xmlns:r="http://schemas.openxmlformats.org/officeDocument/2006/relationships" xmlns:p="http://schemas.openxmlformats.org/presentationml/2006/main">
+  <p:cSld>
+    <p:spTree>
+      <p:nvGrpSpPr>
+        <p:cNvPr id="1" name=""/>
+        <p:cNvGrpSpPr/>
+        <p:nvPr/>
+      </p:nvGrpSpPr>
+      <p:grpSpPr>
+        <a:xfrm>
+          <a:off x="0" y="0"/>
+          <a:ext cx="0" cy="0"/>
+          <a:chOff x="0" y="0"/>
+          <a:chExt cx="0" cy="0"/>
+        </a:xfrm>
+      </p:grpSpPr>
+      <p:sp>
+        <p:nvSpPr>
+          <p:cNvPr id="2" name="מציין מיקום של תמונת שקופית 1"/>
+          <p:cNvSpPr>
+            <a:spLocks noGrp="1" noRot="1" noChangeAspect="1"/>
+          </p:cNvSpPr>
+          <p:nvPr>
+            <p:ph type="sldImg"/>
+          </p:nvPr>
+        </p:nvSpPr>
+        <p:spPr/>
+      </p:sp>
+      <p:sp>
+        <p:nvSpPr>
+          <p:cNvPr id="3" name="מציין מיקום של הערות 2"/>
+          <p:cNvSpPr>
+            <a:spLocks noGrp="1"/>
+          </p:cNvSpPr>
+          <p:nvPr>
+            <p:ph type="body" idx="1"/>
+          </p:nvPr>
+        </p:nvSpPr>
+        <p:spPr/>
+        <p:txBody>
+          <a:bodyPr/>
+          <a:lstStyle/>
+          <a:p>
+            <a:pPr marL="171450" indent="-171450">
+              <a:buFont typeface="Arial" panose="020B0604020202020204" pitchFamily="34" charset="0"/>
+              <a:buChar char="•"/>
+            </a:pPr>
+            <a:r>
+              <a:rPr lang="he-IL" dirty="0"/>
+              <a:t>מה זה מפות ידע?</a:t>
+            </a:r>
+            <a:r>
+              <a:rPr lang="en-US" dirty="0"/>
+              <a:t> </a:t>
+            </a:r>
+            <a:r>
+              <a:rPr lang="he-IL" dirty="0"/>
+              <a:t> </a:t>
+            </a:r>
+          </a:p>
+          <a:p>
+            <a:pPr marL="171450" indent="-171450">
+              <a:buFont typeface="Arial" panose="020B0604020202020204" pitchFamily="34" charset="0"/>
+              <a:buChar char="•"/>
+            </a:pPr>
+            <a:r>
+              <a:rPr lang="he-IL" dirty="0"/>
+              <a:t>אזכור למאמר של ארנון (</a:t>
+            </a:r>
+            <a:r>
+              <a:rPr lang="en-US" dirty="0"/>
+              <a:t>ME</a:t>
+            </a:r>
+            <a:r>
+              <a:rPr lang="he-IL" dirty="0"/>
+              <a:t>)</a:t>
+            </a:r>
+            <a:r>
+              <a:rPr lang="en-US" dirty="0"/>
+              <a:t> </a:t>
+            </a:r>
+            <a:r>
+              <a:rPr lang="he-IL" dirty="0"/>
+              <a:t>והמודל שפותח</a:t>
+            </a:r>
+          </a:p>
+        </p:txBody>
+      </p:sp>
+      <p:sp>
+        <p:nvSpPr>
+          <p:cNvPr id="4" name="מציין מיקום של מספר שקופית 3"/>
+          <p:cNvSpPr>
+            <a:spLocks noGrp="1"/>
+          </p:cNvSpPr>
+          <p:nvPr>
+            <p:ph type="sldNum" sz="quarter" idx="5"/>
+          </p:nvPr>
+        </p:nvSpPr>
+        <p:spPr/>
+        <p:txBody>
+          <a:bodyPr/>
+          <a:lstStyle/>
+          <a:p>
+            <a:fld id="{A3D3D2D5-BE80-4F89-B44D-3F7CA79B104B}" type="slidenum">
+              <a:rPr lang="he-IL" smtClean="0"/>
+              <a:t>2</a:t>
+            </a:fld>
+            <a:endParaRPr lang="he-IL"/>
+          </a:p>
+        </p:txBody>
+      </p:sp>
+    </p:spTree>
+    <p:extLst>
+      <p:ext uri="{BB962C8B-B14F-4D97-AF65-F5344CB8AC3E}">
+        <p14:creationId xmlns:p14="http://schemas.microsoft.com/office/powerpoint/2010/main" val="163126292"/>
+      </p:ext>
+    </p:extLst>
+  </p:cSld>
+  <p:clrMapOvr>
+    <a:masterClrMapping/>
+  </p:clrMapOvr>
+</p:notes>
+</file>
+
+<file path=ppt/notesSlides/notesSlide2.xml><?xml version="1.0" encoding="utf-8"?>
+<p:notes xmlns:a="http://schemas.openxmlformats.org/drawingml/2006/main" xmlns:r="http://schemas.openxmlformats.org/officeDocument/2006/relationships" xmlns:p="http://schemas.openxmlformats.org/presentationml/2006/main">
+  <p:cSld>
+    <p:spTree>
+      <p:nvGrpSpPr>
+        <p:cNvPr id="1" name=""/>
+        <p:cNvGrpSpPr/>
+        <p:nvPr/>
+      </p:nvGrpSpPr>
+      <p:grpSpPr>
+        <a:xfrm>
+          <a:off x="0" y="0"/>
+          <a:ext cx="0" cy="0"/>
+          <a:chOff x="0" y="0"/>
+          <a:chExt cx="0" cy="0"/>
+        </a:xfrm>
+      </p:grpSpPr>
+      <p:sp>
+        <p:nvSpPr>
+          <p:cNvPr id="2" name="מציין מיקום של תמונת שקופית 1"/>
+          <p:cNvSpPr>
+            <a:spLocks noGrp="1" noRot="1" noChangeAspect="1"/>
+          </p:cNvSpPr>
+          <p:nvPr>
+            <p:ph type="sldImg"/>
+          </p:nvPr>
+        </p:nvSpPr>
+        <p:spPr/>
+      </p:sp>
+      <p:sp>
+        <p:nvSpPr>
+          <p:cNvPr id="3" name="מציין מיקום של הערות 2"/>
+          <p:cNvSpPr>
+            <a:spLocks noGrp="1"/>
+          </p:cNvSpPr>
+          <p:nvPr>
+            <p:ph type="body" idx="1"/>
+          </p:nvPr>
+        </p:nvSpPr>
+        <p:spPr/>
+        <p:txBody>
+          <a:bodyPr/>
+          <a:lstStyle/>
+          <a:p>
+            <a:endParaRPr lang="he-IL" dirty="0"/>
+          </a:p>
+        </p:txBody>
+      </p:sp>
+      <p:sp>
+        <p:nvSpPr>
+          <p:cNvPr id="4" name="מציין מיקום של מספר שקופית 3"/>
+          <p:cNvSpPr>
+            <a:spLocks noGrp="1"/>
+          </p:cNvSpPr>
+          <p:nvPr>
+            <p:ph type="sldNum" sz="quarter" idx="5"/>
+          </p:nvPr>
+        </p:nvSpPr>
+        <p:spPr/>
+        <p:txBody>
+          <a:bodyPr/>
+          <a:lstStyle/>
+          <a:p>
+            <a:fld id="{A3D3D2D5-BE80-4F89-B44D-3F7CA79B104B}" type="slidenum">
+              <a:rPr lang="he-IL" smtClean="0"/>
+              <a:t>3</a:t>
+            </a:fld>
+            <a:endParaRPr lang="he-IL"/>
+          </a:p>
+        </p:txBody>
+      </p:sp>
+    </p:spTree>
+    <p:extLst>
+      <p:ext uri="{BB962C8B-B14F-4D97-AF65-F5344CB8AC3E}">
+        <p14:creationId xmlns:p14="http://schemas.microsoft.com/office/powerpoint/2010/main" val="2961795036"/>
+      </p:ext>
+    </p:extLst>
+  </p:cSld>
+  <p:clrMapOvr>
+    <a:masterClrMapping/>
+  </p:clrMapOvr>
+</p:notes>
+</file>
+
+<file path=ppt/notesSlides/notesSlide3.xml><?xml version="1.0" encoding="utf-8"?>
+<p:notes xmlns:a="http://schemas.openxmlformats.org/drawingml/2006/main" xmlns:r="http://schemas.openxmlformats.org/officeDocument/2006/relationships" xmlns:p="http://schemas.openxmlformats.org/presentationml/2006/main">
+  <p:cSld>
+    <p:spTree>
+      <p:nvGrpSpPr>
+        <p:cNvPr id="1" name=""/>
+        <p:cNvGrpSpPr/>
+        <p:nvPr/>
+      </p:nvGrpSpPr>
+      <p:grpSpPr>
+        <a:xfrm>
+          <a:off x="0" y="0"/>
+          <a:ext cx="0" cy="0"/>
+          <a:chOff x="0" y="0"/>
+          <a:chExt cx="0" cy="0"/>
+        </a:xfrm>
+      </p:grpSpPr>
+      <p:sp>
+        <p:nvSpPr>
+          <p:cNvPr id="2" name="מציין מיקום של תמונת שקופית 1"/>
+          <p:cNvSpPr>
+            <a:spLocks noGrp="1" noRot="1" noChangeAspect="1"/>
+          </p:cNvSpPr>
+          <p:nvPr>
+            <p:ph type="sldImg"/>
+          </p:nvPr>
+        </p:nvSpPr>
+        <p:spPr/>
+      </p:sp>
+      <p:sp>
+        <p:nvSpPr>
+          <p:cNvPr id="3" name="מציין מיקום של הערות 2"/>
+          <p:cNvSpPr>
+            <a:spLocks noGrp="1"/>
+          </p:cNvSpPr>
+          <p:nvPr>
+            <p:ph type="body" idx="1"/>
+          </p:nvPr>
+        </p:nvSpPr>
+        <p:spPr/>
+        <p:txBody>
+          <a:bodyPr/>
+          <a:lstStyle/>
+          <a:p>
+            <a:pPr marL="171450" indent="-171450">
+              <a:buFont typeface="Arial" panose="020B0604020202020204" pitchFamily="34" charset="0"/>
+              <a:buChar char="•"/>
+            </a:pPr>
+            <a:endParaRPr lang="he-IL" dirty="0"/>
+          </a:p>
+        </p:txBody>
+      </p:sp>
+      <p:sp>
+        <p:nvSpPr>
+          <p:cNvPr id="4" name="מציין מיקום של מספר שקופית 3"/>
+          <p:cNvSpPr>
+            <a:spLocks noGrp="1"/>
+          </p:cNvSpPr>
+          <p:nvPr>
+            <p:ph type="sldNum" sz="quarter" idx="5"/>
+          </p:nvPr>
+        </p:nvSpPr>
+        <p:spPr/>
+        <p:txBody>
+          <a:bodyPr/>
+          <a:lstStyle/>
+          <a:p>
+            <a:fld id="{A3D3D2D5-BE80-4F89-B44D-3F7CA79B104B}" type="slidenum">
+              <a:rPr lang="he-IL" smtClean="0"/>
+              <a:t>4</a:t>
+            </a:fld>
+            <a:endParaRPr lang="he-IL"/>
+          </a:p>
+        </p:txBody>
+      </p:sp>
+    </p:spTree>
+    <p:extLst>
+      <p:ext uri="{BB962C8B-B14F-4D97-AF65-F5344CB8AC3E}">
+        <p14:creationId xmlns:p14="http://schemas.microsoft.com/office/powerpoint/2010/main" val="3784289936"/>
+      </p:ext>
+    </p:extLst>
+  </p:cSld>
+  <p:clrMapOvr>
+    <a:masterClrMapping/>
+  </p:clrMapOvr>
+</p:notes>
+</file>
+
+<file path=ppt/notesSlides/notesSlide4.xml><?xml version="1.0" encoding="utf-8"?>
+<p:notes xmlns:a="http://schemas.openxmlformats.org/drawingml/2006/main" xmlns:r="http://schemas.openxmlformats.org/officeDocument/2006/relationships" xmlns:p="http://schemas.openxmlformats.org/presentationml/2006/main">
+  <p:cSld>
+    <p:spTree>
+      <p:nvGrpSpPr>
+        <p:cNvPr id="1" name=""/>
+        <p:cNvGrpSpPr/>
+        <p:nvPr/>
+      </p:nvGrpSpPr>
+      <p:grpSpPr>
+        <a:xfrm>
+          <a:off x="0" y="0"/>
+          <a:ext cx="0" cy="0"/>
+          <a:chOff x="0" y="0"/>
+          <a:chExt cx="0" cy="0"/>
+        </a:xfrm>
+      </p:grpSpPr>
+      <p:sp>
+        <p:nvSpPr>
+          <p:cNvPr id="2" name="מציין מיקום של תמונת שקופית 1"/>
+          <p:cNvSpPr>
+            <a:spLocks noGrp="1" noRot="1" noChangeAspect="1"/>
+          </p:cNvSpPr>
+          <p:nvPr>
+            <p:ph type="sldImg"/>
+          </p:nvPr>
+        </p:nvSpPr>
+        <p:spPr/>
+      </p:sp>
+      <p:sp>
+        <p:nvSpPr>
+          <p:cNvPr id="3" name="מציין מיקום של הערות 2"/>
+          <p:cNvSpPr>
+            <a:spLocks noGrp="1"/>
+          </p:cNvSpPr>
+          <p:nvPr>
+            <p:ph type="body" idx="1"/>
+          </p:nvPr>
+        </p:nvSpPr>
+        <p:spPr/>
+        <p:txBody>
+          <a:bodyPr/>
+          <a:lstStyle/>
+          <a:p>
+            <a:pPr marL="171450" marR="0" lvl="0" indent="-171450" algn="r" defTabSz="914400" rtl="1" eaLnBrk="1" fontAlgn="auto" latinLnBrk="0" hangingPunct="1">
+              <a:lnSpc>
+                <a:spcPct val="100000"/>
+              </a:lnSpc>
+              <a:spcBef>
+                <a:spcPts val="0"/>
+              </a:spcBef>
+              <a:spcAft>
+                <a:spcPts val="0"/>
+              </a:spcAft>
+              <a:buClrTx/>
+              <a:buSzTx/>
+              <a:buFont typeface="Arial" panose="020B0604020202020204" pitchFamily="34" charset="0"/>
+              <a:buChar char="•"/>
+              <a:tabLst/>
+              <a:defRPr/>
+            </a:pPr>
+            <a:r>
+              <a:rPr lang="he-IL" dirty="0"/>
+              <a:t>תיאור תרחיש החיפוש כיום לעומת עם מפת מידע</a:t>
+            </a:r>
+          </a:p>
+          <a:p>
+            <a:pPr marL="171450" indent="-171450">
+              <a:buFont typeface="Arial" panose="020B0604020202020204" pitchFamily="34" charset="0"/>
+              <a:buChar char="•"/>
+            </a:pPr>
+            <a:r>
+              <a:rPr lang="he-IL" dirty="0"/>
+              <a:t>גישה למידע באופן כללי שמאפשר ראייה רחבה יותר למידע המוצע</a:t>
+            </a:r>
+          </a:p>
+          <a:p>
+            <a:pPr marL="171450" indent="-171450">
+              <a:buFont typeface="Arial" panose="020B0604020202020204" pitchFamily="34" charset="0"/>
+              <a:buChar char="•"/>
+            </a:pPr>
+            <a:r>
+              <a:rPr lang="he-IL" dirty="0"/>
+              <a:t>לעיתים חיפוש טקסטואלי מביא זבל </a:t>
+            </a:r>
+            <a:r>
+              <a:rPr lang="he-IL" dirty="0">
+                <a:sym typeface="Wingdings" panose="05000000000000000000" pitchFamily="2" charset="2"/>
+              </a:rPr>
+              <a:t> שיפור החיפוש</a:t>
+            </a:r>
+          </a:p>
+          <a:p>
+            <a:pPr marL="171450" indent="-171450">
+              <a:buFont typeface="Arial" panose="020B0604020202020204" pitchFamily="34" charset="0"/>
+              <a:buChar char="•"/>
+            </a:pPr>
+            <a:endParaRPr lang="he-IL" dirty="0"/>
+          </a:p>
+        </p:txBody>
+      </p:sp>
+      <p:sp>
+        <p:nvSpPr>
+          <p:cNvPr id="4" name="מציין מיקום של מספר שקופית 3"/>
+          <p:cNvSpPr>
+            <a:spLocks noGrp="1"/>
+          </p:cNvSpPr>
+          <p:nvPr>
+            <p:ph type="sldNum" sz="quarter" idx="5"/>
+          </p:nvPr>
+        </p:nvSpPr>
+        <p:spPr/>
+        <p:txBody>
+          <a:bodyPr/>
+          <a:lstStyle/>
+          <a:p>
+            <a:fld id="{A3D3D2D5-BE80-4F89-B44D-3F7CA79B104B}" type="slidenum">
+              <a:rPr lang="he-IL" smtClean="0"/>
+              <a:t>5</a:t>
+            </a:fld>
+            <a:endParaRPr lang="he-IL"/>
+          </a:p>
+        </p:txBody>
+      </p:sp>
+    </p:spTree>
+    <p:extLst>
+      <p:ext uri="{BB962C8B-B14F-4D97-AF65-F5344CB8AC3E}">
+        <p14:creationId xmlns:p14="http://schemas.microsoft.com/office/powerpoint/2010/main" val="4164623013"/>
+      </p:ext>
+    </p:extLst>
+  </p:cSld>
+  <p:clrMapOvr>
+    <a:masterClrMapping/>
+  </p:clrMapOvr>
+</p:notes>
+</file>
+
+<file path=ppt/notesSlides/notesSlide5.xml><?xml version="1.0" encoding="utf-8"?>
+<p:notes xmlns:a="http://schemas.openxmlformats.org/drawingml/2006/main" xmlns:r="http://schemas.openxmlformats.org/officeDocument/2006/relationships" xmlns:p="http://schemas.openxmlformats.org/presentationml/2006/main">
+  <p:cSld>
+    <p:spTree>
+      <p:nvGrpSpPr>
+        <p:cNvPr id="1" name=""/>
+        <p:cNvGrpSpPr/>
+        <p:nvPr/>
+      </p:nvGrpSpPr>
+      <p:grpSpPr>
+        <a:xfrm>
+          <a:off x="0" y="0"/>
+          <a:ext cx="0" cy="0"/>
+          <a:chOff x="0" y="0"/>
+          <a:chExt cx="0" cy="0"/>
+        </a:xfrm>
+      </p:grpSpPr>
+      <p:sp>
+        <p:nvSpPr>
+          <p:cNvPr id="2" name="מציין מיקום של תמונת שקופית 1"/>
+          <p:cNvSpPr>
+            <a:spLocks noGrp="1" noRot="1" noChangeAspect="1"/>
+          </p:cNvSpPr>
+          <p:nvPr>
+            <p:ph type="sldImg"/>
+          </p:nvPr>
+        </p:nvSpPr>
+        <p:spPr/>
+      </p:sp>
+      <p:sp>
+        <p:nvSpPr>
+          <p:cNvPr id="3" name="מציין מיקום של הערות 2"/>
+          <p:cNvSpPr>
+            <a:spLocks noGrp="1"/>
+          </p:cNvSpPr>
+          <p:nvPr>
+            <p:ph type="body" idx="1"/>
+          </p:nvPr>
+        </p:nvSpPr>
+        <p:spPr/>
+        <p:txBody>
+          <a:bodyPr/>
+          <a:lstStyle/>
+          <a:p>
+            <a:pPr marL="171450" indent="-171450">
+              <a:buFont typeface="Arial" panose="020B0604020202020204" pitchFamily="34" charset="0"/>
+              <a:buChar char="•"/>
+            </a:pPr>
+            <a:endParaRPr lang="he-IL" dirty="0"/>
+          </a:p>
+        </p:txBody>
+      </p:sp>
+      <p:sp>
+        <p:nvSpPr>
+          <p:cNvPr id="4" name="מציין מיקום של מספר שקופית 3"/>
+          <p:cNvSpPr>
+            <a:spLocks noGrp="1"/>
+          </p:cNvSpPr>
+          <p:nvPr>
+            <p:ph type="sldNum" sz="quarter" idx="5"/>
+          </p:nvPr>
+        </p:nvSpPr>
+        <p:spPr/>
+        <p:txBody>
+          <a:bodyPr/>
+          <a:lstStyle/>
+          <a:p>
+            <a:fld id="{A3D3D2D5-BE80-4F89-B44D-3F7CA79B104B}" type="slidenum">
+              <a:rPr lang="he-IL" smtClean="0"/>
+              <a:t>7</a:t>
+            </a:fld>
+            <a:endParaRPr lang="he-IL"/>
+          </a:p>
+        </p:txBody>
+      </p:sp>
+    </p:spTree>
+    <p:extLst>
+      <p:ext uri="{BB962C8B-B14F-4D97-AF65-F5344CB8AC3E}">
+        <p14:creationId xmlns:p14="http://schemas.microsoft.com/office/powerpoint/2010/main" val="3825788042"/>
+      </p:ext>
+    </p:extLst>
+  </p:cSld>
+  <p:clrMapOvr>
+    <a:masterClrMapping/>
+  </p:clrMapOvr>
+</p:notes>
+</file>
+
+<file path=ppt/notesSlides/notesSlide6.xml><?xml version="1.0" encoding="utf-8"?>
+<p:notes xmlns:a="http://schemas.openxmlformats.org/drawingml/2006/main" xmlns:r="http://schemas.openxmlformats.org/officeDocument/2006/relationships" xmlns:p="http://schemas.openxmlformats.org/presentationml/2006/main">
+  <p:cSld>
+    <p:spTree>
+      <p:nvGrpSpPr>
+        <p:cNvPr id="1" name=""/>
+        <p:cNvGrpSpPr/>
+        <p:nvPr/>
+      </p:nvGrpSpPr>
+      <p:grpSpPr>
+        <a:xfrm>
+          <a:off x="0" y="0"/>
+          <a:ext cx="0" cy="0"/>
+          <a:chOff x="0" y="0"/>
+          <a:chExt cx="0" cy="0"/>
+        </a:xfrm>
+      </p:grpSpPr>
+      <p:sp>
+        <p:nvSpPr>
+          <p:cNvPr id="2" name="מציין מיקום של תמונת שקופית 1"/>
+          <p:cNvSpPr>
+            <a:spLocks noGrp="1" noRot="1" noChangeAspect="1"/>
+          </p:cNvSpPr>
+          <p:nvPr>
+            <p:ph type="sldImg"/>
+          </p:nvPr>
+        </p:nvSpPr>
+        <p:spPr/>
+      </p:sp>
+      <p:sp>
+        <p:nvSpPr>
+          <p:cNvPr id="3" name="מציין מיקום של הערות 2"/>
+          <p:cNvSpPr>
+            <a:spLocks noGrp="1"/>
+          </p:cNvSpPr>
+          <p:nvPr>
+            <p:ph type="body" idx="1"/>
+          </p:nvPr>
+        </p:nvSpPr>
+        <p:spPr/>
+        <p:txBody>
+          <a:bodyPr/>
+          <a:lstStyle/>
+          <a:p>
+            <a:pPr marL="171450" indent="-171450">
+              <a:buFont typeface="Arial" panose="020B0604020202020204" pitchFamily="34" charset="0"/>
+              <a:buChar char="•"/>
+            </a:pPr>
+            <a:r>
+              <a:rPr lang="he-IL" dirty="0"/>
+              <a:t>מה השרת יעשה בעבור ה</a:t>
+            </a:r>
+            <a:r>
+              <a:rPr lang="en-US" dirty="0"/>
+              <a:t>UI</a:t>
+            </a:r>
+            <a:r>
+              <a:rPr lang="he-IL" dirty="0"/>
+              <a:t> שלנו, בעבור החיפוש שלהם ותרגום לטובת ה</a:t>
+            </a:r>
+            <a:r>
+              <a:rPr lang="en-US" dirty="0"/>
+              <a:t>UI</a:t>
+            </a:r>
+            <a:r>
+              <a:rPr lang="he-IL" dirty="0"/>
+              <a:t> שלנו.</a:t>
+            </a:r>
+          </a:p>
+          <a:p>
+            <a:pPr marL="171450" indent="-171450">
+              <a:buFont typeface="Arial" panose="020B0604020202020204" pitchFamily="34" charset="0"/>
+              <a:buChar char="•"/>
+            </a:pPr>
+            <a:r>
+              <a:rPr lang="he-IL" dirty="0"/>
+              <a:t>המערכת עתידה להיות פתוחה לשינויים ולהוספת אובייקטים שונים בעתיד (קישורים/ ישויות)</a:t>
+            </a:r>
+          </a:p>
+        </p:txBody>
+      </p:sp>
+      <p:sp>
+        <p:nvSpPr>
+          <p:cNvPr id="4" name="מציין מיקום של מספר שקופית 3"/>
+          <p:cNvSpPr>
+            <a:spLocks noGrp="1"/>
+          </p:cNvSpPr>
+          <p:nvPr>
+            <p:ph type="sldNum" sz="quarter" idx="5"/>
+          </p:nvPr>
+        </p:nvSpPr>
+        <p:spPr/>
+        <p:txBody>
+          <a:bodyPr/>
+          <a:lstStyle/>
+          <a:p>
+            <a:fld id="{A3D3D2D5-BE80-4F89-B44D-3F7CA79B104B}" type="slidenum">
+              <a:rPr lang="he-IL" smtClean="0"/>
+              <a:t>9</a:t>
+            </a:fld>
+            <a:endParaRPr lang="he-IL"/>
+          </a:p>
+        </p:txBody>
+      </p:sp>
+    </p:spTree>
+    <p:extLst>
+      <p:ext uri="{BB962C8B-B14F-4D97-AF65-F5344CB8AC3E}">
+        <p14:creationId xmlns:p14="http://schemas.microsoft.com/office/powerpoint/2010/main" val="2878969690"/>
+      </p:ext>
+    </p:extLst>
+  </p:cSld>
+  <p:clrMapOvr>
+    <a:masterClrMapping/>
+  </p:clrMapOvr>
+</p:notes>
 </file>
 
 <file path=ppt/slideLayouts/slideLayout1.xml><?xml version="1.0" encoding="utf-8"?>
@@ -337,7 +4751,7 @@
             <a:fld id="{5586B75A-687E-405C-8A0B-8D00578BA2C3}" type="datetimeFigureOut">
               <a:rPr lang="en-US" dirty="0"/>
               <a:pPr/>
-              <a:t>8/14/2019</a:t>
+              <a:t>11/5/2019</a:t>
             </a:fld>
             <a:endParaRPr lang="en-US" dirty="0"/>
           </a:p>
@@ -504,7 +4918,7 @@
             <a:fld id="{5586B75A-687E-405C-8A0B-8D00578BA2C3}" type="datetimeFigureOut">
               <a:rPr lang="en-US" dirty="0"/>
               <a:pPr/>
-              <a:t>8/14/2019</a:t>
+              <a:t>11/5/2019</a:t>
             </a:fld>
             <a:endParaRPr lang="en-US" dirty="0"/>
           </a:p>
@@ -681,7 +5095,7 @@
             <a:fld id="{5586B75A-687E-405C-8A0B-8D00578BA2C3}" type="datetimeFigureOut">
               <a:rPr lang="en-US" dirty="0"/>
               <a:pPr/>
-              <a:t>8/14/2019</a:t>
+              <a:t>11/5/2019</a:t>
             </a:fld>
             <a:endParaRPr lang="en-US" dirty="0"/>
           </a:p>
@@ -848,7 +5262,7 @@
             <a:fld id="{5586B75A-687E-405C-8A0B-8D00578BA2C3}" type="datetimeFigureOut">
               <a:rPr lang="en-US" dirty="0"/>
               <a:pPr/>
-              <a:t>8/14/2019</a:t>
+              <a:t>11/5/2019</a:t>
             </a:fld>
             <a:endParaRPr lang="en-US" dirty="0"/>
           </a:p>
@@ -1103,7 +5517,7 @@
             <a:fld id="{5586B75A-687E-405C-8A0B-8D00578BA2C3}" type="datetimeFigureOut">
               <a:rPr lang="en-US" dirty="0"/>
               <a:pPr/>
-              <a:t>8/14/2019</a:t>
+              <a:t>11/5/2019</a:t>
             </a:fld>
             <a:endParaRPr lang="en-US" dirty="0"/>
           </a:p>
@@ -1388,7 +5802,7 @@
             <a:fld id="{5586B75A-687E-405C-8A0B-8D00578BA2C3}" type="datetimeFigureOut">
               <a:rPr lang="en-US" dirty="0"/>
               <a:pPr/>
-              <a:t>8/14/2019</a:t>
+              <a:t>11/5/2019</a:t>
             </a:fld>
             <a:endParaRPr lang="en-US" dirty="0"/>
           </a:p>
@@ -1827,7 +6241,7 @@
             <a:fld id="{5586B75A-687E-405C-8A0B-8D00578BA2C3}" type="datetimeFigureOut">
               <a:rPr lang="en-US" dirty="0"/>
               <a:pPr/>
-              <a:t>8/14/2019</a:t>
+              <a:t>11/5/2019</a:t>
             </a:fld>
             <a:endParaRPr lang="en-US" dirty="0"/>
           </a:p>
@@ -1942,7 +6356,7 @@
             <a:fld id="{5586B75A-687E-405C-8A0B-8D00578BA2C3}" type="datetimeFigureOut">
               <a:rPr lang="en-US" dirty="0"/>
               <a:pPr/>
-              <a:t>8/14/2019</a:t>
+              <a:t>11/5/2019</a:t>
             </a:fld>
             <a:endParaRPr lang="en-US" dirty="0"/>
           </a:p>
@@ -2034,7 +6448,7 @@
             <a:fld id="{5586B75A-687E-405C-8A0B-8D00578BA2C3}" type="datetimeFigureOut">
               <a:rPr lang="en-US" dirty="0"/>
               <a:pPr/>
-              <a:t>8/14/2019</a:t>
+              <a:t>11/5/2019</a:t>
             </a:fld>
             <a:endParaRPr lang="en-US" dirty="0"/>
           </a:p>
@@ -2319,7 +6733,7 @@
             <a:fld id="{5586B75A-687E-405C-8A0B-8D00578BA2C3}" type="datetimeFigureOut">
               <a:rPr lang="en-US" dirty="0"/>
               <a:pPr/>
-              <a:t>8/14/2019</a:t>
+              <a:t>11/5/2019</a:t>
             </a:fld>
             <a:endParaRPr lang="en-US" dirty="0"/>
           </a:p>
@@ -2589,7 +7003,7 @@
             <a:fld id="{5586B75A-687E-405C-8A0B-8D00578BA2C3}" type="datetimeFigureOut">
               <a:rPr lang="en-US" dirty="0"/>
               <a:pPr/>
-              <a:t>8/14/2019</a:t>
+              <a:t>11/5/2019</a:t>
             </a:fld>
             <a:endParaRPr lang="en-US" dirty="0"/>
           </a:p>
@@ -2883,7 +7297,7 @@
             <a:fld id="{5586B75A-687E-405C-8A0B-8D00578BA2C3}" type="datetimeFigureOut">
               <a:rPr lang="en-US" dirty="0"/>
               <a:pPr/>
-              <a:t>8/14/2019</a:t>
+              <a:t>11/5/2019</a:t>
             </a:fld>
             <a:endParaRPr lang="en-US" dirty="0"/>
           </a:p>
@@ -3467,107 +7881,6 @@
           <p:cNvPr id="2" name="כותרת 1">
             <a:extLst>
               <a:ext uri="{FF2B5EF4-FFF2-40B4-BE49-F238E27FC236}">
-                <a16:creationId xmlns:a16="http://schemas.microsoft.com/office/drawing/2014/main" id="{3236B5DA-A202-40B8-8D9A-DB4BA1927A97}"/>
-              </a:ext>
-            </a:extLst>
-          </p:cNvPr>
-          <p:cNvSpPr>
-            <a:spLocks noGrp="1"/>
-          </p:cNvSpPr>
-          <p:nvPr>
-            <p:ph type="title"/>
-          </p:nvPr>
-        </p:nvSpPr>
-        <p:spPr/>
-        <p:txBody>
-          <a:bodyPr/>
-          <a:lstStyle/>
-          <a:p>
-            <a:r>
-              <a:rPr lang="he-IL" dirty="0"/>
-              <a:t>מטרת הפרויקט</a:t>
-            </a:r>
-          </a:p>
-        </p:txBody>
-      </p:sp>
-      <p:sp>
-        <p:nvSpPr>
-          <p:cNvPr id="3" name="מציין מיקום תוכן 2">
-            <a:extLst>
-              <a:ext uri="{FF2B5EF4-FFF2-40B4-BE49-F238E27FC236}">
-                <a16:creationId xmlns:a16="http://schemas.microsoft.com/office/drawing/2014/main" id="{22A9237E-EE38-4DE8-9AD7-B0C246930CCB}"/>
-              </a:ext>
-            </a:extLst>
-          </p:cNvPr>
-          <p:cNvSpPr>
-            <a:spLocks noGrp="1"/>
-          </p:cNvSpPr>
-          <p:nvPr>
-            <p:ph idx="1"/>
-          </p:nvPr>
-        </p:nvSpPr>
-        <p:spPr/>
-        <p:txBody>
-          <a:bodyPr/>
-          <a:lstStyle/>
-          <a:p>
-            <a:r>
-              <a:rPr lang="he-IL" dirty="0"/>
-              <a:t>פיתוח מערכת אשר מנגישה מידע רב באמצעות מפות לניהול המידע</a:t>
-            </a:r>
-          </a:p>
-          <a:p>
-            <a:r>
-              <a:rPr lang="he-IL" dirty="0"/>
-              <a:t>המערכת תאפשר חיפוש איכותני במידע</a:t>
-            </a:r>
-          </a:p>
-          <a:p>
-            <a:r>
-              <a:rPr lang="he-IL" dirty="0"/>
-              <a:t>המערכת תאפשר עריכה ועדכון של המפות</a:t>
-            </a:r>
-          </a:p>
-          <a:p>
-            <a:endParaRPr lang="he-IL" dirty="0"/>
-          </a:p>
-        </p:txBody>
-      </p:sp>
-    </p:spTree>
-    <p:extLst>
-      <p:ext uri="{BB962C8B-B14F-4D97-AF65-F5344CB8AC3E}">
-        <p14:creationId xmlns:p14="http://schemas.microsoft.com/office/powerpoint/2010/main" val="1757748292"/>
-      </p:ext>
-    </p:extLst>
-  </p:cSld>
-  <p:clrMapOvr>
-    <a:masterClrMapping/>
-  </p:clrMapOvr>
-</p:sld>
-</file>
-
-<file path=ppt/slides/slide3.xml><?xml version="1.0" encoding="utf-8"?>
-<p:sld xmlns:a="http://schemas.openxmlformats.org/drawingml/2006/main" xmlns:r="http://schemas.openxmlformats.org/officeDocument/2006/relationships" xmlns:p="http://schemas.openxmlformats.org/presentationml/2006/main">
-  <p:cSld>
-    <p:spTree>
-      <p:nvGrpSpPr>
-        <p:cNvPr id="1" name=""/>
-        <p:cNvGrpSpPr/>
-        <p:nvPr/>
-      </p:nvGrpSpPr>
-      <p:grpSpPr>
-        <a:xfrm>
-          <a:off x="0" y="0"/>
-          <a:ext cx="0" cy="0"/>
-          <a:chOff x="0" y="0"/>
-          <a:chExt cx="0" cy="0"/>
-        </a:xfrm>
-      </p:grpSpPr>
-      <p:sp>
-        <p:nvSpPr>
-          <p:cNvPr id="2" name="כותרת 1">
-            <a:extLst>
-              <a:ext uri="{FF2B5EF4-FFF2-40B4-BE49-F238E27FC236}">
                 <a16:creationId xmlns:a16="http://schemas.microsoft.com/office/drawing/2014/main" id="{2D303F95-8238-4E1C-8746-904C5937EEAF}"/>
               </a:ext>
             </a:extLst>
@@ -3614,7 +7927,7 @@
           </p:nvPr>
         </p:nvPicPr>
         <p:blipFill>
-          <a:blip r:embed="rId2" cstate="print">
+          <a:blip r:embed="rId3" cstate="print">
             <a:extLst>
               <a:ext uri="{28A0092B-C50C-407E-A947-70E740481C1C}">
                 <a14:useLocalDpi xmlns:a14="http://schemas.microsoft.com/office/drawing/2010/main" val="0"/>
@@ -4008,8 +8321,804 @@
 </p:sld>
 </file>
 
+<file path=ppt/slides/slide3.xml><?xml version="1.0" encoding="utf-8"?>
+<p:sld xmlns:a="http://schemas.openxmlformats.org/drawingml/2006/main" xmlns:r="http://schemas.openxmlformats.org/officeDocument/2006/relationships" xmlns:p="http://schemas.openxmlformats.org/presentationml/2006/main">
+  <p:cSld>
+    <p:spTree>
+      <p:nvGrpSpPr>
+        <p:cNvPr id="1" name=""/>
+        <p:cNvGrpSpPr/>
+        <p:nvPr/>
+      </p:nvGrpSpPr>
+      <p:grpSpPr>
+        <a:xfrm>
+          <a:off x="0" y="0"/>
+          <a:ext cx="0" cy="0"/>
+          <a:chOff x="0" y="0"/>
+          <a:chExt cx="0" cy="0"/>
+        </a:xfrm>
+      </p:grpSpPr>
+      <p:sp>
+        <p:nvSpPr>
+          <p:cNvPr id="2" name="כותרת 1">
+            <a:extLst>
+              <a:ext uri="{FF2B5EF4-FFF2-40B4-BE49-F238E27FC236}">
+                <a16:creationId xmlns:a16="http://schemas.microsoft.com/office/drawing/2014/main" id="{F68B70DA-5096-4CB3-92FD-FD655830574A}"/>
+              </a:ext>
+            </a:extLst>
+          </p:cNvPr>
+          <p:cNvSpPr>
+            <a:spLocks noGrp="1"/>
+          </p:cNvSpPr>
+          <p:nvPr>
+            <p:ph type="title"/>
+          </p:nvPr>
+        </p:nvSpPr>
+        <p:spPr/>
+        <p:txBody>
+          <a:bodyPr/>
+          <a:lstStyle/>
+          <a:p>
+            <a:r>
+              <a:rPr lang="he-IL" dirty="0"/>
+              <a:t>תיאור הארגון</a:t>
+            </a:r>
+          </a:p>
+        </p:txBody>
+      </p:sp>
+      <p:sp>
+        <p:nvSpPr>
+          <p:cNvPr id="3" name="מציין מיקום תוכן 2">
+            <a:extLst>
+              <a:ext uri="{FF2B5EF4-FFF2-40B4-BE49-F238E27FC236}">
+                <a16:creationId xmlns:a16="http://schemas.microsoft.com/office/drawing/2014/main" id="{8FD283CF-3B25-4080-8A33-C97A44259B59}"/>
+              </a:ext>
+            </a:extLst>
+          </p:cNvPr>
+          <p:cNvSpPr txBox="1">
+            <a:spLocks/>
+          </p:cNvSpPr>
+          <p:nvPr/>
+        </p:nvSpPr>
+        <p:spPr>
+          <a:xfrm>
+            <a:off x="3869268" y="864108"/>
+            <a:ext cx="7315200" cy="5120640"/>
+          </a:xfrm>
+          <a:prstGeom prst="rect">
+            <a:avLst/>
+          </a:prstGeom>
+        </p:spPr>
+        <p:txBody>
+          <a:bodyPr/>
+          <a:lstStyle>
+            <a:lvl1pPr marL="182880" indent="-182880" algn="r" defTabSz="914400" rtl="1" eaLnBrk="1" latinLnBrk="0" hangingPunct="1">
+              <a:lnSpc>
+                <a:spcPct val="90000"/>
+              </a:lnSpc>
+              <a:spcBef>
+                <a:spcPts val="1200"/>
+              </a:spcBef>
+              <a:buClr>
+                <a:schemeClr val="accent1"/>
+              </a:buClr>
+              <a:buFont typeface="Wingdings 2" pitchFamily="18" charset="2"/>
+              <a:buChar char=""/>
+              <a:defRPr sz="2000" kern="1200">
+                <a:solidFill>
+                  <a:schemeClr val="tx1">
+                    <a:lumMod val="65000"/>
+                    <a:lumOff val="35000"/>
+                  </a:schemeClr>
+                </a:solidFill>
+                <a:latin typeface="+mn-lt"/>
+                <a:ea typeface="+mn-ea"/>
+                <a:cs typeface="+mn-cs"/>
+              </a:defRPr>
+            </a:lvl1pPr>
+            <a:lvl2pPr marL="685800" indent="-182880" algn="r" defTabSz="914400" rtl="1" eaLnBrk="1" latinLnBrk="0" hangingPunct="1">
+              <a:lnSpc>
+                <a:spcPct val="90000"/>
+              </a:lnSpc>
+              <a:spcBef>
+                <a:spcPts val="250"/>
+              </a:spcBef>
+              <a:spcAft>
+                <a:spcPts val="250"/>
+              </a:spcAft>
+              <a:buClr>
+                <a:schemeClr val="accent1"/>
+              </a:buClr>
+              <a:buFont typeface="Wingdings 2" pitchFamily="18" charset="2"/>
+              <a:buChar char=""/>
+              <a:defRPr sz="1800" kern="1200">
+                <a:solidFill>
+                  <a:schemeClr val="tx1">
+                    <a:lumMod val="65000"/>
+                    <a:lumOff val="35000"/>
+                  </a:schemeClr>
+                </a:solidFill>
+                <a:latin typeface="+mn-lt"/>
+                <a:ea typeface="+mn-ea"/>
+                <a:cs typeface="+mn-cs"/>
+              </a:defRPr>
+            </a:lvl2pPr>
+            <a:lvl3pPr marL="1143000" indent="-182880" algn="r" defTabSz="914400" rtl="1" eaLnBrk="1" latinLnBrk="0" hangingPunct="1">
+              <a:lnSpc>
+                <a:spcPct val="90000"/>
+              </a:lnSpc>
+              <a:spcBef>
+                <a:spcPts val="250"/>
+              </a:spcBef>
+              <a:spcAft>
+                <a:spcPts val="250"/>
+              </a:spcAft>
+              <a:buClr>
+                <a:schemeClr val="accent1"/>
+              </a:buClr>
+              <a:buFont typeface="Wingdings 2" pitchFamily="18" charset="2"/>
+              <a:buChar char=""/>
+              <a:defRPr sz="1600" kern="1200">
+                <a:solidFill>
+                  <a:schemeClr val="tx1">
+                    <a:lumMod val="65000"/>
+                    <a:lumOff val="35000"/>
+                  </a:schemeClr>
+                </a:solidFill>
+                <a:latin typeface="+mn-lt"/>
+                <a:ea typeface="+mn-ea"/>
+                <a:cs typeface="+mn-cs"/>
+              </a:defRPr>
+            </a:lvl3pPr>
+            <a:lvl4pPr marL="1600200" indent="-182880" algn="r" defTabSz="914400" rtl="1" eaLnBrk="1" latinLnBrk="0" hangingPunct="1">
+              <a:lnSpc>
+                <a:spcPct val="90000"/>
+              </a:lnSpc>
+              <a:spcBef>
+                <a:spcPts val="250"/>
+              </a:spcBef>
+              <a:spcAft>
+                <a:spcPts val="250"/>
+              </a:spcAft>
+              <a:buClr>
+                <a:schemeClr val="accent1"/>
+              </a:buClr>
+              <a:buFont typeface="Wingdings 2" pitchFamily="18" charset="2"/>
+              <a:buChar char=""/>
+              <a:defRPr sz="1400" kern="1200">
+                <a:solidFill>
+                  <a:schemeClr val="tx1">
+                    <a:lumMod val="65000"/>
+                    <a:lumOff val="35000"/>
+                  </a:schemeClr>
+                </a:solidFill>
+                <a:latin typeface="+mn-lt"/>
+                <a:ea typeface="+mn-ea"/>
+                <a:cs typeface="+mn-cs"/>
+              </a:defRPr>
+            </a:lvl4pPr>
+            <a:lvl5pPr marL="2057400" indent="-182880" algn="r" defTabSz="914400" rtl="1" eaLnBrk="1" latinLnBrk="0" hangingPunct="1">
+              <a:lnSpc>
+                <a:spcPct val="90000"/>
+              </a:lnSpc>
+              <a:spcBef>
+                <a:spcPts val="250"/>
+              </a:spcBef>
+              <a:spcAft>
+                <a:spcPts val="250"/>
+              </a:spcAft>
+              <a:buClr>
+                <a:schemeClr val="accent1"/>
+              </a:buClr>
+              <a:buFont typeface="Wingdings 2" pitchFamily="18" charset="2"/>
+              <a:buChar char=""/>
+              <a:defRPr sz="1400" kern="1200">
+                <a:solidFill>
+                  <a:schemeClr val="tx1">
+                    <a:lumMod val="65000"/>
+                    <a:lumOff val="35000"/>
+                  </a:schemeClr>
+                </a:solidFill>
+                <a:latin typeface="+mn-lt"/>
+                <a:ea typeface="+mn-ea"/>
+                <a:cs typeface="+mn-cs"/>
+              </a:defRPr>
+            </a:lvl5pPr>
+            <a:lvl6pPr marL="2514600" indent="-228600" algn="r" defTabSz="914400" rtl="1" eaLnBrk="1" latinLnBrk="0" hangingPunct="1">
+              <a:lnSpc>
+                <a:spcPct val="90000"/>
+              </a:lnSpc>
+              <a:spcBef>
+                <a:spcPts val="250"/>
+              </a:spcBef>
+              <a:spcAft>
+                <a:spcPts val="250"/>
+              </a:spcAft>
+              <a:buClr>
+                <a:schemeClr val="accent1"/>
+              </a:buClr>
+              <a:buFont typeface="Wingdings 2" pitchFamily="18" charset="2"/>
+              <a:buChar char=""/>
+              <a:defRPr sz="1400" kern="1200">
+                <a:solidFill>
+                  <a:schemeClr val="tx1">
+                    <a:lumMod val="65000"/>
+                    <a:lumOff val="35000"/>
+                  </a:schemeClr>
+                </a:solidFill>
+                <a:latin typeface="+mn-lt"/>
+                <a:ea typeface="+mn-ea"/>
+                <a:cs typeface="+mn-cs"/>
+              </a:defRPr>
+            </a:lvl6pPr>
+            <a:lvl7pPr marL="2971800" indent="-228600" algn="r" defTabSz="914400" rtl="1" eaLnBrk="1" latinLnBrk="0" hangingPunct="1">
+              <a:lnSpc>
+                <a:spcPct val="90000"/>
+              </a:lnSpc>
+              <a:spcBef>
+                <a:spcPts val="250"/>
+              </a:spcBef>
+              <a:spcAft>
+                <a:spcPts val="250"/>
+              </a:spcAft>
+              <a:buClr>
+                <a:schemeClr val="accent1"/>
+              </a:buClr>
+              <a:buFont typeface="Wingdings 2" pitchFamily="18" charset="2"/>
+              <a:buChar char=""/>
+              <a:defRPr sz="1400" kern="1200">
+                <a:solidFill>
+                  <a:schemeClr val="tx1">
+                    <a:lumMod val="65000"/>
+                    <a:lumOff val="35000"/>
+                  </a:schemeClr>
+                </a:solidFill>
+                <a:latin typeface="+mn-lt"/>
+                <a:ea typeface="+mn-ea"/>
+                <a:cs typeface="+mn-cs"/>
+              </a:defRPr>
+            </a:lvl7pPr>
+            <a:lvl8pPr marL="3429000" indent="-228600" algn="r" defTabSz="914400" rtl="1" eaLnBrk="1" latinLnBrk="0" hangingPunct="1">
+              <a:lnSpc>
+                <a:spcPct val="90000"/>
+              </a:lnSpc>
+              <a:spcBef>
+                <a:spcPts val="250"/>
+              </a:spcBef>
+              <a:spcAft>
+                <a:spcPts val="250"/>
+              </a:spcAft>
+              <a:buClr>
+                <a:schemeClr val="accent1"/>
+              </a:buClr>
+              <a:buFont typeface="Wingdings 2" pitchFamily="18" charset="2"/>
+              <a:buChar char=""/>
+              <a:defRPr sz="1400" kern="1200">
+                <a:solidFill>
+                  <a:schemeClr val="tx1">
+                    <a:lumMod val="65000"/>
+                    <a:lumOff val="35000"/>
+                  </a:schemeClr>
+                </a:solidFill>
+                <a:latin typeface="+mn-lt"/>
+                <a:ea typeface="+mn-ea"/>
+                <a:cs typeface="+mn-cs"/>
+              </a:defRPr>
+            </a:lvl8pPr>
+            <a:lvl9pPr marL="3886200" indent="-228600" algn="r" defTabSz="914400" rtl="1" eaLnBrk="1" latinLnBrk="0" hangingPunct="1">
+              <a:lnSpc>
+                <a:spcPct val="90000"/>
+              </a:lnSpc>
+              <a:spcBef>
+                <a:spcPts val="250"/>
+              </a:spcBef>
+              <a:spcAft>
+                <a:spcPts val="250"/>
+              </a:spcAft>
+              <a:buClr>
+                <a:schemeClr val="accent1"/>
+              </a:buClr>
+              <a:buFont typeface="Wingdings 2" pitchFamily="18" charset="2"/>
+              <a:buChar char=""/>
+              <a:defRPr sz="1400" kern="1200">
+                <a:solidFill>
+                  <a:schemeClr val="tx1">
+                    <a:lumMod val="65000"/>
+                    <a:lumOff val="35000"/>
+                  </a:schemeClr>
+                </a:solidFill>
+                <a:latin typeface="+mn-lt"/>
+                <a:ea typeface="+mn-ea"/>
+                <a:cs typeface="+mn-cs"/>
+              </a:defRPr>
+            </a:lvl9pPr>
+          </a:lstStyle>
+          <a:p>
+            <a:endParaRPr lang="he-IL" dirty="0"/>
+          </a:p>
+          <a:p>
+            <a:endParaRPr lang="he-IL" dirty="0"/>
+          </a:p>
+          <a:p>
+            <a:endParaRPr lang="he-IL" dirty="0"/>
+          </a:p>
+          <a:p>
+            <a:endParaRPr lang="he-IL" dirty="0"/>
+          </a:p>
+          <a:p>
+            <a:r>
+              <a:rPr lang="he-IL" dirty="0"/>
+              <a:t>במאמר </a:t>
+            </a:r>
+            <a:r>
+              <a:rPr lang="en-US" dirty="0"/>
+              <a:t>Means-ends based know-how mapping</a:t>
+            </a:r>
+            <a:r>
+              <a:rPr lang="he-IL" dirty="0"/>
+              <a:t> אשר פותח ע"י ד"ר ארנון שטרום ושות' הוצג מודל למיפוי מידע</a:t>
+            </a:r>
+          </a:p>
+          <a:p>
+            <a:r>
+              <a:rPr lang="he-IL" dirty="0"/>
+              <a:t>ברצוננו ליצור מערכת אשר תיישם מודל זה על מאגר מידע.</a:t>
+            </a:r>
+          </a:p>
+        </p:txBody>
+      </p:sp>
+    </p:spTree>
+    <p:extLst>
+      <p:ext uri="{BB962C8B-B14F-4D97-AF65-F5344CB8AC3E}">
+        <p14:creationId xmlns:p14="http://schemas.microsoft.com/office/powerpoint/2010/main" val="220767538"/>
+      </p:ext>
+    </p:extLst>
+  </p:cSld>
+  <p:clrMapOvr>
+    <a:masterClrMapping/>
+  </p:clrMapOvr>
+</p:sld>
+</file>
+
 <file path=ppt/slides/slide4.xml><?xml version="1.0" encoding="utf-8"?>
 <p:sld xmlns:a="http://schemas.openxmlformats.org/drawingml/2006/main" xmlns:r="http://schemas.openxmlformats.org/officeDocument/2006/relationships" xmlns:p="http://schemas.openxmlformats.org/presentationml/2006/main">
+  <p:cSld>
+    <p:spTree>
+      <p:nvGrpSpPr>
+        <p:cNvPr id="1" name=""/>
+        <p:cNvGrpSpPr/>
+        <p:nvPr/>
+      </p:nvGrpSpPr>
+      <p:grpSpPr>
+        <a:xfrm>
+          <a:off x="0" y="0"/>
+          <a:ext cx="0" cy="0"/>
+          <a:chOff x="0" y="0"/>
+          <a:chExt cx="0" cy="0"/>
+        </a:xfrm>
+      </p:grpSpPr>
+      <p:sp>
+        <p:nvSpPr>
+          <p:cNvPr id="2" name="כותרת 1">
+            <a:extLst>
+              <a:ext uri="{FF2B5EF4-FFF2-40B4-BE49-F238E27FC236}">
+                <a16:creationId xmlns:a16="http://schemas.microsoft.com/office/drawing/2014/main" id="{3236B5DA-A202-40B8-8D9A-DB4BA1927A97}"/>
+              </a:ext>
+            </a:extLst>
+          </p:cNvPr>
+          <p:cNvSpPr>
+            <a:spLocks noGrp="1"/>
+          </p:cNvSpPr>
+          <p:nvPr>
+            <p:ph type="title"/>
+          </p:nvPr>
+        </p:nvSpPr>
+        <p:spPr/>
+        <p:txBody>
+          <a:bodyPr/>
+          <a:lstStyle/>
+          <a:p>
+            <a:r>
+              <a:rPr lang="he-IL" dirty="0"/>
+              <a:t>מטרת הפרויקט</a:t>
+            </a:r>
+          </a:p>
+        </p:txBody>
+      </p:sp>
+      <p:sp>
+        <p:nvSpPr>
+          <p:cNvPr id="3" name="מציין מיקום תוכן 2">
+            <a:extLst>
+              <a:ext uri="{FF2B5EF4-FFF2-40B4-BE49-F238E27FC236}">
+                <a16:creationId xmlns:a16="http://schemas.microsoft.com/office/drawing/2014/main" id="{22A9237E-EE38-4DE8-9AD7-B0C246930CCB}"/>
+              </a:ext>
+            </a:extLst>
+          </p:cNvPr>
+          <p:cNvSpPr>
+            <a:spLocks noGrp="1"/>
+          </p:cNvSpPr>
+          <p:nvPr>
+            <p:ph idx="1"/>
+          </p:nvPr>
+        </p:nvSpPr>
+        <p:spPr/>
+        <p:txBody>
+          <a:bodyPr/>
+          <a:lstStyle/>
+          <a:p>
+            <a:r>
+              <a:rPr lang="he-IL" dirty="0"/>
+              <a:t>פיתוח מערכת אשר מנגישה מידע רב באמצעות מפות לניהול המידע בצורה יעילה יותר מאשר מערכת אחזור המידע הממומשת היום.</a:t>
+            </a:r>
+          </a:p>
+          <a:p>
+            <a:r>
+              <a:rPr lang="he-IL" dirty="0"/>
+              <a:t>המערכת תאפשר חיפוש איכותני במידע</a:t>
+            </a:r>
+          </a:p>
+          <a:p>
+            <a:r>
+              <a:rPr lang="he-IL" dirty="0"/>
+              <a:t>המערכת תאפשר עריכה ועדכון של המפות</a:t>
+            </a:r>
+          </a:p>
+          <a:p>
+            <a:endParaRPr lang="he-IL" dirty="0"/>
+          </a:p>
+        </p:txBody>
+      </p:sp>
+    </p:spTree>
+    <p:extLst>
+      <p:ext uri="{BB962C8B-B14F-4D97-AF65-F5344CB8AC3E}">
+        <p14:creationId xmlns:p14="http://schemas.microsoft.com/office/powerpoint/2010/main" val="1757748292"/>
+      </p:ext>
+    </p:extLst>
+  </p:cSld>
+  <p:clrMapOvr>
+    <a:masterClrMapping/>
+  </p:clrMapOvr>
+</p:sld>
+</file>
+
+<file path=ppt/slides/slide5.xml><?xml version="1.0" encoding="utf-8"?>
+<p:sld xmlns:a="http://schemas.openxmlformats.org/drawingml/2006/main" xmlns:r="http://schemas.openxmlformats.org/officeDocument/2006/relationships" xmlns:p="http://schemas.openxmlformats.org/presentationml/2006/main">
+  <p:cSld>
+    <p:spTree>
+      <p:nvGrpSpPr>
+        <p:cNvPr id="1" name=""/>
+        <p:cNvGrpSpPr/>
+        <p:nvPr/>
+      </p:nvGrpSpPr>
+      <p:grpSpPr>
+        <a:xfrm>
+          <a:off x="0" y="0"/>
+          <a:ext cx="0" cy="0"/>
+          <a:chOff x="0" y="0"/>
+          <a:chExt cx="0" cy="0"/>
+        </a:xfrm>
+      </p:grpSpPr>
+      <p:sp>
+        <p:nvSpPr>
+          <p:cNvPr id="2" name="כותרת 1">
+            <a:extLst>
+              <a:ext uri="{FF2B5EF4-FFF2-40B4-BE49-F238E27FC236}">
+                <a16:creationId xmlns:a16="http://schemas.microsoft.com/office/drawing/2014/main" id="{F68B70DA-5096-4CB3-92FD-FD655830574A}"/>
+              </a:ext>
+            </a:extLst>
+          </p:cNvPr>
+          <p:cNvSpPr>
+            <a:spLocks noGrp="1"/>
+          </p:cNvSpPr>
+          <p:nvPr>
+            <p:ph type="title"/>
+          </p:nvPr>
+        </p:nvSpPr>
+        <p:spPr/>
+        <p:txBody>
+          <a:bodyPr/>
+          <a:lstStyle/>
+          <a:p>
+            <a:r>
+              <a:rPr lang="he-IL" dirty="0"/>
+              <a:t>תיאור הבעיה מעשית שאיתה יתמודד הפרויקט</a:t>
+            </a:r>
+          </a:p>
+        </p:txBody>
+      </p:sp>
+      <p:sp>
+        <p:nvSpPr>
+          <p:cNvPr id="4" name="מציין מיקום תוכן 2">
+            <a:extLst>
+              <a:ext uri="{FF2B5EF4-FFF2-40B4-BE49-F238E27FC236}">
+                <a16:creationId xmlns:a16="http://schemas.microsoft.com/office/drawing/2014/main" id="{14836448-94EE-46FF-B77A-9CFD6F583D82}"/>
+              </a:ext>
+            </a:extLst>
+          </p:cNvPr>
+          <p:cNvSpPr txBox="1">
+            <a:spLocks/>
+          </p:cNvSpPr>
+          <p:nvPr/>
+        </p:nvSpPr>
+        <p:spPr>
+          <a:xfrm>
+            <a:off x="3869268" y="2888974"/>
+            <a:ext cx="7315200" cy="3095774"/>
+          </a:xfrm>
+          <a:prstGeom prst="rect">
+            <a:avLst/>
+          </a:prstGeom>
+        </p:spPr>
+        <p:txBody>
+          <a:bodyPr/>
+          <a:lstStyle>
+            <a:lvl1pPr marL="182880" indent="-182880" algn="r" defTabSz="914400" rtl="1" eaLnBrk="1" latinLnBrk="0" hangingPunct="1">
+              <a:lnSpc>
+                <a:spcPct val="90000"/>
+              </a:lnSpc>
+              <a:spcBef>
+                <a:spcPts val="1200"/>
+              </a:spcBef>
+              <a:buClr>
+                <a:schemeClr val="accent1"/>
+              </a:buClr>
+              <a:buFont typeface="Wingdings 2" pitchFamily="18" charset="2"/>
+              <a:buChar char=""/>
+              <a:defRPr sz="2000" kern="1200">
+                <a:solidFill>
+                  <a:schemeClr val="tx1">
+                    <a:lumMod val="65000"/>
+                    <a:lumOff val="35000"/>
+                  </a:schemeClr>
+                </a:solidFill>
+                <a:latin typeface="+mn-lt"/>
+                <a:ea typeface="+mn-ea"/>
+                <a:cs typeface="+mn-cs"/>
+              </a:defRPr>
+            </a:lvl1pPr>
+            <a:lvl2pPr marL="685800" indent="-182880" algn="r" defTabSz="914400" rtl="1" eaLnBrk="1" latinLnBrk="0" hangingPunct="1">
+              <a:lnSpc>
+                <a:spcPct val="90000"/>
+              </a:lnSpc>
+              <a:spcBef>
+                <a:spcPts val="250"/>
+              </a:spcBef>
+              <a:spcAft>
+                <a:spcPts val="250"/>
+              </a:spcAft>
+              <a:buClr>
+                <a:schemeClr val="accent1"/>
+              </a:buClr>
+              <a:buFont typeface="Wingdings 2" pitchFamily="18" charset="2"/>
+              <a:buChar char=""/>
+              <a:defRPr sz="1800" kern="1200">
+                <a:solidFill>
+                  <a:schemeClr val="tx1">
+                    <a:lumMod val="65000"/>
+                    <a:lumOff val="35000"/>
+                  </a:schemeClr>
+                </a:solidFill>
+                <a:latin typeface="+mn-lt"/>
+                <a:ea typeface="+mn-ea"/>
+                <a:cs typeface="+mn-cs"/>
+              </a:defRPr>
+            </a:lvl2pPr>
+            <a:lvl3pPr marL="1143000" indent="-182880" algn="r" defTabSz="914400" rtl="1" eaLnBrk="1" latinLnBrk="0" hangingPunct="1">
+              <a:lnSpc>
+                <a:spcPct val="90000"/>
+              </a:lnSpc>
+              <a:spcBef>
+                <a:spcPts val="250"/>
+              </a:spcBef>
+              <a:spcAft>
+                <a:spcPts val="250"/>
+              </a:spcAft>
+              <a:buClr>
+                <a:schemeClr val="accent1"/>
+              </a:buClr>
+              <a:buFont typeface="Wingdings 2" pitchFamily="18" charset="2"/>
+              <a:buChar char=""/>
+              <a:defRPr sz="1600" kern="1200">
+                <a:solidFill>
+                  <a:schemeClr val="tx1">
+                    <a:lumMod val="65000"/>
+                    <a:lumOff val="35000"/>
+                  </a:schemeClr>
+                </a:solidFill>
+                <a:latin typeface="+mn-lt"/>
+                <a:ea typeface="+mn-ea"/>
+                <a:cs typeface="+mn-cs"/>
+              </a:defRPr>
+            </a:lvl3pPr>
+            <a:lvl4pPr marL="1600200" indent="-182880" algn="r" defTabSz="914400" rtl="1" eaLnBrk="1" latinLnBrk="0" hangingPunct="1">
+              <a:lnSpc>
+                <a:spcPct val="90000"/>
+              </a:lnSpc>
+              <a:spcBef>
+                <a:spcPts val="250"/>
+              </a:spcBef>
+              <a:spcAft>
+                <a:spcPts val="250"/>
+              </a:spcAft>
+              <a:buClr>
+                <a:schemeClr val="accent1"/>
+              </a:buClr>
+              <a:buFont typeface="Wingdings 2" pitchFamily="18" charset="2"/>
+              <a:buChar char=""/>
+              <a:defRPr sz="1400" kern="1200">
+                <a:solidFill>
+                  <a:schemeClr val="tx1">
+                    <a:lumMod val="65000"/>
+                    <a:lumOff val="35000"/>
+                  </a:schemeClr>
+                </a:solidFill>
+                <a:latin typeface="+mn-lt"/>
+                <a:ea typeface="+mn-ea"/>
+                <a:cs typeface="+mn-cs"/>
+              </a:defRPr>
+            </a:lvl4pPr>
+            <a:lvl5pPr marL="2057400" indent="-182880" algn="r" defTabSz="914400" rtl="1" eaLnBrk="1" latinLnBrk="0" hangingPunct="1">
+              <a:lnSpc>
+                <a:spcPct val="90000"/>
+              </a:lnSpc>
+              <a:spcBef>
+                <a:spcPts val="250"/>
+              </a:spcBef>
+              <a:spcAft>
+                <a:spcPts val="250"/>
+              </a:spcAft>
+              <a:buClr>
+                <a:schemeClr val="accent1"/>
+              </a:buClr>
+              <a:buFont typeface="Wingdings 2" pitchFamily="18" charset="2"/>
+              <a:buChar char=""/>
+              <a:defRPr sz="1400" kern="1200">
+                <a:solidFill>
+                  <a:schemeClr val="tx1">
+                    <a:lumMod val="65000"/>
+                    <a:lumOff val="35000"/>
+                  </a:schemeClr>
+                </a:solidFill>
+                <a:latin typeface="+mn-lt"/>
+                <a:ea typeface="+mn-ea"/>
+                <a:cs typeface="+mn-cs"/>
+              </a:defRPr>
+            </a:lvl5pPr>
+            <a:lvl6pPr marL="2514600" indent="-228600" algn="r" defTabSz="914400" rtl="1" eaLnBrk="1" latinLnBrk="0" hangingPunct="1">
+              <a:lnSpc>
+                <a:spcPct val="90000"/>
+              </a:lnSpc>
+              <a:spcBef>
+                <a:spcPts val="250"/>
+              </a:spcBef>
+              <a:spcAft>
+                <a:spcPts val="250"/>
+              </a:spcAft>
+              <a:buClr>
+                <a:schemeClr val="accent1"/>
+              </a:buClr>
+              <a:buFont typeface="Wingdings 2" pitchFamily="18" charset="2"/>
+              <a:buChar char=""/>
+              <a:defRPr sz="1400" kern="1200">
+                <a:solidFill>
+                  <a:schemeClr val="tx1">
+                    <a:lumMod val="65000"/>
+                    <a:lumOff val="35000"/>
+                  </a:schemeClr>
+                </a:solidFill>
+                <a:latin typeface="+mn-lt"/>
+                <a:ea typeface="+mn-ea"/>
+                <a:cs typeface="+mn-cs"/>
+              </a:defRPr>
+            </a:lvl6pPr>
+            <a:lvl7pPr marL="2971800" indent="-228600" algn="r" defTabSz="914400" rtl="1" eaLnBrk="1" latinLnBrk="0" hangingPunct="1">
+              <a:lnSpc>
+                <a:spcPct val="90000"/>
+              </a:lnSpc>
+              <a:spcBef>
+                <a:spcPts val="250"/>
+              </a:spcBef>
+              <a:spcAft>
+                <a:spcPts val="250"/>
+              </a:spcAft>
+              <a:buClr>
+                <a:schemeClr val="accent1"/>
+              </a:buClr>
+              <a:buFont typeface="Wingdings 2" pitchFamily="18" charset="2"/>
+              <a:buChar char=""/>
+              <a:defRPr sz="1400" kern="1200">
+                <a:solidFill>
+                  <a:schemeClr val="tx1">
+                    <a:lumMod val="65000"/>
+                    <a:lumOff val="35000"/>
+                  </a:schemeClr>
+                </a:solidFill>
+                <a:latin typeface="+mn-lt"/>
+                <a:ea typeface="+mn-ea"/>
+                <a:cs typeface="+mn-cs"/>
+              </a:defRPr>
+            </a:lvl7pPr>
+            <a:lvl8pPr marL="3429000" indent="-228600" algn="r" defTabSz="914400" rtl="1" eaLnBrk="1" latinLnBrk="0" hangingPunct="1">
+              <a:lnSpc>
+                <a:spcPct val="90000"/>
+              </a:lnSpc>
+              <a:spcBef>
+                <a:spcPts val="250"/>
+              </a:spcBef>
+              <a:spcAft>
+                <a:spcPts val="250"/>
+              </a:spcAft>
+              <a:buClr>
+                <a:schemeClr val="accent1"/>
+              </a:buClr>
+              <a:buFont typeface="Wingdings 2" pitchFamily="18" charset="2"/>
+              <a:buChar char=""/>
+              <a:defRPr sz="1400" kern="1200">
+                <a:solidFill>
+                  <a:schemeClr val="tx1">
+                    <a:lumMod val="65000"/>
+                    <a:lumOff val="35000"/>
+                  </a:schemeClr>
+                </a:solidFill>
+                <a:latin typeface="+mn-lt"/>
+                <a:ea typeface="+mn-ea"/>
+                <a:cs typeface="+mn-cs"/>
+              </a:defRPr>
+            </a:lvl8pPr>
+            <a:lvl9pPr marL="3886200" indent="-228600" algn="r" defTabSz="914400" rtl="1" eaLnBrk="1" latinLnBrk="0" hangingPunct="1">
+              <a:lnSpc>
+                <a:spcPct val="90000"/>
+              </a:lnSpc>
+              <a:spcBef>
+                <a:spcPts val="250"/>
+              </a:spcBef>
+              <a:spcAft>
+                <a:spcPts val="250"/>
+              </a:spcAft>
+              <a:buClr>
+                <a:schemeClr val="accent1"/>
+              </a:buClr>
+              <a:buFont typeface="Wingdings 2" pitchFamily="18" charset="2"/>
+              <a:buChar char=""/>
+              <a:defRPr sz="1400" kern="1200">
+                <a:solidFill>
+                  <a:schemeClr val="tx1">
+                    <a:lumMod val="65000"/>
+                    <a:lumOff val="35000"/>
+                  </a:schemeClr>
+                </a:solidFill>
+                <a:latin typeface="+mn-lt"/>
+                <a:ea typeface="+mn-ea"/>
+                <a:cs typeface="+mn-cs"/>
+              </a:defRPr>
+            </a:lvl9pPr>
+          </a:lstStyle>
+          <a:p>
+            <a:r>
+              <a:rPr lang="he-IL" sz="2800" dirty="0"/>
+              <a:t>ניהול ידע לא יעיל ולא נוח</a:t>
+            </a:r>
+          </a:p>
+          <a:p>
+            <a:endParaRPr lang="he-IL" sz="2800" dirty="0"/>
+          </a:p>
+        </p:txBody>
+      </p:sp>
+    </p:spTree>
+    <p:extLst>
+      <p:ext uri="{BB962C8B-B14F-4D97-AF65-F5344CB8AC3E}">
+        <p14:creationId xmlns:p14="http://schemas.microsoft.com/office/powerpoint/2010/main" val="2746679705"/>
+      </p:ext>
+    </p:extLst>
+  </p:cSld>
+  <p:clrMapOvr>
+    <a:masterClrMapping/>
+  </p:clrMapOvr>
+</p:sld>
+</file>
+
+<file path=ppt/slides/slide6.xml><?xml version="1.0" encoding="utf-8"?>
+<p:sld xmlns:a="http://schemas.openxmlformats.org/drawingml/2006/main" xmlns:r="http://schemas.openxmlformats.org/officeDocument/2006/relationships" xmlns:p="http://schemas.openxmlformats.org/presentationml/2006/main" show="0">
   <p:cSld>
     <p:spTree>
       <p:nvGrpSpPr>
@@ -4305,7 +9414,7 @@
 </p:sld>
 </file>
 
-<file path=ppt/slides/slide5.xml><?xml version="1.0" encoding="utf-8"?>
+<file path=ppt/slides/slide7.xml><?xml version="1.0" encoding="utf-8"?>
 <p:sld xmlns:a="http://schemas.openxmlformats.org/drawingml/2006/main" xmlns:r="http://schemas.openxmlformats.org/officeDocument/2006/relationships" xmlns:p="http://schemas.openxmlformats.org/presentationml/2006/main">
   <p:cSld>
     <p:spTree>
@@ -4327,7 +9436,7 @@
           <p:cNvPr id="2" name="כותרת 1">
             <a:extLst>
               <a:ext uri="{FF2B5EF4-FFF2-40B4-BE49-F238E27FC236}">
-                <a16:creationId xmlns:a16="http://schemas.microsoft.com/office/drawing/2014/main" id="{2F8C9BD0-8EFB-4254-A593-A0E9756ECF74}"/>
+                <a16:creationId xmlns:a16="http://schemas.microsoft.com/office/drawing/2014/main" id="{8E4098FA-4AC6-4E6C-A1C6-D21B489030DD}"/>
               </a:ext>
             </a:extLst>
           </p:cNvPr>
@@ -4345,7 +9454,7 @@
           <a:p>
             <a:r>
               <a:rPr lang="he-IL" dirty="0"/>
-              <a:t>אתגרים צפויים</a:t>
+              <a:t>דרישות</a:t>
             </a:r>
           </a:p>
         </p:txBody>
@@ -4355,7 +9464,7 @@
           <p:cNvPr id="3" name="מציין מיקום תוכן 2">
             <a:extLst>
               <a:ext uri="{FF2B5EF4-FFF2-40B4-BE49-F238E27FC236}">
-                <a16:creationId xmlns:a16="http://schemas.microsoft.com/office/drawing/2014/main" id="{9631CACA-1AAA-4B46-9643-214D9441F243}"/>
+                <a16:creationId xmlns:a16="http://schemas.microsoft.com/office/drawing/2014/main" id="{9F1CC235-89B1-4D83-AE7F-E1AFE8BE0874}"/>
               </a:ext>
             </a:extLst>
           </p:cNvPr>
@@ -4371,10 +9480,23 @@
           <a:bodyPr/>
           <a:lstStyle/>
           <a:p>
-            <a:pPr algn="r"/>
             <a:r>
               <a:rPr lang="he-IL" dirty="0"/>
-              <a:t>הגדרת </a:t>
+              <a:t>הקצאת מקום אחסון בעבור </a:t>
+            </a:r>
+            <a:r>
+              <a:rPr lang="en-US" dirty="0"/>
+              <a:t>DB</a:t>
+            </a:r>
+            <a:r>
+              <a:rPr lang="he-IL" dirty="0"/>
+              <a:t> </a:t>
+            </a:r>
+          </a:p>
+          <a:p>
+            <a:r>
+              <a:rPr lang="he-IL" dirty="0"/>
+              <a:t>גישה ל</a:t>
             </a:r>
             <a:r>
               <a:rPr lang="en-US" dirty="0"/>
@@ -4382,37 +9504,39 @@
             </a:r>
             <a:r>
               <a:rPr lang="he-IL" dirty="0"/>
-              <a:t> (התממשקות עם 3 קבוצות)</a:t>
-            </a:r>
-          </a:p>
-          <a:p>
-            <a:pPr algn="r"/>
+              <a:t> בדומה ל-</a:t>
+            </a:r>
+            <a:r>
+              <a:rPr lang="en-US" dirty="0"/>
+              <a:t>draw.io</a:t>
+            </a:r>
+            <a:endParaRPr lang="he-IL" dirty="0"/>
+          </a:p>
+          <a:p>
             <a:r>
               <a:rPr lang="he-IL" dirty="0"/>
-              <a:t>ניהול </a:t>
+              <a:t>גישה לשפות </a:t>
             </a:r>
             <a:r>
               <a:rPr lang="en-US" dirty="0"/>
-              <a:t>DB</a:t>
-            </a:r>
-          </a:p>
-          <a:p>
-            <a:pPr algn="r"/>
+              <a:t>Nodejs</a:t>
+            </a:r>
             <a:r>
               <a:rPr lang="he-IL" dirty="0"/>
-              <a:t>מודולריות וגמישות לשינויים במודל</a:t>
-            </a:r>
-          </a:p>
-          <a:p>
-            <a:pPr algn="r"/>
-            <a:endParaRPr lang="en-US" dirty="0"/>
+              <a:t> ו-</a:t>
+            </a:r>
+            <a:r>
+              <a:rPr lang="en-US" dirty="0"/>
+              <a:t>Angular</a:t>
+            </a:r>
+            <a:endParaRPr lang="he-IL" dirty="0"/>
           </a:p>
         </p:txBody>
       </p:sp>
     </p:spTree>
     <p:extLst>
       <p:ext uri="{BB962C8B-B14F-4D97-AF65-F5344CB8AC3E}">
-        <p14:creationId xmlns:p14="http://schemas.microsoft.com/office/powerpoint/2010/main" val="3929087132"/>
+        <p14:creationId xmlns:p14="http://schemas.microsoft.com/office/powerpoint/2010/main" val="3280299416"/>
       </p:ext>
     </p:extLst>
   </p:cSld>
@@ -4422,7 +9546,7 @@
 </p:sld>
 </file>
 
-<file path=ppt/slides/slide6.xml><?xml version="1.0" encoding="utf-8"?>
+<file path=ppt/slides/slide8.xml><?xml version="1.0" encoding="utf-8"?>
 <p:sld xmlns:a="http://schemas.openxmlformats.org/drawingml/2006/main" xmlns:r="http://schemas.openxmlformats.org/officeDocument/2006/relationships" xmlns:p="http://schemas.openxmlformats.org/presentationml/2006/main">
   <p:cSld>
     <p:spTree>
@@ -4444,7 +9568,7 @@
           <p:cNvPr id="2" name="כותרת 1">
             <a:extLst>
               <a:ext uri="{FF2B5EF4-FFF2-40B4-BE49-F238E27FC236}">
-                <a16:creationId xmlns:a16="http://schemas.microsoft.com/office/drawing/2014/main" id="{8E4098FA-4AC6-4E6C-A1C6-D21B489030DD}"/>
+                <a16:creationId xmlns:a16="http://schemas.microsoft.com/office/drawing/2014/main" id="{3C379ED7-6088-495B-A3F4-7A9F277F5FE2}"/>
               </a:ext>
             </a:extLst>
           </p:cNvPr>
@@ -4462,7 +9586,93 @@
           <a:p>
             <a:r>
               <a:rPr lang="he-IL" dirty="0"/>
-              <a:t>דרישות</a:t>
+              <a:t>לו"ז מתוכנן</a:t>
+            </a:r>
+          </a:p>
+        </p:txBody>
+      </p:sp>
+      <p:graphicFrame>
+        <p:nvGraphicFramePr>
+          <p:cNvPr id="11" name="דיאגרמה 10">
+            <a:extLst>
+              <a:ext uri="{FF2B5EF4-FFF2-40B4-BE49-F238E27FC236}">
+                <a16:creationId xmlns:a16="http://schemas.microsoft.com/office/drawing/2014/main" id="{F80FCD75-B1E1-492D-A7F7-CD7ACD0948E1}"/>
+              </a:ext>
+            </a:extLst>
+          </p:cNvPr>
+          <p:cNvGraphicFramePr/>
+          <p:nvPr>
+            <p:extLst>
+              <p:ext uri="{D42A27DB-BD31-4B8C-83A1-F6EECF244321}">
+                <p14:modId xmlns:p14="http://schemas.microsoft.com/office/powerpoint/2010/main" val="2953981796"/>
+              </p:ext>
+            </p:extLst>
+          </p:nvPr>
+        </p:nvGraphicFramePr>
+        <p:xfrm>
+          <a:off x="3670299" y="165100"/>
+          <a:ext cx="8268781" cy="6350000"/>
+        </p:xfrm>
+        <a:graphic>
+          <a:graphicData uri="http://schemas.openxmlformats.org/drawingml/2006/diagram">
+            <dgm:relIds xmlns:dgm="http://schemas.openxmlformats.org/drawingml/2006/diagram" xmlns:r="http://schemas.openxmlformats.org/officeDocument/2006/relationships" r:dm="rId2" r:lo="rId3" r:qs="rId4" r:cs="rId5"/>
+          </a:graphicData>
+        </a:graphic>
+      </p:graphicFrame>
+    </p:spTree>
+    <p:extLst>
+      <p:ext uri="{BB962C8B-B14F-4D97-AF65-F5344CB8AC3E}">
+        <p14:creationId xmlns:p14="http://schemas.microsoft.com/office/powerpoint/2010/main" val="3654863229"/>
+      </p:ext>
+    </p:extLst>
+  </p:cSld>
+  <p:clrMapOvr>
+    <a:masterClrMapping/>
+  </p:clrMapOvr>
+</p:sld>
+</file>
+
+<file path=ppt/slides/slide9.xml><?xml version="1.0" encoding="utf-8"?>
+<p:sld xmlns:a="http://schemas.openxmlformats.org/drawingml/2006/main" xmlns:r="http://schemas.openxmlformats.org/officeDocument/2006/relationships" xmlns:p="http://schemas.openxmlformats.org/presentationml/2006/main">
+  <p:cSld>
+    <p:spTree>
+      <p:nvGrpSpPr>
+        <p:cNvPr id="1" name=""/>
+        <p:cNvGrpSpPr/>
+        <p:nvPr/>
+      </p:nvGrpSpPr>
+      <p:grpSpPr>
+        <a:xfrm>
+          <a:off x="0" y="0"/>
+          <a:ext cx="0" cy="0"/>
+          <a:chOff x="0" y="0"/>
+          <a:chExt cx="0" cy="0"/>
+        </a:xfrm>
+      </p:grpSpPr>
+      <p:sp>
+        <p:nvSpPr>
+          <p:cNvPr id="2" name="כותרת 1">
+            <a:extLst>
+              <a:ext uri="{FF2B5EF4-FFF2-40B4-BE49-F238E27FC236}">
+                <a16:creationId xmlns:a16="http://schemas.microsoft.com/office/drawing/2014/main" id="{2F8C9BD0-8EFB-4254-A593-A0E9756ECF74}"/>
+              </a:ext>
+            </a:extLst>
+          </p:cNvPr>
+          <p:cNvSpPr>
+            <a:spLocks noGrp="1"/>
+          </p:cNvSpPr>
+          <p:nvPr>
+            <p:ph type="title"/>
+          </p:nvPr>
+        </p:nvSpPr>
+        <p:spPr/>
+        <p:txBody>
+          <a:bodyPr/>
+          <a:lstStyle/>
+          <a:p>
+            <a:r>
+              <a:rPr lang="he-IL" dirty="0"/>
+              <a:t>אתגרים צפויים</a:t>
             </a:r>
           </a:p>
         </p:txBody>
@@ -4472,7 +9682,7 @@
           <p:cNvPr id="3" name="מציין מיקום תוכן 2">
             <a:extLst>
               <a:ext uri="{FF2B5EF4-FFF2-40B4-BE49-F238E27FC236}">
-                <a16:creationId xmlns:a16="http://schemas.microsoft.com/office/drawing/2014/main" id="{9F1CC235-89B1-4D83-AE7F-E1AFE8BE0874}"/>
+                <a16:creationId xmlns:a16="http://schemas.microsoft.com/office/drawing/2014/main" id="{9631CACA-1AAA-4B46-9643-214D9441F243}"/>
               </a:ext>
             </a:extLst>
           </p:cNvPr>
@@ -4488,63 +9698,48 @@
           <a:bodyPr/>
           <a:lstStyle/>
           <a:p>
+            <a:pPr algn="r"/>
             <a:r>
               <a:rPr lang="he-IL" dirty="0"/>
-              <a:t>הקצאת מקום אחסון בעבור </a:t>
+              <a:t>הגדרת </a:t>
+            </a:r>
+            <a:r>
+              <a:rPr lang="en-US" dirty="0"/>
+              <a:t>API</a:t>
+            </a:r>
+            <a:r>
+              <a:rPr lang="he-IL" dirty="0"/>
+              <a:t> (התממשקות עם קבוצות נוספות)</a:t>
+            </a:r>
+          </a:p>
+          <a:p>
+            <a:pPr algn="r"/>
+            <a:r>
+              <a:rPr lang="he-IL" dirty="0"/>
+              <a:t>ניהול </a:t>
             </a:r>
             <a:r>
               <a:rPr lang="en-US" dirty="0"/>
               <a:t>DB</a:t>
             </a:r>
+          </a:p>
+          <a:p>
+            <a:pPr algn="r"/>
             <a:r>
               <a:rPr lang="he-IL" dirty="0"/>
-              <a:t> </a:t>
-            </a:r>
-          </a:p>
-          <a:p>
-            <a:r>
-              <a:rPr lang="he-IL" dirty="0"/>
-              <a:t>גישה ל</a:t>
-            </a:r>
-            <a:r>
-              <a:rPr lang="en-US" dirty="0"/>
-              <a:t>API</a:t>
-            </a:r>
-            <a:r>
-              <a:rPr lang="he-IL" dirty="0"/>
-              <a:t> בדומה ל-</a:t>
-            </a:r>
-            <a:r>
-              <a:rPr lang="en-US" dirty="0"/>
-              <a:t>draw.io</a:t>
-            </a:r>
-            <a:endParaRPr lang="he-IL" dirty="0"/>
-          </a:p>
-          <a:p>
-            <a:r>
-              <a:rPr lang="he-IL" dirty="0"/>
-              <a:t>גישה לשפות </a:t>
-            </a:r>
-            <a:r>
-              <a:rPr lang="en-US" dirty="0"/>
-              <a:t>Nodejs</a:t>
-            </a:r>
-            <a:r>
-              <a:rPr lang="he-IL" dirty="0"/>
-              <a:t> ו-</a:t>
-            </a:r>
-            <a:r>
-              <a:rPr lang="en-US" dirty="0"/>
-              <a:t>Angular</a:t>
-            </a:r>
-            <a:endParaRPr lang="he-IL" dirty="0"/>
+              <a:t>מודולריות וגמישות לשינויים במודל</a:t>
+            </a:r>
+          </a:p>
+          <a:p>
+            <a:pPr algn="r"/>
+            <a:endParaRPr lang="en-US" dirty="0"/>
           </a:p>
         </p:txBody>
       </p:sp>
     </p:spTree>
     <p:extLst>
       <p:ext uri="{BB962C8B-B14F-4D97-AF65-F5344CB8AC3E}">
-        <p14:creationId xmlns:p14="http://schemas.microsoft.com/office/powerpoint/2010/main" val="3280299416"/>
+        <p14:creationId xmlns:p14="http://schemas.microsoft.com/office/powerpoint/2010/main" val="3929087132"/>
       </p:ext>
     </p:extLst>
   </p:cSld>
@@ -4783,4 +9978,299 @@
     </a:ext>
   </a:extLst>
 </a:theme>
+</file>
+
+<file path=ppt/theme/theme2.xml><?xml version="1.0" encoding="utf-8"?>
+<a:theme xmlns:a="http://schemas.openxmlformats.org/drawingml/2006/main" name="ערכת נושא Office">
+  <a:themeElements>
+    <a:clrScheme name="Office">
+      <a:dk1>
+        <a:sysClr val="windowText" lastClr="000000"/>
+      </a:dk1>
+      <a:lt1>
+        <a:sysClr val="window" lastClr="FFFFFF"/>
+      </a:lt1>
+      <a:dk2>
+        <a:srgbClr val="44546A"/>
+      </a:dk2>
+      <a:lt2>
+        <a:srgbClr val="E7E6E6"/>
+      </a:lt2>
+      <a:accent1>
+        <a:srgbClr val="4472C4"/>
+      </a:accent1>
+      <a:accent2>
+        <a:srgbClr val="ED7D31"/>
+      </a:accent2>
+      <a:accent3>
+        <a:srgbClr val="A5A5A5"/>
+      </a:accent3>
+      <a:accent4>
+        <a:srgbClr val="FFC000"/>
+      </a:accent4>
+      <a:accent5>
+        <a:srgbClr val="5B9BD5"/>
+      </a:accent5>
+      <a:accent6>
+        <a:srgbClr val="70AD47"/>
+      </a:accent6>
+      <a:hlink>
+        <a:srgbClr val="0563C1"/>
+      </a:hlink>
+      <a:folHlink>
+        <a:srgbClr val="954F72"/>
+      </a:folHlink>
+    </a:clrScheme>
+    <a:fontScheme name="Office">
+      <a:majorFont>
+        <a:latin typeface="Calibri Light" panose="020F0302020204030204"/>
+        <a:ea typeface=""/>
+        <a:cs typeface=""/>
+        <a:font script="Jpan" typeface="游ゴシック Light"/>
+        <a:font script="Hang" typeface="맑은 고딕"/>
+        <a:font script="Hans" typeface="等线 Light"/>
+        <a:font script="Hant" typeface="新細明體"/>
+        <a:font script="Arab" typeface="Times New Roman"/>
+        <a:font script="Hebr" typeface="Times New Roman"/>
+        <a:font script="Thai" typeface="Angsana New"/>
+        <a:font script="Ethi" typeface="Nyala"/>
+        <a:font script="Beng" typeface="Vrinda"/>
+        <a:font script="Gujr" typeface="Shruti"/>
+        <a:font script="Khmr" typeface="MoolBoran"/>
+        <a:font script="Knda" typeface="Tunga"/>
+        <a:font script="Guru" typeface="Raavi"/>
+        <a:font script="Cans" typeface="Euphemia"/>
+        <a:font script="Cher" typeface="Plantagenet Cherokee"/>
+        <a:font script="Yiii" typeface="Microsoft Yi Baiti"/>
+        <a:font script="Tibt" typeface="Microsoft Himalaya"/>
+        <a:font script="Thaa" typeface="MV Boli"/>
+        <a:font script="Deva" typeface="Mangal"/>
+        <a:font script="Telu" typeface="Gautami"/>
+        <a:font script="Taml" typeface="Latha"/>
+        <a:font script="Syrc" typeface="Estrangelo Edessa"/>
+        <a:font script="Orya" typeface="Kalinga"/>
+        <a:font script="Mlym" typeface="Kartika"/>
+        <a:font script="Laoo" typeface="DokChampa"/>
+        <a:font script="Sinh" typeface="Iskoola Pota"/>
+        <a:font script="Mong" typeface="Mongolian Baiti"/>
+        <a:font script="Viet" typeface="Times New Roman"/>
+        <a:font script="Uigh" typeface="Microsoft Uighur"/>
+        <a:font script="Geor" typeface="Sylfaen"/>
+        <a:font script="Armn" typeface="Arial"/>
+        <a:font script="Bugi" typeface="Leelawadee UI"/>
+        <a:font script="Bopo" typeface="Microsoft JhengHei"/>
+        <a:font script="Java" typeface="Javanese Text"/>
+        <a:font script="Lisu" typeface="Segoe UI"/>
+        <a:font script="Mymr" typeface="Myanmar Text"/>
+        <a:font script="Nkoo" typeface="Ebrima"/>
+        <a:font script="Olck" typeface="Nirmala UI"/>
+        <a:font script="Osma" typeface="Ebrima"/>
+        <a:font script="Phag" typeface="Phagspa"/>
+        <a:font script="Syrn" typeface="Estrangelo Edessa"/>
+        <a:font script="Syrj" typeface="Estrangelo Edessa"/>
+        <a:font script="Syre" typeface="Estrangelo Edessa"/>
+        <a:font script="Sora" typeface="Nirmala UI"/>
+        <a:font script="Tale" typeface="Microsoft Tai Le"/>
+        <a:font script="Talu" typeface="Microsoft New Tai Lue"/>
+        <a:font script="Tfng" typeface="Ebrima"/>
+      </a:majorFont>
+      <a:minorFont>
+        <a:latin typeface="Calibri" panose="020F0502020204030204"/>
+        <a:ea typeface=""/>
+        <a:cs typeface=""/>
+        <a:font script="Jpan" typeface="游ゴシック"/>
+        <a:font script="Hang" typeface="맑은 고딕"/>
+        <a:font script="Hans" typeface="等线"/>
+        <a:font script="Hant" typeface="新細明體"/>
+        <a:font script="Arab" typeface="Arial"/>
+        <a:font script="Hebr" typeface="Arial"/>
+        <a:font script="Thai" typeface="Cordia New"/>
+        <a:font script="Ethi" typeface="Nyala"/>
+        <a:font script="Beng" typeface="Vrinda"/>
+        <a:font script="Gujr" typeface="Shruti"/>
+        <a:font script="Khmr" typeface="DaunPenh"/>
+        <a:font script="Knda" typeface="Tunga"/>
+        <a:font script="Guru" typeface="Raavi"/>
+        <a:font script="Cans" typeface="Euphemia"/>
+        <a:font script="Cher" typeface="Plantagenet Cherokee"/>
+        <a:font script="Yiii" typeface="Microsoft Yi Baiti"/>
+        <a:font script="Tibt" typeface="Microsoft Himalaya"/>
+        <a:font script="Thaa" typeface="MV Boli"/>
+        <a:font script="Deva" typeface="Mangal"/>
+        <a:font script="Telu" typeface="Gautami"/>
+        <a:font script="Taml" typeface="Latha"/>
+        <a:font script="Syrc" typeface="Estrangelo Edessa"/>
+        <a:font script="Orya" typeface="Kalinga"/>
+        <a:font script="Mlym" typeface="Kartika"/>
+        <a:font script="Laoo" typeface="DokChampa"/>
+        <a:font script="Sinh" typeface="Iskoola Pota"/>
+        <a:font script="Mong" typeface="Mongolian Baiti"/>
+        <a:font script="Viet" typeface="Arial"/>
+        <a:font script="Uigh" typeface="Microsoft Uighur"/>
+        <a:font script="Geor" typeface="Sylfaen"/>
+        <a:font script="Armn" typeface="Arial"/>
+        <a:font script="Bugi" typeface="Leelawadee UI"/>
+        <a:font script="Bopo" typeface="Microsoft JhengHei"/>
+        <a:font script="Java" typeface="Javanese Text"/>
+        <a:font script="Lisu" typeface="Segoe UI"/>
+        <a:font script="Mymr" typeface="Myanmar Text"/>
+        <a:font script="Nkoo" typeface="Ebrima"/>
+        <a:font script="Olck" typeface="Nirmala UI"/>
+        <a:font script="Osma" typeface="Ebrima"/>
+        <a:font script="Phag" typeface="Phagspa"/>
+        <a:font script="Syrn" typeface="Estrangelo Edessa"/>
+        <a:font script="Syrj" typeface="Estrangelo Edessa"/>
+        <a:font script="Syre" typeface="Estrangelo Edessa"/>
+        <a:font script="Sora" typeface="Nirmala UI"/>
+        <a:font script="Tale" typeface="Microsoft Tai Le"/>
+        <a:font script="Talu" typeface="Microsoft New Tai Lue"/>
+        <a:font script="Tfng" typeface="Ebrima"/>
+      </a:minorFont>
+    </a:fontScheme>
+    <a:fmtScheme name="Office">
+      <a:fillStyleLst>
+        <a:solidFill>
+          <a:schemeClr val="phClr"/>
+        </a:solidFill>
+        <a:gradFill rotWithShape="1">
+          <a:gsLst>
+            <a:gs pos="0">
+              <a:schemeClr val="phClr">
+                <a:lumMod val="110000"/>
+                <a:satMod val="105000"/>
+                <a:tint val="67000"/>
+              </a:schemeClr>
+            </a:gs>
+            <a:gs pos="50000">
+              <a:schemeClr val="phClr">
+                <a:lumMod val="105000"/>
+                <a:satMod val="103000"/>
+                <a:tint val="73000"/>
+              </a:schemeClr>
+            </a:gs>
+            <a:gs pos="100000">
+              <a:schemeClr val="phClr">
+                <a:lumMod val="105000"/>
+                <a:satMod val="109000"/>
+                <a:tint val="81000"/>
+              </a:schemeClr>
+            </a:gs>
+          </a:gsLst>
+          <a:lin ang="5400000" scaled="0"/>
+        </a:gradFill>
+        <a:gradFill rotWithShape="1">
+          <a:gsLst>
+            <a:gs pos="0">
+              <a:schemeClr val="phClr">
+                <a:satMod val="103000"/>
+                <a:lumMod val="102000"/>
+                <a:tint val="94000"/>
+              </a:schemeClr>
+            </a:gs>
+            <a:gs pos="50000">
+              <a:schemeClr val="phClr">
+                <a:satMod val="110000"/>
+                <a:lumMod val="100000"/>
+                <a:shade val="100000"/>
+              </a:schemeClr>
+            </a:gs>
+            <a:gs pos="100000">
+              <a:schemeClr val="phClr">
+                <a:lumMod val="99000"/>
+                <a:satMod val="120000"/>
+                <a:shade val="78000"/>
+              </a:schemeClr>
+            </a:gs>
+          </a:gsLst>
+          <a:lin ang="5400000" scaled="0"/>
+        </a:gradFill>
+      </a:fillStyleLst>
+      <a:lnStyleLst>
+        <a:ln w="6350" cap="flat" cmpd="sng" algn="ctr">
+          <a:solidFill>
+            <a:schemeClr val="phClr"/>
+          </a:solidFill>
+          <a:prstDash val="solid"/>
+          <a:miter lim="800000"/>
+        </a:ln>
+        <a:ln w="12700" cap="flat" cmpd="sng" algn="ctr">
+          <a:solidFill>
+            <a:schemeClr val="phClr"/>
+          </a:solidFill>
+          <a:prstDash val="solid"/>
+          <a:miter lim="800000"/>
+        </a:ln>
+        <a:ln w="19050" cap="flat" cmpd="sng" algn="ctr">
+          <a:solidFill>
+            <a:schemeClr val="phClr"/>
+          </a:solidFill>
+          <a:prstDash val="solid"/>
+          <a:miter lim="800000"/>
+        </a:ln>
+      </a:lnStyleLst>
+      <a:effectStyleLst>
+        <a:effectStyle>
+          <a:effectLst/>
+        </a:effectStyle>
+        <a:effectStyle>
+          <a:effectLst/>
+        </a:effectStyle>
+        <a:effectStyle>
+          <a:effectLst>
+            <a:outerShdw blurRad="57150" dist="19050" dir="5400000" algn="ctr" rotWithShape="0">
+              <a:srgbClr val="000000">
+                <a:alpha val="63000"/>
+              </a:srgbClr>
+            </a:outerShdw>
+          </a:effectLst>
+        </a:effectStyle>
+      </a:effectStyleLst>
+      <a:bgFillStyleLst>
+        <a:solidFill>
+          <a:schemeClr val="phClr"/>
+        </a:solidFill>
+        <a:solidFill>
+          <a:schemeClr val="phClr">
+            <a:tint val="95000"/>
+            <a:satMod val="170000"/>
+          </a:schemeClr>
+        </a:solidFill>
+        <a:gradFill rotWithShape="1">
+          <a:gsLst>
+            <a:gs pos="0">
+              <a:schemeClr val="phClr">
+                <a:tint val="93000"/>
+                <a:satMod val="150000"/>
+                <a:shade val="98000"/>
+                <a:lumMod val="102000"/>
+              </a:schemeClr>
+            </a:gs>
+            <a:gs pos="50000">
+              <a:schemeClr val="phClr">
+                <a:tint val="98000"/>
+                <a:satMod val="130000"/>
+                <a:shade val="90000"/>
+                <a:lumMod val="103000"/>
+              </a:schemeClr>
+            </a:gs>
+            <a:gs pos="100000">
+              <a:schemeClr val="phClr">
+                <a:shade val="63000"/>
+                <a:satMod val="120000"/>
+              </a:schemeClr>
+            </a:gs>
+          </a:gsLst>
+          <a:lin ang="5400000" scaled="0"/>
+        </a:gradFill>
+      </a:bgFillStyleLst>
+    </a:fmtScheme>
+  </a:themeElements>
+  <a:objectDefaults/>
+  <a:extraClrSchemeLst/>
+  <a:extLst>
+    <a:ext uri="{05A4C25C-085E-4340-85A3-A5531E510DB2}">
+      <thm15:themeFamily xmlns:thm15="http://schemas.microsoft.com/office/thememl/2012/main" name="Office Theme" id="{62F939B6-93AF-4DB8-9C6B-D6C7DFDC589F}" vid="{4A3C46E8-61CC-4603-A589-7422A47A8E4A}"/>
+    </a:ext>
+  </a:extLst>
+</a:theme>
 </file>